--- a/преза.pptx
+++ b/преза.pptx
@@ -4,6 +4,9 @@
   <p:sldMasterIdLst>
     <p:sldMasterId id="2147483648" r:id="rId1"/>
   </p:sldMasterIdLst>
+  <p:notesMasterIdLst>
+    <p:notesMasterId r:id="rId14"/>
+  </p:notesMasterIdLst>
   <p:sldIdLst>
     <p:sldId id="256" r:id="rId2"/>
     <p:sldId id="257" r:id="rId3"/>
@@ -134,6 +137,439 @@
 </p:presentation>
 </file>
 
+<file path=ppt/notesMasters/notesMaster1.xml><?xml version="1.0" encoding="utf-8"?>
+<p:notesMaster xmlns:a="http://schemas.openxmlformats.org/drawingml/2006/main" xmlns:r="http://schemas.openxmlformats.org/officeDocument/2006/relationships" xmlns:p="http://schemas.openxmlformats.org/presentationml/2006/main">
+  <p:cSld>
+    <p:bg>
+      <p:bgRef idx="1001">
+        <a:schemeClr val="bg1"/>
+      </p:bgRef>
+    </p:bg>
+    <p:spTree>
+      <p:nvGrpSpPr>
+        <p:cNvPr id="1" name=""/>
+        <p:cNvGrpSpPr/>
+        <p:nvPr/>
+      </p:nvGrpSpPr>
+      <p:grpSpPr>
+        <a:xfrm>
+          <a:off x="0" y="0"/>
+          <a:ext cx="0" cy="0"/>
+          <a:chOff x="0" y="0"/>
+          <a:chExt cx="0" cy="0"/>
+        </a:xfrm>
+      </p:grpSpPr>
+      <p:sp>
+        <p:nvSpPr>
+          <p:cNvPr id="2" name="Верхний колонтитул 1"/>
+          <p:cNvSpPr>
+            <a:spLocks noGrp="1"/>
+          </p:cNvSpPr>
+          <p:nvPr>
+            <p:ph type="hdr" sz="quarter"/>
+          </p:nvPr>
+        </p:nvSpPr>
+        <p:spPr>
+          <a:xfrm>
+            <a:off x="0" y="0"/>
+            <a:ext cx="2971800" cy="458788"/>
+          </a:xfrm>
+          <a:prstGeom prst="rect">
+            <a:avLst/>
+          </a:prstGeom>
+        </p:spPr>
+        <p:txBody>
+          <a:bodyPr vert="horz" lIns="91440" tIns="45720" rIns="91440" bIns="45720" rtlCol="0"/>
+          <a:lstStyle>
+            <a:lvl1pPr algn="l">
+              <a:defRPr sz="1200"/>
+            </a:lvl1pPr>
+          </a:lstStyle>
+          <a:p>
+            <a:endParaRPr lang="ru-RU"/>
+          </a:p>
+        </p:txBody>
+      </p:sp>
+      <p:sp>
+        <p:nvSpPr>
+          <p:cNvPr id="3" name="Дата 2"/>
+          <p:cNvSpPr>
+            <a:spLocks noGrp="1"/>
+          </p:cNvSpPr>
+          <p:nvPr>
+            <p:ph type="dt" idx="1"/>
+          </p:nvPr>
+        </p:nvSpPr>
+        <p:spPr>
+          <a:xfrm>
+            <a:off x="3884613" y="0"/>
+            <a:ext cx="2971800" cy="458788"/>
+          </a:xfrm>
+          <a:prstGeom prst="rect">
+            <a:avLst/>
+          </a:prstGeom>
+        </p:spPr>
+        <p:txBody>
+          <a:bodyPr vert="horz" lIns="91440" tIns="45720" rIns="91440" bIns="45720" rtlCol="0"/>
+          <a:lstStyle>
+            <a:lvl1pPr algn="r">
+              <a:defRPr sz="1200"/>
+            </a:lvl1pPr>
+          </a:lstStyle>
+          <a:p>
+            <a:fld id="{808B944B-5256-453F-9C13-FB6F34B908F8}" type="datetimeFigureOut">
+              <a:rPr lang="ru-RU" smtClean="0"/>
+              <a:t>08.04.2022</a:t>
+            </a:fld>
+            <a:endParaRPr lang="ru-RU"/>
+          </a:p>
+        </p:txBody>
+      </p:sp>
+      <p:sp>
+        <p:nvSpPr>
+          <p:cNvPr id="4" name="Образ слайда 3"/>
+          <p:cNvSpPr>
+            <a:spLocks noGrp="1" noRot="1" noChangeAspect="1"/>
+          </p:cNvSpPr>
+          <p:nvPr>
+            <p:ph type="sldImg" idx="2"/>
+          </p:nvPr>
+        </p:nvSpPr>
+        <p:spPr>
+          <a:xfrm>
+            <a:off x="685800" y="1143000"/>
+            <a:ext cx="5486400" cy="3086100"/>
+          </a:xfrm>
+          <a:prstGeom prst="rect">
+            <a:avLst/>
+          </a:prstGeom>
+          <a:noFill/>
+          <a:ln w="12700">
+            <a:solidFill>
+              <a:prstClr val="black"/>
+            </a:solidFill>
+          </a:ln>
+        </p:spPr>
+        <p:txBody>
+          <a:bodyPr vert="horz" lIns="91440" tIns="45720" rIns="91440" bIns="45720" rtlCol="0" anchor="ctr"/>
+          <a:lstStyle/>
+          <a:p>
+            <a:endParaRPr lang="ru-RU"/>
+          </a:p>
+        </p:txBody>
+      </p:sp>
+      <p:sp>
+        <p:nvSpPr>
+          <p:cNvPr id="5" name="Заметки 4"/>
+          <p:cNvSpPr>
+            <a:spLocks noGrp="1"/>
+          </p:cNvSpPr>
+          <p:nvPr>
+            <p:ph type="body" sz="quarter" idx="3"/>
+          </p:nvPr>
+        </p:nvSpPr>
+        <p:spPr>
+          <a:xfrm>
+            <a:off x="685800" y="4400550"/>
+            <a:ext cx="5486400" cy="3600450"/>
+          </a:xfrm>
+          <a:prstGeom prst="rect">
+            <a:avLst/>
+          </a:prstGeom>
+        </p:spPr>
+        <p:txBody>
+          <a:bodyPr vert="horz" lIns="91440" tIns="45720" rIns="91440" bIns="45720" rtlCol="0"/>
+          <a:lstStyle/>
+          <a:p>
+            <a:pPr lvl="0"/>
+            <a:r>
+              <a:rPr lang="ru-RU"/>
+              <a:t>Образец текста</a:t>
+            </a:r>
+          </a:p>
+          <a:p>
+            <a:pPr lvl="1"/>
+            <a:r>
+              <a:rPr lang="ru-RU"/>
+              <a:t>Второй уровень</a:t>
+            </a:r>
+          </a:p>
+          <a:p>
+            <a:pPr lvl="2"/>
+            <a:r>
+              <a:rPr lang="ru-RU"/>
+              <a:t>Третий уровень</a:t>
+            </a:r>
+          </a:p>
+          <a:p>
+            <a:pPr lvl="3"/>
+            <a:r>
+              <a:rPr lang="ru-RU"/>
+              <a:t>Четвертый уровень</a:t>
+            </a:r>
+          </a:p>
+          <a:p>
+            <a:pPr lvl="4"/>
+            <a:r>
+              <a:rPr lang="ru-RU"/>
+              <a:t>Пятый уровень</a:t>
+            </a:r>
+          </a:p>
+        </p:txBody>
+      </p:sp>
+      <p:sp>
+        <p:nvSpPr>
+          <p:cNvPr id="6" name="Нижний колонтитул 5"/>
+          <p:cNvSpPr>
+            <a:spLocks noGrp="1"/>
+          </p:cNvSpPr>
+          <p:nvPr>
+            <p:ph type="ftr" sz="quarter" idx="4"/>
+          </p:nvPr>
+        </p:nvSpPr>
+        <p:spPr>
+          <a:xfrm>
+            <a:off x="0" y="8685213"/>
+            <a:ext cx="2971800" cy="458787"/>
+          </a:xfrm>
+          <a:prstGeom prst="rect">
+            <a:avLst/>
+          </a:prstGeom>
+        </p:spPr>
+        <p:txBody>
+          <a:bodyPr vert="horz" lIns="91440" tIns="45720" rIns="91440" bIns="45720" rtlCol="0" anchor="b"/>
+          <a:lstStyle>
+            <a:lvl1pPr algn="l">
+              <a:defRPr sz="1200"/>
+            </a:lvl1pPr>
+          </a:lstStyle>
+          <a:p>
+            <a:endParaRPr lang="ru-RU"/>
+          </a:p>
+        </p:txBody>
+      </p:sp>
+      <p:sp>
+        <p:nvSpPr>
+          <p:cNvPr id="7" name="Номер слайда 6"/>
+          <p:cNvSpPr>
+            <a:spLocks noGrp="1"/>
+          </p:cNvSpPr>
+          <p:nvPr>
+            <p:ph type="sldNum" sz="quarter" idx="5"/>
+          </p:nvPr>
+        </p:nvSpPr>
+        <p:spPr>
+          <a:xfrm>
+            <a:off x="3884613" y="8685213"/>
+            <a:ext cx="2971800" cy="458787"/>
+          </a:xfrm>
+          <a:prstGeom prst="rect">
+            <a:avLst/>
+          </a:prstGeom>
+        </p:spPr>
+        <p:txBody>
+          <a:bodyPr vert="horz" lIns="91440" tIns="45720" rIns="91440" bIns="45720" rtlCol="0" anchor="b"/>
+          <a:lstStyle>
+            <a:lvl1pPr algn="r">
+              <a:defRPr sz="1200"/>
+            </a:lvl1pPr>
+          </a:lstStyle>
+          <a:p>
+            <a:fld id="{94DE45C2-261F-42E7-88A2-CE0F825EDBF3}" type="slidenum">
+              <a:rPr lang="ru-RU" smtClean="0"/>
+              <a:t>‹#›</a:t>
+            </a:fld>
+            <a:endParaRPr lang="ru-RU"/>
+          </a:p>
+        </p:txBody>
+      </p:sp>
+    </p:spTree>
+    <p:extLst>
+      <p:ext uri="{BB962C8B-B14F-4D97-AF65-F5344CB8AC3E}">
+        <p14:creationId xmlns:p14="http://schemas.microsoft.com/office/powerpoint/2010/main" val="1098199861"/>
+      </p:ext>
+    </p:extLst>
+  </p:cSld>
+  <p:clrMap bg1="lt1" tx1="dk1" bg2="lt2" tx2="dk2" accent1="accent1" accent2="accent2" accent3="accent3" accent4="accent4" accent5="accent5" accent6="accent6" hlink="hlink" folHlink="folHlink"/>
+  <p:notesStyle>
+    <a:lvl1pPr marL="0" algn="l" defTabSz="914400" rtl="0" eaLnBrk="1" latinLnBrk="0" hangingPunct="1">
+      <a:defRPr sz="1200" kern="1200">
+        <a:solidFill>
+          <a:schemeClr val="tx1"/>
+        </a:solidFill>
+        <a:latin typeface="+mn-lt"/>
+        <a:ea typeface="+mn-ea"/>
+        <a:cs typeface="+mn-cs"/>
+      </a:defRPr>
+    </a:lvl1pPr>
+    <a:lvl2pPr marL="457200" algn="l" defTabSz="914400" rtl="0" eaLnBrk="1" latinLnBrk="0" hangingPunct="1">
+      <a:defRPr sz="1200" kern="1200">
+        <a:solidFill>
+          <a:schemeClr val="tx1"/>
+        </a:solidFill>
+        <a:latin typeface="+mn-lt"/>
+        <a:ea typeface="+mn-ea"/>
+        <a:cs typeface="+mn-cs"/>
+      </a:defRPr>
+    </a:lvl2pPr>
+    <a:lvl3pPr marL="914400" algn="l" defTabSz="914400" rtl="0" eaLnBrk="1" latinLnBrk="0" hangingPunct="1">
+      <a:defRPr sz="1200" kern="1200">
+        <a:solidFill>
+          <a:schemeClr val="tx1"/>
+        </a:solidFill>
+        <a:latin typeface="+mn-lt"/>
+        <a:ea typeface="+mn-ea"/>
+        <a:cs typeface="+mn-cs"/>
+      </a:defRPr>
+    </a:lvl3pPr>
+    <a:lvl4pPr marL="1371600" algn="l" defTabSz="914400" rtl="0" eaLnBrk="1" latinLnBrk="0" hangingPunct="1">
+      <a:defRPr sz="1200" kern="1200">
+        <a:solidFill>
+          <a:schemeClr val="tx1"/>
+        </a:solidFill>
+        <a:latin typeface="+mn-lt"/>
+        <a:ea typeface="+mn-ea"/>
+        <a:cs typeface="+mn-cs"/>
+      </a:defRPr>
+    </a:lvl4pPr>
+    <a:lvl5pPr marL="1828800" algn="l" defTabSz="914400" rtl="0" eaLnBrk="1" latinLnBrk="0" hangingPunct="1">
+      <a:defRPr sz="1200" kern="1200">
+        <a:solidFill>
+          <a:schemeClr val="tx1"/>
+        </a:solidFill>
+        <a:latin typeface="+mn-lt"/>
+        <a:ea typeface="+mn-ea"/>
+        <a:cs typeface="+mn-cs"/>
+      </a:defRPr>
+    </a:lvl5pPr>
+    <a:lvl6pPr marL="2286000" algn="l" defTabSz="914400" rtl="0" eaLnBrk="1" latinLnBrk="0" hangingPunct="1">
+      <a:defRPr sz="1200" kern="1200">
+        <a:solidFill>
+          <a:schemeClr val="tx1"/>
+        </a:solidFill>
+        <a:latin typeface="+mn-lt"/>
+        <a:ea typeface="+mn-ea"/>
+        <a:cs typeface="+mn-cs"/>
+      </a:defRPr>
+    </a:lvl6pPr>
+    <a:lvl7pPr marL="2743200" algn="l" defTabSz="914400" rtl="0" eaLnBrk="1" latinLnBrk="0" hangingPunct="1">
+      <a:defRPr sz="1200" kern="1200">
+        <a:solidFill>
+          <a:schemeClr val="tx1"/>
+        </a:solidFill>
+        <a:latin typeface="+mn-lt"/>
+        <a:ea typeface="+mn-ea"/>
+        <a:cs typeface="+mn-cs"/>
+      </a:defRPr>
+    </a:lvl7pPr>
+    <a:lvl8pPr marL="3200400" algn="l" defTabSz="914400" rtl="0" eaLnBrk="1" latinLnBrk="0" hangingPunct="1">
+      <a:defRPr sz="1200" kern="1200">
+        <a:solidFill>
+          <a:schemeClr val="tx1"/>
+        </a:solidFill>
+        <a:latin typeface="+mn-lt"/>
+        <a:ea typeface="+mn-ea"/>
+        <a:cs typeface="+mn-cs"/>
+      </a:defRPr>
+    </a:lvl8pPr>
+    <a:lvl9pPr marL="3657600" algn="l" defTabSz="914400" rtl="0" eaLnBrk="1" latinLnBrk="0" hangingPunct="1">
+      <a:defRPr sz="1200" kern="1200">
+        <a:solidFill>
+          <a:schemeClr val="tx1"/>
+        </a:solidFill>
+        <a:latin typeface="+mn-lt"/>
+        <a:ea typeface="+mn-ea"/>
+        <a:cs typeface="+mn-cs"/>
+      </a:defRPr>
+    </a:lvl9pPr>
+  </p:notesStyle>
+</p:notesMaster>
+</file>
+
+<file path=ppt/notesSlides/notesSlide1.xml><?xml version="1.0" encoding="utf-8"?>
+<p:notes xmlns:a="http://schemas.openxmlformats.org/drawingml/2006/main" xmlns:r="http://schemas.openxmlformats.org/officeDocument/2006/relationships" xmlns:p="http://schemas.openxmlformats.org/presentationml/2006/main">
+  <p:cSld>
+    <p:spTree>
+      <p:nvGrpSpPr>
+        <p:cNvPr id="1" name=""/>
+        <p:cNvGrpSpPr/>
+        <p:nvPr/>
+      </p:nvGrpSpPr>
+      <p:grpSpPr>
+        <a:xfrm>
+          <a:off x="0" y="0"/>
+          <a:ext cx="0" cy="0"/>
+          <a:chOff x="0" y="0"/>
+          <a:chExt cx="0" cy="0"/>
+        </a:xfrm>
+      </p:grpSpPr>
+      <p:sp>
+        <p:nvSpPr>
+          <p:cNvPr id="2" name="Образ слайда 1"/>
+          <p:cNvSpPr>
+            <a:spLocks noGrp="1" noRot="1" noChangeAspect="1"/>
+          </p:cNvSpPr>
+          <p:nvPr>
+            <p:ph type="sldImg"/>
+          </p:nvPr>
+        </p:nvSpPr>
+        <p:spPr/>
+      </p:sp>
+      <p:sp>
+        <p:nvSpPr>
+          <p:cNvPr id="3" name="Заметки 2"/>
+          <p:cNvSpPr>
+            <a:spLocks noGrp="1"/>
+          </p:cNvSpPr>
+          <p:nvPr>
+            <p:ph type="body" idx="1"/>
+          </p:nvPr>
+        </p:nvSpPr>
+        <p:spPr/>
+        <p:txBody>
+          <a:bodyPr/>
+          <a:lstStyle/>
+          <a:p>
+            <a:endParaRPr lang="ru-RU" dirty="0"/>
+          </a:p>
+        </p:txBody>
+      </p:sp>
+      <p:sp>
+        <p:nvSpPr>
+          <p:cNvPr id="4" name="Номер слайда 3"/>
+          <p:cNvSpPr>
+            <a:spLocks noGrp="1"/>
+          </p:cNvSpPr>
+          <p:nvPr>
+            <p:ph type="sldNum" sz="quarter" idx="5"/>
+          </p:nvPr>
+        </p:nvSpPr>
+        <p:spPr/>
+        <p:txBody>
+          <a:bodyPr/>
+          <a:lstStyle/>
+          <a:p>
+            <a:fld id="{94DE45C2-261F-42E7-88A2-CE0F825EDBF3}" type="slidenum">
+              <a:rPr lang="ru-RU" smtClean="0"/>
+              <a:t>1</a:t>
+            </a:fld>
+            <a:endParaRPr lang="ru-RU"/>
+          </a:p>
+        </p:txBody>
+      </p:sp>
+    </p:spTree>
+    <p:extLst>
+      <p:ext uri="{BB962C8B-B14F-4D97-AF65-F5344CB8AC3E}">
+        <p14:creationId xmlns:p14="http://schemas.microsoft.com/office/powerpoint/2010/main" val="1118814776"/>
+      </p:ext>
+    </p:extLst>
+  </p:cSld>
+  <p:clrMapOvr>
+    <a:masterClrMapping/>
+  </p:clrMapOvr>
+</p:notes>
+</file>
+
 <file path=ppt/slideLayouts/slideLayout1.xml><?xml version="1.0" encoding="utf-8"?>
 <p:sldLayout xmlns:a="http://schemas.openxmlformats.org/drawingml/2006/main" xmlns:r="http://schemas.openxmlformats.org/officeDocument/2006/relationships" xmlns:p="http://schemas.openxmlformats.org/presentationml/2006/main" type="title" preserve="1">
   <p:cSld name="Титульный слайд">
@@ -313,7 +749,7 @@
           <a:p>
             <a:fld id="{52C21B46-E778-4D2C-977D-2F106A44399C}" type="datetimeFigureOut">
               <a:rPr lang="ru-RU" smtClean="0"/>
-              <a:t>03.04.2022</a:t>
+              <a:t>08.04.2022</a:t>
             </a:fld>
             <a:endParaRPr lang="ru-RU"/>
           </a:p>
@@ -481,7 +917,7 @@
           <a:p>
             <a:fld id="{52C21B46-E778-4D2C-977D-2F106A44399C}" type="datetimeFigureOut">
               <a:rPr lang="ru-RU" smtClean="0"/>
-              <a:t>03.04.2022</a:t>
+              <a:t>08.04.2022</a:t>
             </a:fld>
             <a:endParaRPr lang="ru-RU"/>
           </a:p>
@@ -659,7 +1095,7 @@
           <a:p>
             <a:fld id="{52C21B46-E778-4D2C-977D-2F106A44399C}" type="datetimeFigureOut">
               <a:rPr lang="ru-RU" smtClean="0"/>
-              <a:t>03.04.2022</a:t>
+              <a:t>08.04.2022</a:t>
             </a:fld>
             <a:endParaRPr lang="ru-RU"/>
           </a:p>
@@ -827,7 +1263,7 @@
           <a:p>
             <a:fld id="{52C21B46-E778-4D2C-977D-2F106A44399C}" type="datetimeFigureOut">
               <a:rPr lang="ru-RU" smtClean="0"/>
-              <a:t>03.04.2022</a:t>
+              <a:t>08.04.2022</a:t>
             </a:fld>
             <a:endParaRPr lang="ru-RU"/>
           </a:p>
@@ -1072,7 +1508,7 @@
           <a:p>
             <a:fld id="{52C21B46-E778-4D2C-977D-2F106A44399C}" type="datetimeFigureOut">
               <a:rPr lang="ru-RU" smtClean="0"/>
-              <a:t>03.04.2022</a:t>
+              <a:t>08.04.2022</a:t>
             </a:fld>
             <a:endParaRPr lang="ru-RU"/>
           </a:p>
@@ -1357,7 +1793,7 @@
           <a:p>
             <a:fld id="{52C21B46-E778-4D2C-977D-2F106A44399C}" type="datetimeFigureOut">
               <a:rPr lang="ru-RU" smtClean="0"/>
-              <a:t>03.04.2022</a:t>
+              <a:t>08.04.2022</a:t>
             </a:fld>
             <a:endParaRPr lang="ru-RU"/>
           </a:p>
@@ -1781,7 +2217,7 @@
           <a:p>
             <a:fld id="{52C21B46-E778-4D2C-977D-2F106A44399C}" type="datetimeFigureOut">
               <a:rPr lang="ru-RU" smtClean="0"/>
-              <a:t>03.04.2022</a:t>
+              <a:t>08.04.2022</a:t>
             </a:fld>
             <a:endParaRPr lang="ru-RU"/>
           </a:p>
@@ -1898,7 +2334,7 @@
           <a:p>
             <a:fld id="{52C21B46-E778-4D2C-977D-2F106A44399C}" type="datetimeFigureOut">
               <a:rPr lang="ru-RU" smtClean="0"/>
-              <a:t>03.04.2022</a:t>
+              <a:t>08.04.2022</a:t>
             </a:fld>
             <a:endParaRPr lang="ru-RU"/>
           </a:p>
@@ -1993,7 +2429,7 @@
           <a:p>
             <a:fld id="{52C21B46-E778-4D2C-977D-2F106A44399C}" type="datetimeFigureOut">
               <a:rPr lang="ru-RU" smtClean="0"/>
-              <a:t>03.04.2022</a:t>
+              <a:t>08.04.2022</a:t>
             </a:fld>
             <a:endParaRPr lang="ru-RU"/>
           </a:p>
@@ -2268,7 +2704,7 @@
           <a:p>
             <a:fld id="{52C21B46-E778-4D2C-977D-2F106A44399C}" type="datetimeFigureOut">
               <a:rPr lang="ru-RU" smtClean="0"/>
-              <a:t>03.04.2022</a:t>
+              <a:t>08.04.2022</a:t>
             </a:fld>
             <a:endParaRPr lang="ru-RU"/>
           </a:p>
@@ -2520,7 +2956,7 @@
           <a:p>
             <a:fld id="{52C21B46-E778-4D2C-977D-2F106A44399C}" type="datetimeFigureOut">
               <a:rPr lang="ru-RU" smtClean="0"/>
-              <a:t>03.04.2022</a:t>
+              <a:t>08.04.2022</a:t>
             </a:fld>
             <a:endParaRPr lang="ru-RU"/>
           </a:p>
@@ -2731,7 +3167,7 @@
           <a:p>
             <a:fld id="{52C21B46-E778-4D2C-977D-2F106A44399C}" type="datetimeFigureOut">
               <a:rPr lang="ru-RU" smtClean="0"/>
-              <a:t>03.04.2022</a:t>
+              <a:t>08.04.2022</a:t>
             </a:fld>
             <a:endParaRPr lang="ru-RU"/>
           </a:p>
@@ -3121,7 +3557,7 @@
           <p:nvPr/>
         </p:nvPicPr>
         <p:blipFill rotWithShape="1">
-          <a:blip r:embed="rId2">
+          <a:blip r:embed="rId3">
             <a:extLst>
               <a:ext uri="{28A0092B-C50C-407E-A947-70E740481C1C}">
                 <a14:useLocalDpi xmlns:a14="http://schemas.microsoft.com/office/drawing/2010/main" val="0"/>
@@ -3150,7 +3586,7 @@
           <p:nvPr/>
         </p:nvPicPr>
         <p:blipFill>
-          <a:blip r:embed="rId3" cstate="print">
+          <a:blip r:embed="rId4" cstate="print">
             <a:extLst>
               <a:ext uri="{28A0092B-C50C-407E-A947-70E740481C1C}">
                 <a14:useLocalDpi xmlns:a14="http://schemas.microsoft.com/office/drawing/2010/main" val="0"/>
@@ -3423,8 +3859,23 @@
                 </a:solidFill>
                 <a:cs typeface="Adobe Hebrew" pitchFamily="18" charset="-79"/>
               </a:rPr>
-              <a:t>№ :00</a:t>
-            </a:r>
+              <a:t>№ :0</a:t>
+            </a:r>
+            <a:r>
+              <a:rPr lang="en-US" sz="6600" b="1" dirty="0">
+                <a:solidFill>
+                  <a:schemeClr val="bg1"/>
+                </a:solidFill>
+                <a:cs typeface="Adobe Hebrew" pitchFamily="18" charset="-79"/>
+              </a:rPr>
+              <a:t>3</a:t>
+            </a:r>
+            <a:endParaRPr lang="ru-RU" sz="6600" b="1" dirty="0">
+              <a:solidFill>
+                <a:schemeClr val="bg1"/>
+              </a:solidFill>
+              <a:cs typeface="Adobe Hebrew" pitchFamily="18" charset="-79"/>
+            </a:endParaRPr>
           </a:p>
         </p:txBody>
       </p:sp>
@@ -3443,7 +3894,7 @@
           <p:nvPr/>
         </p:nvPicPr>
         <p:blipFill>
-          <a:blip r:embed="rId4"/>
+          <a:blip r:embed="rId5"/>
           <a:stretch>
             <a:fillRect/>
           </a:stretch>
@@ -6967,4 +7418,299 @@
   <a:objectDefaults/>
   <a:extraClrSchemeLst/>
 </a:theme>
+</file>
+
+<file path=ppt/theme/theme2.xml><?xml version="1.0" encoding="utf-8"?>
+<a:theme xmlns:a="http://schemas.openxmlformats.org/drawingml/2006/main" name="Тема Office">
+  <a:themeElements>
+    <a:clrScheme name="Стандартная">
+      <a:dk1>
+        <a:sysClr val="windowText" lastClr="000000"/>
+      </a:dk1>
+      <a:lt1>
+        <a:sysClr val="window" lastClr="FFFFFF"/>
+      </a:lt1>
+      <a:dk2>
+        <a:srgbClr val="44546A"/>
+      </a:dk2>
+      <a:lt2>
+        <a:srgbClr val="E7E6E6"/>
+      </a:lt2>
+      <a:accent1>
+        <a:srgbClr val="4472C4"/>
+      </a:accent1>
+      <a:accent2>
+        <a:srgbClr val="ED7D31"/>
+      </a:accent2>
+      <a:accent3>
+        <a:srgbClr val="A5A5A5"/>
+      </a:accent3>
+      <a:accent4>
+        <a:srgbClr val="FFC000"/>
+      </a:accent4>
+      <a:accent5>
+        <a:srgbClr val="5B9BD5"/>
+      </a:accent5>
+      <a:accent6>
+        <a:srgbClr val="70AD47"/>
+      </a:accent6>
+      <a:hlink>
+        <a:srgbClr val="0563C1"/>
+      </a:hlink>
+      <a:folHlink>
+        <a:srgbClr val="954F72"/>
+      </a:folHlink>
+    </a:clrScheme>
+    <a:fontScheme name="Стандартная">
+      <a:majorFont>
+        <a:latin typeface="Calibri Light" panose="020F0302020204030204"/>
+        <a:ea typeface=""/>
+        <a:cs typeface=""/>
+        <a:font script="Jpan" typeface="游ゴシック Light"/>
+        <a:font script="Hang" typeface="맑은 고딕"/>
+        <a:font script="Hans" typeface="等线 Light"/>
+        <a:font script="Hant" typeface="新細明體"/>
+        <a:font script="Arab" typeface="Times New Roman"/>
+        <a:font script="Hebr" typeface="Times New Roman"/>
+        <a:font script="Thai" typeface="Angsana New"/>
+        <a:font script="Ethi" typeface="Nyala"/>
+        <a:font script="Beng" typeface="Vrinda"/>
+        <a:font script="Gujr" typeface="Shruti"/>
+        <a:font script="Khmr" typeface="MoolBoran"/>
+        <a:font script="Knda" typeface="Tunga"/>
+        <a:font script="Guru" typeface="Raavi"/>
+        <a:font script="Cans" typeface="Euphemia"/>
+        <a:font script="Cher" typeface="Plantagenet Cherokee"/>
+        <a:font script="Yiii" typeface="Microsoft Yi Baiti"/>
+        <a:font script="Tibt" typeface="Microsoft Himalaya"/>
+        <a:font script="Thaa" typeface="MV Boli"/>
+        <a:font script="Deva" typeface="Mangal"/>
+        <a:font script="Telu" typeface="Gautami"/>
+        <a:font script="Taml" typeface="Latha"/>
+        <a:font script="Syrc" typeface="Estrangelo Edessa"/>
+        <a:font script="Orya" typeface="Kalinga"/>
+        <a:font script="Mlym" typeface="Kartika"/>
+        <a:font script="Laoo" typeface="DokChampa"/>
+        <a:font script="Sinh" typeface="Iskoola Pota"/>
+        <a:font script="Mong" typeface="Mongolian Baiti"/>
+        <a:font script="Viet" typeface="Times New Roman"/>
+        <a:font script="Uigh" typeface="Microsoft Uighur"/>
+        <a:font script="Geor" typeface="Sylfaen"/>
+        <a:font script="Armn" typeface="Arial"/>
+        <a:font script="Bugi" typeface="Leelawadee UI"/>
+        <a:font script="Bopo" typeface="Microsoft JhengHei"/>
+        <a:font script="Java" typeface="Javanese Text"/>
+        <a:font script="Lisu" typeface="Segoe UI"/>
+        <a:font script="Mymr" typeface="Myanmar Text"/>
+        <a:font script="Nkoo" typeface="Ebrima"/>
+        <a:font script="Olck" typeface="Nirmala UI"/>
+        <a:font script="Osma" typeface="Ebrima"/>
+        <a:font script="Phag" typeface="Phagspa"/>
+        <a:font script="Syrn" typeface="Estrangelo Edessa"/>
+        <a:font script="Syrj" typeface="Estrangelo Edessa"/>
+        <a:font script="Syre" typeface="Estrangelo Edessa"/>
+        <a:font script="Sora" typeface="Nirmala UI"/>
+        <a:font script="Tale" typeface="Microsoft Tai Le"/>
+        <a:font script="Talu" typeface="Microsoft New Tai Lue"/>
+        <a:font script="Tfng" typeface="Ebrima"/>
+      </a:majorFont>
+      <a:minorFont>
+        <a:latin typeface="Calibri" panose="020F0502020204030204"/>
+        <a:ea typeface=""/>
+        <a:cs typeface=""/>
+        <a:font script="Jpan" typeface="游ゴシック"/>
+        <a:font script="Hang" typeface="맑은 고딕"/>
+        <a:font script="Hans" typeface="等线"/>
+        <a:font script="Hant" typeface="新細明體"/>
+        <a:font script="Arab" typeface="Arial"/>
+        <a:font script="Hebr" typeface="Arial"/>
+        <a:font script="Thai" typeface="Cordia New"/>
+        <a:font script="Ethi" typeface="Nyala"/>
+        <a:font script="Beng" typeface="Vrinda"/>
+        <a:font script="Gujr" typeface="Shruti"/>
+        <a:font script="Khmr" typeface="DaunPenh"/>
+        <a:font script="Knda" typeface="Tunga"/>
+        <a:font script="Guru" typeface="Raavi"/>
+        <a:font script="Cans" typeface="Euphemia"/>
+        <a:font script="Cher" typeface="Plantagenet Cherokee"/>
+        <a:font script="Yiii" typeface="Microsoft Yi Baiti"/>
+        <a:font script="Tibt" typeface="Microsoft Himalaya"/>
+        <a:font script="Thaa" typeface="MV Boli"/>
+        <a:font script="Deva" typeface="Mangal"/>
+        <a:font script="Telu" typeface="Gautami"/>
+        <a:font script="Taml" typeface="Latha"/>
+        <a:font script="Syrc" typeface="Estrangelo Edessa"/>
+        <a:font script="Orya" typeface="Kalinga"/>
+        <a:font script="Mlym" typeface="Kartika"/>
+        <a:font script="Laoo" typeface="DokChampa"/>
+        <a:font script="Sinh" typeface="Iskoola Pota"/>
+        <a:font script="Mong" typeface="Mongolian Baiti"/>
+        <a:font script="Viet" typeface="Arial"/>
+        <a:font script="Uigh" typeface="Microsoft Uighur"/>
+        <a:font script="Geor" typeface="Sylfaen"/>
+        <a:font script="Armn" typeface="Arial"/>
+        <a:font script="Bugi" typeface="Leelawadee UI"/>
+        <a:font script="Bopo" typeface="Microsoft JhengHei"/>
+        <a:font script="Java" typeface="Javanese Text"/>
+        <a:font script="Lisu" typeface="Segoe UI"/>
+        <a:font script="Mymr" typeface="Myanmar Text"/>
+        <a:font script="Nkoo" typeface="Ebrima"/>
+        <a:font script="Olck" typeface="Nirmala UI"/>
+        <a:font script="Osma" typeface="Ebrima"/>
+        <a:font script="Phag" typeface="Phagspa"/>
+        <a:font script="Syrn" typeface="Estrangelo Edessa"/>
+        <a:font script="Syrj" typeface="Estrangelo Edessa"/>
+        <a:font script="Syre" typeface="Estrangelo Edessa"/>
+        <a:font script="Sora" typeface="Nirmala UI"/>
+        <a:font script="Tale" typeface="Microsoft Tai Le"/>
+        <a:font script="Talu" typeface="Microsoft New Tai Lue"/>
+        <a:font script="Tfng" typeface="Ebrima"/>
+      </a:minorFont>
+    </a:fontScheme>
+    <a:fmtScheme name="Стандартная">
+      <a:fillStyleLst>
+        <a:solidFill>
+          <a:schemeClr val="phClr"/>
+        </a:solidFill>
+        <a:gradFill rotWithShape="1">
+          <a:gsLst>
+            <a:gs pos="0">
+              <a:schemeClr val="phClr">
+                <a:lumMod val="110000"/>
+                <a:satMod val="105000"/>
+                <a:tint val="67000"/>
+              </a:schemeClr>
+            </a:gs>
+            <a:gs pos="50000">
+              <a:schemeClr val="phClr">
+                <a:lumMod val="105000"/>
+                <a:satMod val="103000"/>
+                <a:tint val="73000"/>
+              </a:schemeClr>
+            </a:gs>
+            <a:gs pos="100000">
+              <a:schemeClr val="phClr">
+                <a:lumMod val="105000"/>
+                <a:satMod val="109000"/>
+                <a:tint val="81000"/>
+              </a:schemeClr>
+            </a:gs>
+          </a:gsLst>
+          <a:lin ang="5400000" scaled="0"/>
+        </a:gradFill>
+        <a:gradFill rotWithShape="1">
+          <a:gsLst>
+            <a:gs pos="0">
+              <a:schemeClr val="phClr">
+                <a:satMod val="103000"/>
+                <a:lumMod val="102000"/>
+                <a:tint val="94000"/>
+              </a:schemeClr>
+            </a:gs>
+            <a:gs pos="50000">
+              <a:schemeClr val="phClr">
+                <a:satMod val="110000"/>
+                <a:lumMod val="100000"/>
+                <a:shade val="100000"/>
+              </a:schemeClr>
+            </a:gs>
+            <a:gs pos="100000">
+              <a:schemeClr val="phClr">
+                <a:lumMod val="99000"/>
+                <a:satMod val="120000"/>
+                <a:shade val="78000"/>
+              </a:schemeClr>
+            </a:gs>
+          </a:gsLst>
+          <a:lin ang="5400000" scaled="0"/>
+        </a:gradFill>
+      </a:fillStyleLst>
+      <a:lnStyleLst>
+        <a:ln w="6350" cap="flat" cmpd="sng" algn="ctr">
+          <a:solidFill>
+            <a:schemeClr val="phClr"/>
+          </a:solidFill>
+          <a:prstDash val="solid"/>
+          <a:miter lim="800000"/>
+        </a:ln>
+        <a:ln w="12700" cap="flat" cmpd="sng" algn="ctr">
+          <a:solidFill>
+            <a:schemeClr val="phClr"/>
+          </a:solidFill>
+          <a:prstDash val="solid"/>
+          <a:miter lim="800000"/>
+        </a:ln>
+        <a:ln w="19050" cap="flat" cmpd="sng" algn="ctr">
+          <a:solidFill>
+            <a:schemeClr val="phClr"/>
+          </a:solidFill>
+          <a:prstDash val="solid"/>
+          <a:miter lim="800000"/>
+        </a:ln>
+      </a:lnStyleLst>
+      <a:effectStyleLst>
+        <a:effectStyle>
+          <a:effectLst/>
+        </a:effectStyle>
+        <a:effectStyle>
+          <a:effectLst/>
+        </a:effectStyle>
+        <a:effectStyle>
+          <a:effectLst>
+            <a:outerShdw blurRad="57150" dist="19050" dir="5400000" algn="ctr" rotWithShape="0">
+              <a:srgbClr val="000000">
+                <a:alpha val="63000"/>
+              </a:srgbClr>
+            </a:outerShdw>
+          </a:effectLst>
+        </a:effectStyle>
+      </a:effectStyleLst>
+      <a:bgFillStyleLst>
+        <a:solidFill>
+          <a:schemeClr val="phClr"/>
+        </a:solidFill>
+        <a:solidFill>
+          <a:schemeClr val="phClr">
+            <a:tint val="95000"/>
+            <a:satMod val="170000"/>
+          </a:schemeClr>
+        </a:solidFill>
+        <a:gradFill rotWithShape="1">
+          <a:gsLst>
+            <a:gs pos="0">
+              <a:schemeClr val="phClr">
+                <a:tint val="93000"/>
+                <a:satMod val="150000"/>
+                <a:shade val="98000"/>
+                <a:lumMod val="102000"/>
+              </a:schemeClr>
+            </a:gs>
+            <a:gs pos="50000">
+              <a:schemeClr val="phClr">
+                <a:tint val="98000"/>
+                <a:satMod val="130000"/>
+                <a:shade val="90000"/>
+                <a:lumMod val="103000"/>
+              </a:schemeClr>
+            </a:gs>
+            <a:gs pos="100000">
+              <a:schemeClr val="phClr">
+                <a:shade val="63000"/>
+                <a:satMod val="120000"/>
+              </a:schemeClr>
+            </a:gs>
+          </a:gsLst>
+          <a:lin ang="5400000" scaled="0"/>
+        </a:gradFill>
+      </a:bgFillStyleLst>
+    </a:fmtScheme>
+  </a:themeElements>
+  <a:objectDefaults/>
+  <a:extraClrSchemeLst/>
+  <a:extLst>
+    <a:ext uri="{05A4C25C-085E-4340-85A3-A5531E510DB2}">
+      <thm15:themeFamily xmlns:thm15="http://schemas.microsoft.com/office/thememl/2012/main" name="Office Theme" id="{62F939B6-93AF-4DB8-9C6B-D6C7DFDC589F}" vid="{4A3C46E8-61CC-4603-A589-7422A47A8E4A}"/>
+    </a:ext>
+  </a:extLst>
+</a:theme>
 </file>
--- a/преза.pptx
+++ b/преза.pptx
@@ -6,17 +6,19 @@
   </p:sldMasterIdLst>
   <p:sldIdLst>
     <p:sldId id="256" r:id="rId2"/>
-    <p:sldId id="257" r:id="rId3"/>
-    <p:sldId id="263" r:id="rId4"/>
-    <p:sldId id="271" r:id="rId5"/>
-    <p:sldId id="270" r:id="rId6"/>
-    <p:sldId id="261" r:id="rId7"/>
-    <p:sldId id="262" r:id="rId8"/>
-    <p:sldId id="266" r:id="rId9"/>
-    <p:sldId id="264" r:id="rId10"/>
-    <p:sldId id="265" r:id="rId11"/>
-    <p:sldId id="272" r:id="rId12"/>
-    <p:sldId id="269" r:id="rId13"/>
+    <p:sldId id="263" r:id="rId3"/>
+    <p:sldId id="276" r:id="rId4"/>
+    <p:sldId id="270" r:id="rId5"/>
+    <p:sldId id="261" r:id="rId6"/>
+    <p:sldId id="266" r:id="rId7"/>
+    <p:sldId id="274" r:id="rId8"/>
+    <p:sldId id="273" r:id="rId9"/>
+    <p:sldId id="265" r:id="rId10"/>
+    <p:sldId id="275" r:id="rId11"/>
+    <p:sldId id="264" r:id="rId12"/>
+    <p:sldId id="272" r:id="rId13"/>
+    <p:sldId id="257" r:id="rId14"/>
+    <p:sldId id="269" r:id="rId15"/>
   </p:sldIdLst>
   <p:sldSz cx="9144000" cy="5143500" type="screen16x9"/>
   <p:notesSz cx="6858000" cy="9144000"/>
@@ -313,7 +315,7 @@
           <a:p>
             <a:fld id="{52C21B46-E778-4D2C-977D-2F106A44399C}" type="datetimeFigureOut">
               <a:rPr lang="ru-RU" smtClean="0"/>
-              <a:t>03.04.2022</a:t>
+              <a:t>09.04.2022</a:t>
             </a:fld>
             <a:endParaRPr lang="ru-RU"/>
           </a:p>
@@ -481,7 +483,7 @@
           <a:p>
             <a:fld id="{52C21B46-E778-4D2C-977D-2F106A44399C}" type="datetimeFigureOut">
               <a:rPr lang="ru-RU" smtClean="0"/>
-              <a:t>03.04.2022</a:t>
+              <a:t>09.04.2022</a:t>
             </a:fld>
             <a:endParaRPr lang="ru-RU"/>
           </a:p>
@@ -659,7 +661,7 @@
           <a:p>
             <a:fld id="{52C21B46-E778-4D2C-977D-2F106A44399C}" type="datetimeFigureOut">
               <a:rPr lang="ru-RU" smtClean="0"/>
-              <a:t>03.04.2022</a:t>
+              <a:t>09.04.2022</a:t>
             </a:fld>
             <a:endParaRPr lang="ru-RU"/>
           </a:p>
@@ -827,7 +829,7 @@
           <a:p>
             <a:fld id="{52C21B46-E778-4D2C-977D-2F106A44399C}" type="datetimeFigureOut">
               <a:rPr lang="ru-RU" smtClean="0"/>
-              <a:t>03.04.2022</a:t>
+              <a:t>09.04.2022</a:t>
             </a:fld>
             <a:endParaRPr lang="ru-RU"/>
           </a:p>
@@ -1072,7 +1074,7 @@
           <a:p>
             <a:fld id="{52C21B46-E778-4D2C-977D-2F106A44399C}" type="datetimeFigureOut">
               <a:rPr lang="ru-RU" smtClean="0"/>
-              <a:t>03.04.2022</a:t>
+              <a:t>09.04.2022</a:t>
             </a:fld>
             <a:endParaRPr lang="ru-RU"/>
           </a:p>
@@ -1357,7 +1359,7 @@
           <a:p>
             <a:fld id="{52C21B46-E778-4D2C-977D-2F106A44399C}" type="datetimeFigureOut">
               <a:rPr lang="ru-RU" smtClean="0"/>
-              <a:t>03.04.2022</a:t>
+              <a:t>09.04.2022</a:t>
             </a:fld>
             <a:endParaRPr lang="ru-RU"/>
           </a:p>
@@ -1781,7 +1783,7 @@
           <a:p>
             <a:fld id="{52C21B46-E778-4D2C-977D-2F106A44399C}" type="datetimeFigureOut">
               <a:rPr lang="ru-RU" smtClean="0"/>
-              <a:t>03.04.2022</a:t>
+              <a:t>09.04.2022</a:t>
             </a:fld>
             <a:endParaRPr lang="ru-RU"/>
           </a:p>
@@ -1898,7 +1900,7 @@
           <a:p>
             <a:fld id="{52C21B46-E778-4D2C-977D-2F106A44399C}" type="datetimeFigureOut">
               <a:rPr lang="ru-RU" smtClean="0"/>
-              <a:t>03.04.2022</a:t>
+              <a:t>09.04.2022</a:t>
             </a:fld>
             <a:endParaRPr lang="ru-RU"/>
           </a:p>
@@ -1993,7 +1995,7 @@
           <a:p>
             <a:fld id="{52C21B46-E778-4D2C-977D-2F106A44399C}" type="datetimeFigureOut">
               <a:rPr lang="ru-RU" smtClean="0"/>
-              <a:t>03.04.2022</a:t>
+              <a:t>09.04.2022</a:t>
             </a:fld>
             <a:endParaRPr lang="ru-RU"/>
           </a:p>
@@ -2268,7 +2270,7 @@
           <a:p>
             <a:fld id="{52C21B46-E778-4D2C-977D-2F106A44399C}" type="datetimeFigureOut">
               <a:rPr lang="ru-RU" smtClean="0"/>
-              <a:t>03.04.2022</a:t>
+              <a:t>09.04.2022</a:t>
             </a:fld>
             <a:endParaRPr lang="ru-RU"/>
           </a:p>
@@ -2520,7 +2522,7 @@
           <a:p>
             <a:fld id="{52C21B46-E778-4D2C-977D-2F106A44399C}" type="datetimeFigureOut">
               <a:rPr lang="ru-RU" smtClean="0"/>
-              <a:t>03.04.2022</a:t>
+              <a:t>09.04.2022</a:t>
             </a:fld>
             <a:endParaRPr lang="ru-RU"/>
           </a:p>
@@ -2731,7 +2733,7 @@
           <a:p>
             <a:fld id="{52C21B46-E778-4D2C-977D-2F106A44399C}" type="datetimeFigureOut">
               <a:rPr lang="ru-RU" smtClean="0"/>
-              <a:t>03.04.2022</a:t>
+              <a:t>09.04.2022</a:t>
             </a:fld>
             <a:endParaRPr lang="ru-RU"/>
           </a:p>
@@ -3266,8 +3268,8 @@
         </p:nvSpPr>
         <p:spPr>
           <a:xfrm>
-            <a:off x="3131840" y="1347614"/>
-            <a:ext cx="4815448" cy="523220"/>
+            <a:off x="3131840" y="1357315"/>
+            <a:ext cx="5040560" cy="1015663"/>
           </a:xfrm>
           <a:prstGeom prst="rect">
             <a:avLst/>
@@ -3281,12 +3283,20 @@
           <a:lstStyle/>
           <a:p>
             <a:r>
-              <a:rPr lang="ru-RU" sz="2800" b="1" dirty="0">
+              <a:rPr lang="ru-RU" sz="2000" b="1" i="1" dirty="0">
                 <a:solidFill>
                   <a:schemeClr val="bg1"/>
                 </a:solidFill>
               </a:rPr>
-              <a:t>Название проекта:  </a:t>
+              <a:t>Название проекта: </a:t>
+            </a:r>
+            <a:r>
+              <a:rPr lang="ru-RU" sz="2000" dirty="0">
+                <a:solidFill>
+                  <a:schemeClr val="bg1"/>
+                </a:solidFill>
+              </a:rPr>
+              <a:t>Система детектирования судов с применением технологий искусственного интеллекта</a:t>
             </a:r>
           </a:p>
         </p:txBody>
@@ -3299,7 +3309,7 @@
         </p:nvSpPr>
         <p:spPr>
           <a:xfrm>
-            <a:off x="3131840" y="2182978"/>
+            <a:off x="3131840" y="2367920"/>
             <a:ext cx="4815448" cy="707886"/>
           </a:xfrm>
           <a:prstGeom prst="rect">
@@ -3314,14 +3324,14 @@
           <a:lstStyle/>
           <a:p>
             <a:r>
-              <a:rPr lang="ru-RU" sz="2000" b="1" dirty="0">
+              <a:rPr lang="ru-RU" sz="2000" b="1" i="1" dirty="0">
                 <a:solidFill>
                   <a:schemeClr val="bg1"/>
                 </a:solidFill>
               </a:rPr>
               <a:t>Название команды:</a:t>
             </a:r>
-            <a:endParaRPr lang="en-US" sz="2000" b="1" dirty="0">
+            <a:endParaRPr lang="en-US" sz="2000" b="1" i="1" dirty="0">
               <a:solidFill>
                 <a:schemeClr val="bg1"/>
               </a:solidFill>
@@ -3329,64 +3339,13 @@
           </a:p>
           <a:p>
             <a:r>
-              <a:rPr lang="en-US" sz="2000" b="1" dirty="0">
+              <a:rPr lang="en-US" sz="2000" dirty="0">
                 <a:solidFill>
                   <a:schemeClr val="bg1"/>
                 </a:solidFill>
               </a:rPr>
               <a:t>dpp.shlyopa.team</a:t>
             </a:r>
-            <a:endParaRPr lang="ru-RU" sz="2000" b="1" dirty="0">
-              <a:solidFill>
-                <a:schemeClr val="bg1"/>
-              </a:solidFill>
-            </a:endParaRPr>
-          </a:p>
-        </p:txBody>
-      </p:sp>
-      <p:sp>
-        <p:nvSpPr>
-          <p:cNvPr id="14" name="TextBox 13"/>
-          <p:cNvSpPr txBox="1"/>
-          <p:nvPr/>
-        </p:nvSpPr>
-        <p:spPr>
-          <a:xfrm>
-            <a:off x="3131840" y="3137650"/>
-            <a:ext cx="5328592" cy="1323439"/>
-          </a:xfrm>
-          <a:prstGeom prst="rect">
-            <a:avLst/>
-          </a:prstGeom>
-          <a:noFill/>
-        </p:spPr>
-        <p:txBody>
-          <a:bodyPr wrap="square" rtlCol="0">
-            <a:spAutoFit/>
-          </a:bodyPr>
-          <a:lstStyle/>
-          <a:p>
-            <a:r>
-              <a:rPr lang="ru-RU" sz="2000" dirty="0">
-                <a:solidFill>
-                  <a:schemeClr val="bg1"/>
-                </a:solidFill>
-              </a:rPr>
-              <a:t>Направление программы:</a:t>
-            </a:r>
-          </a:p>
-          <a:p>
-            <a:r>
-              <a:rPr lang="ru-RU" sz="2000" dirty="0">
-                <a:solidFill>
-                  <a:schemeClr val="bg1"/>
-                </a:solidFill>
-                <a:cs typeface="Adobe Hebrew" pitchFamily="18" charset="-79"/>
-              </a:rPr>
-              <a:t>Космическая автоматическая идентификация объектов и искусственный интеллект</a:t>
-            </a:r>
-          </a:p>
-          <a:p>
             <a:endParaRPr lang="ru-RU" sz="2000" dirty="0">
               <a:solidFill>
                 <a:schemeClr val="bg1"/>
@@ -3397,6 +3356,55 @@
       </p:sp>
       <p:sp>
         <p:nvSpPr>
+          <p:cNvPr id="14" name="TextBox 13"/>
+          <p:cNvSpPr txBox="1"/>
+          <p:nvPr/>
+        </p:nvSpPr>
+        <p:spPr>
+          <a:xfrm>
+            <a:off x="3136010" y="3103732"/>
+            <a:ext cx="5328592" cy="1323439"/>
+          </a:xfrm>
+          <a:prstGeom prst="rect">
+            <a:avLst/>
+          </a:prstGeom>
+          <a:noFill/>
+        </p:spPr>
+        <p:txBody>
+          <a:bodyPr wrap="square" rtlCol="0">
+            <a:spAutoFit/>
+          </a:bodyPr>
+          <a:lstStyle/>
+          <a:p>
+            <a:r>
+              <a:rPr lang="ru-RU" sz="2000" b="1" i="1" dirty="0">
+                <a:solidFill>
+                  <a:schemeClr val="bg1"/>
+                </a:solidFill>
+              </a:rPr>
+              <a:t>Направление программы: </a:t>
+            </a:r>
+            <a:r>
+              <a:rPr lang="ru-RU" sz="2000" dirty="0">
+                <a:solidFill>
+                  <a:schemeClr val="bg1"/>
+                </a:solidFill>
+                <a:cs typeface="Adobe Hebrew" pitchFamily="18" charset="-79"/>
+              </a:rPr>
+              <a:t>Космическая автоматическая идентификация объектов и искусственный интеллект</a:t>
+            </a:r>
+          </a:p>
+          <a:p>
+            <a:endParaRPr lang="ru-RU" sz="2000" dirty="0">
+              <a:solidFill>
+                <a:schemeClr val="bg1"/>
+              </a:solidFill>
+            </a:endParaRPr>
+          </a:p>
+        </p:txBody>
+      </p:sp>
+      <p:sp>
+        <p:nvSpPr>
           <p:cNvPr id="2" name="Прямоугольник 1"/>
           <p:cNvSpPr/>
           <p:nvPr/>
@@ -3423,8 +3431,23 @@
                 </a:solidFill>
                 <a:cs typeface="Adobe Hebrew" pitchFamily="18" charset="-79"/>
               </a:rPr>
-              <a:t>№ :00</a:t>
-            </a:r>
+              <a:t>№ :0</a:t>
+            </a:r>
+            <a:r>
+              <a:rPr lang="en-US" sz="6600" b="1" dirty="0">
+                <a:solidFill>
+                  <a:schemeClr val="bg1"/>
+                </a:solidFill>
+                <a:cs typeface="Adobe Hebrew" pitchFamily="18" charset="-79"/>
+              </a:rPr>
+              <a:t>3</a:t>
+            </a:r>
+            <a:endParaRPr lang="ru-RU" sz="6600" b="1" dirty="0">
+              <a:solidFill>
+                <a:schemeClr val="bg1"/>
+              </a:solidFill>
+              <a:cs typeface="Adobe Hebrew" pitchFamily="18" charset="-79"/>
+            </a:endParaRPr>
           </a:p>
         </p:txBody>
       </p:sp>
@@ -3500,7 +3523,7 @@
         </p:nvSpPr>
         <p:spPr>
           <a:xfrm>
-            <a:off x="1403648" y="43913"/>
+            <a:off x="1547664" y="43913"/>
             <a:ext cx="6768752" cy="857250"/>
           </a:xfrm>
         </p:spPr>
@@ -3517,7 +3540,7 @@
                 </a:solidFill>
                 <a:cs typeface="Adobe Hebrew" pitchFamily="18" charset="-79"/>
               </a:rPr>
-              <a:t>Результаты проекта</a:t>
+              <a:t>Карта технологий</a:t>
             </a:r>
             <a:endParaRPr lang="ru-RU" sz="3100" dirty="0">
               <a:solidFill>
@@ -3658,60 +3681,6 @@
       </p:pic>
       <p:sp>
         <p:nvSpPr>
-          <p:cNvPr id="6" name="Заголовок 1"/>
-          <p:cNvSpPr txBox="1">
-            <a:spLocks/>
-          </p:cNvSpPr>
-          <p:nvPr/>
-        </p:nvSpPr>
-        <p:spPr>
-          <a:xfrm>
-            <a:off x="1691680" y="1131590"/>
-            <a:ext cx="6768752" cy="857250"/>
-          </a:xfrm>
-          <a:prstGeom prst="rect">
-            <a:avLst/>
-          </a:prstGeom>
-        </p:spPr>
-        <p:txBody>
-          <a:bodyPr vert="horz" lIns="91440" tIns="45720" rIns="91440" bIns="45720" rtlCol="0" anchor="ctr">
-            <a:normAutofit/>
-          </a:bodyPr>
-          <a:lstStyle>
-            <a:lvl1pPr algn="ctr" defTabSz="914400" rtl="0" eaLnBrk="1" latinLnBrk="0" hangingPunct="1">
-              <a:spcBef>
-                <a:spcPct val="0"/>
-              </a:spcBef>
-              <a:buNone/>
-              <a:defRPr sz="4400" kern="1200">
-                <a:solidFill>
-                  <a:schemeClr val="tx1"/>
-                </a:solidFill>
-                <a:latin typeface="+mj-lt"/>
-                <a:ea typeface="+mj-ea"/>
-                <a:cs typeface="+mj-cs"/>
-              </a:defRPr>
-            </a:lvl1pPr>
-          </a:lstStyle>
-          <a:p>
-            <a:pPr algn="l"/>
-            <a:r>
-              <a:rPr lang="ru-RU" sz="2400" dirty="0">
-                <a:solidFill>
-                  <a:schemeClr val="tx1">
-                    <a:lumMod val="75000"/>
-                    <a:lumOff val="25000"/>
-                  </a:schemeClr>
-                </a:solidFill>
-                <a:cs typeface="Adobe Hebrew" pitchFamily="18" charset="-79"/>
-              </a:rPr>
-              <a:t>Оценка результатов проекта, план развития</a:t>
-            </a:r>
-          </a:p>
-        </p:txBody>
-      </p:sp>
-      <p:sp>
-        <p:nvSpPr>
           <p:cNvPr id="7" name="Прямоугольник 6"/>
           <p:cNvSpPr/>
           <p:nvPr/>
@@ -3740,15 +3709,357 @@
                 </a:solidFill>
                 <a:cs typeface="Adobe Hebrew" pitchFamily="18" charset="-79"/>
               </a:rPr>
-              <a:t>№ :00</a:t>
-            </a:r>
+              <a:t>№ :0</a:t>
+            </a:r>
+            <a:r>
+              <a:rPr lang="en-US" sz="3200" b="1" dirty="0">
+                <a:solidFill>
+                  <a:schemeClr val="bg1">
+                    <a:lumMod val="50000"/>
+                  </a:schemeClr>
+                </a:solidFill>
+                <a:cs typeface="Adobe Hebrew" pitchFamily="18" charset="-79"/>
+              </a:rPr>
+              <a:t>3</a:t>
+            </a:r>
+            <a:endParaRPr lang="ru-RU" sz="3200" b="1" dirty="0">
+              <a:solidFill>
+                <a:schemeClr val="bg1">
+                  <a:lumMod val="50000"/>
+                </a:schemeClr>
+              </a:solidFill>
+              <a:cs typeface="Adobe Hebrew" pitchFamily="18" charset="-79"/>
+            </a:endParaRPr>
+          </a:p>
+        </p:txBody>
+      </p:sp>
+      <p:pic>
+        <p:nvPicPr>
+          <p:cNvPr id="4" name="Рисунок 3">
+            <a:extLst>
+              <a:ext uri="{FF2B5EF4-FFF2-40B4-BE49-F238E27FC236}">
+                <a16:creationId xmlns:a16="http://schemas.microsoft.com/office/drawing/2014/main" id="{EEB00560-9836-446A-8CDD-01C0631FF5B8}"/>
+              </a:ext>
+            </a:extLst>
+          </p:cNvPr>
+          <p:cNvPicPr>
+            <a:picLocks noChangeAspect="1"/>
+          </p:cNvPicPr>
+          <p:nvPr/>
+        </p:nvPicPr>
+        <p:blipFill>
+          <a:blip r:embed="rId4" cstate="print">
+            <a:extLst>
+              <a:ext uri="{28A0092B-C50C-407E-A947-70E740481C1C}">
+                <a14:useLocalDpi xmlns:a14="http://schemas.microsoft.com/office/drawing/2010/main" val="0"/>
+              </a:ext>
+            </a:extLst>
+          </a:blip>
+          <a:stretch>
+            <a:fillRect/>
+          </a:stretch>
+        </p:blipFill>
+        <p:spPr>
+          <a:xfrm>
+            <a:off x="6156176" y="1419622"/>
+            <a:ext cx="1898919" cy="487809"/>
+          </a:xfrm>
+          <a:prstGeom prst="rect">
+            <a:avLst/>
+          </a:prstGeom>
+        </p:spPr>
+      </p:pic>
+      <p:pic>
+        <p:nvPicPr>
+          <p:cNvPr id="9" name="Рисунок 8">
+            <a:extLst>
+              <a:ext uri="{FF2B5EF4-FFF2-40B4-BE49-F238E27FC236}">
+                <a16:creationId xmlns:a16="http://schemas.microsoft.com/office/drawing/2014/main" id="{51D11A4C-E80B-4D41-93FA-6B830382954A}"/>
+              </a:ext>
+            </a:extLst>
+          </p:cNvPr>
+          <p:cNvPicPr>
+            <a:picLocks noChangeAspect="1"/>
+          </p:cNvPicPr>
+          <p:nvPr/>
+        </p:nvPicPr>
+        <p:blipFill>
+          <a:blip r:embed="rId5" cstate="print">
+            <a:extLst>
+              <a:ext uri="{28A0092B-C50C-407E-A947-70E740481C1C}">
+                <a14:useLocalDpi xmlns:a14="http://schemas.microsoft.com/office/drawing/2010/main" val="0"/>
+              </a:ext>
+            </a:extLst>
+          </a:blip>
+          <a:stretch>
+            <a:fillRect/>
+          </a:stretch>
+        </p:blipFill>
+        <p:spPr>
+          <a:xfrm>
+            <a:off x="1907704" y="1285597"/>
+            <a:ext cx="1808973" cy="1243669"/>
+          </a:xfrm>
+          <a:prstGeom prst="rect">
+            <a:avLst/>
+          </a:prstGeom>
+        </p:spPr>
+      </p:pic>
+      <p:pic>
+        <p:nvPicPr>
+          <p:cNvPr id="12" name="Рисунок 11">
+            <a:extLst>
+              <a:ext uri="{FF2B5EF4-FFF2-40B4-BE49-F238E27FC236}">
+                <a16:creationId xmlns:a16="http://schemas.microsoft.com/office/drawing/2014/main" id="{CC31AF82-B5B0-4C79-BCCF-1553666E7336}"/>
+              </a:ext>
+            </a:extLst>
+          </p:cNvPr>
+          <p:cNvPicPr>
+            <a:picLocks noChangeAspect="1"/>
+          </p:cNvPicPr>
+          <p:nvPr/>
+        </p:nvPicPr>
+        <p:blipFill rotWithShape="1">
+          <a:blip r:embed="rId6" cstate="print">
+            <a:extLst>
+              <a:ext uri="{28A0092B-C50C-407E-A947-70E740481C1C}">
+                <a14:useLocalDpi xmlns:a14="http://schemas.microsoft.com/office/drawing/2010/main" val="0"/>
+              </a:ext>
+            </a:extLst>
+          </a:blip>
+          <a:srcRect l="23625" t="21305" r="23848" b="10774"/>
+          <a:stretch/>
+        </p:blipFill>
+        <p:spPr>
+          <a:xfrm>
+            <a:off x="2483768" y="3291830"/>
+            <a:ext cx="1280819" cy="1656184"/>
+          </a:xfrm>
+          <a:prstGeom prst="rect">
+            <a:avLst/>
+          </a:prstGeom>
+        </p:spPr>
+      </p:pic>
+      <p:pic>
+        <p:nvPicPr>
+          <p:cNvPr id="16" name="Рисунок 15">
+            <a:extLst>
+              <a:ext uri="{FF2B5EF4-FFF2-40B4-BE49-F238E27FC236}">
+                <a16:creationId xmlns:a16="http://schemas.microsoft.com/office/drawing/2014/main" id="{5555D97A-02B2-4A9F-BDE4-4EC4E11F535F}"/>
+              </a:ext>
+            </a:extLst>
+          </p:cNvPr>
+          <p:cNvPicPr>
+            <a:picLocks noChangeAspect="1"/>
+          </p:cNvPicPr>
+          <p:nvPr/>
+        </p:nvPicPr>
+        <p:blipFill>
+          <a:blip r:embed="rId7" cstate="print">
+            <a:extLst>
+              <a:ext uri="{28A0092B-C50C-407E-A947-70E740481C1C}">
+                <a14:useLocalDpi xmlns:a14="http://schemas.microsoft.com/office/drawing/2010/main" val="0"/>
+              </a:ext>
+            </a:extLst>
+          </a:blip>
+          <a:stretch>
+            <a:fillRect/>
+          </a:stretch>
+        </p:blipFill>
+        <p:spPr>
+          <a:xfrm>
+            <a:off x="6084168" y="3291830"/>
+            <a:ext cx="1200300" cy="1200300"/>
+          </a:xfrm>
+          <a:prstGeom prst="rect">
+            <a:avLst/>
+          </a:prstGeom>
+        </p:spPr>
+      </p:pic>
+      <p:pic>
+        <p:nvPicPr>
+          <p:cNvPr id="18" name="Рисунок 17">
+            <a:extLst>
+              <a:ext uri="{FF2B5EF4-FFF2-40B4-BE49-F238E27FC236}">
+                <a16:creationId xmlns:a16="http://schemas.microsoft.com/office/drawing/2014/main" id="{96217CD3-A903-483F-B7FB-6F7E15F2AFA9}"/>
+              </a:ext>
+            </a:extLst>
+          </p:cNvPr>
+          <p:cNvPicPr>
+            <a:picLocks noChangeAspect="1"/>
+          </p:cNvPicPr>
+          <p:nvPr/>
+        </p:nvPicPr>
+        <p:blipFill>
+          <a:blip r:embed="rId8" cstate="print">
+            <a:extLst>
+              <a:ext uri="{28A0092B-C50C-407E-A947-70E740481C1C}">
+                <a14:useLocalDpi xmlns:a14="http://schemas.microsoft.com/office/drawing/2010/main" val="0"/>
+              </a:ext>
+            </a:extLst>
+          </a:blip>
+          <a:stretch>
+            <a:fillRect/>
+          </a:stretch>
+        </p:blipFill>
+        <p:spPr>
+          <a:xfrm>
+            <a:off x="6084168" y="2424252"/>
+            <a:ext cx="2848796" cy="616797"/>
+          </a:xfrm>
+          <a:prstGeom prst="rect">
+            <a:avLst/>
+          </a:prstGeom>
+        </p:spPr>
+      </p:pic>
+      <p:pic>
+        <p:nvPicPr>
+          <p:cNvPr id="22" name="Рисунок 21">
+            <a:extLst>
+              <a:ext uri="{FF2B5EF4-FFF2-40B4-BE49-F238E27FC236}">
+                <a16:creationId xmlns:a16="http://schemas.microsoft.com/office/drawing/2014/main" id="{519F355B-5FAC-4A10-9C23-AAABB88688DD}"/>
+              </a:ext>
+            </a:extLst>
+          </p:cNvPr>
+          <p:cNvPicPr>
+            <a:picLocks noChangeAspect="1"/>
+          </p:cNvPicPr>
+          <p:nvPr/>
+        </p:nvPicPr>
+        <p:blipFill>
+          <a:blip r:embed="rId9" cstate="print">
+            <a:extLst>
+              <a:ext uri="{28A0092B-C50C-407E-A947-70E740481C1C}">
+                <a14:useLocalDpi xmlns:a14="http://schemas.microsoft.com/office/drawing/2010/main" val="0"/>
+              </a:ext>
+            </a:extLst>
+          </a:blip>
+          <a:stretch>
+            <a:fillRect/>
+          </a:stretch>
+        </p:blipFill>
+        <p:spPr>
+          <a:xfrm>
+            <a:off x="1259632" y="2529266"/>
+            <a:ext cx="2448272" cy="460275"/>
+          </a:xfrm>
+          <a:prstGeom prst="rect">
+            <a:avLst/>
+          </a:prstGeom>
+        </p:spPr>
+      </p:pic>
+      <p:pic>
+        <p:nvPicPr>
+          <p:cNvPr id="28" name="Рисунок 27">
+            <a:extLst>
+              <a:ext uri="{FF2B5EF4-FFF2-40B4-BE49-F238E27FC236}">
+                <a16:creationId xmlns:a16="http://schemas.microsoft.com/office/drawing/2014/main" id="{4E89D951-3AED-4B6D-B40E-8FC96C6530FA}"/>
+              </a:ext>
+            </a:extLst>
+          </p:cNvPr>
+          <p:cNvPicPr>
+            <a:picLocks noChangeAspect="1"/>
+          </p:cNvPicPr>
+          <p:nvPr/>
+        </p:nvPicPr>
+        <p:blipFill rotWithShape="1">
+          <a:blip r:embed="rId10" cstate="print">
+            <a:extLst>
+              <a:ext uri="{BEBA8EAE-BF5A-486C-A8C5-ECC9F3942E4B}">
+                <a14:imgProps xmlns:a14="http://schemas.microsoft.com/office/drawing/2010/main">
+                  <a14:imgLayer r:embed="rId11">
+                    <a14:imgEffect>
+                      <a14:backgroundRemoval t="10000" b="90000" l="10000" r="90000">
+                        <a14:foregroundMark x1="33804" y1="75195" x2="33804" y2="75195"/>
+                        <a14:foregroundMark x1="33804" y1="75000" x2="33804" y2="75000"/>
+                        <a14:foregroundMark x1="66739" y1="74414" x2="66739" y2="74414"/>
+                      </a14:backgroundRemoval>
+                    </a14:imgEffect>
+                  </a14:imgLayer>
+                </a14:imgProps>
+              </a:ext>
+              <a:ext uri="{28A0092B-C50C-407E-A947-70E740481C1C}">
+                <a14:useLocalDpi xmlns:a14="http://schemas.microsoft.com/office/drawing/2010/main" val="0"/>
+              </a:ext>
+            </a:extLst>
+          </a:blip>
+          <a:srcRect l="19722" t="19637" r="19469" b="18348"/>
+          <a:stretch/>
+        </p:blipFill>
+        <p:spPr>
+          <a:xfrm rot="20697375">
+            <a:off x="4328310" y="2527531"/>
+            <a:ext cx="1216235" cy="690295"/>
+          </a:xfrm>
+          <a:prstGeom prst="rect">
+            <a:avLst/>
+          </a:prstGeom>
+          <a:ln>
+            <a:noFill/>
+          </a:ln>
+          <a:effectLst>
+            <a:outerShdw blurRad="292100" dist="139700" dir="2700000" algn="tl" rotWithShape="0">
+              <a:srgbClr val="333333">
+                <a:alpha val="65000"/>
+              </a:srgbClr>
+            </a:outerShdw>
+          </a:effectLst>
+        </p:spPr>
+      </p:pic>
+      <p:sp>
+        <p:nvSpPr>
+          <p:cNvPr id="29" name="Овал 28">
+            <a:extLst>
+              <a:ext uri="{FF2B5EF4-FFF2-40B4-BE49-F238E27FC236}">
+                <a16:creationId xmlns:a16="http://schemas.microsoft.com/office/drawing/2014/main" id="{0950184B-B29B-453D-928A-5926113A7154}"/>
+              </a:ext>
+            </a:extLst>
+          </p:cNvPr>
+          <p:cNvSpPr/>
+          <p:nvPr/>
+        </p:nvSpPr>
+        <p:spPr>
+          <a:xfrm>
+            <a:off x="4209899" y="2198814"/>
+            <a:ext cx="1453056" cy="1453056"/>
+          </a:xfrm>
+          <a:prstGeom prst="ellipse">
+            <a:avLst/>
+          </a:prstGeom>
+          <a:noFill/>
+          <a:ln w="76200">
+            <a:prstDash val="lgDashDot"/>
+          </a:ln>
+        </p:spPr>
+        <p:style>
+          <a:lnRef idx="2">
+            <a:schemeClr val="dk1">
+              <a:shade val="50000"/>
+            </a:schemeClr>
+          </a:lnRef>
+          <a:fillRef idx="1">
+            <a:schemeClr val="dk1"/>
+          </a:fillRef>
+          <a:effectRef idx="0">
+            <a:schemeClr val="dk1"/>
+          </a:effectRef>
+          <a:fontRef idx="minor">
+            <a:schemeClr val="lt1"/>
+          </a:fontRef>
+        </p:style>
+        <p:txBody>
+          <a:bodyPr rtlCol="0" anchor="ctr"/>
+          <a:lstStyle/>
+          <a:p>
+            <a:pPr algn="ctr"/>
+            <a:endParaRPr lang="ru-RU"/>
           </a:p>
         </p:txBody>
       </p:sp>
     </p:spTree>
     <p:extLst>
       <p:ext uri="{BB962C8B-B14F-4D97-AF65-F5344CB8AC3E}">
-        <p14:creationId xmlns:p14="http://schemas.microsoft.com/office/powerpoint/2010/main" val="1981453422"/>
+        <p14:creationId xmlns:p14="http://schemas.microsoft.com/office/powerpoint/2010/main" val="3749278077"/>
       </p:ext>
     </p:extLst>
   </p:cSld>
@@ -3787,7 +4098,7 @@
         </p:nvSpPr>
         <p:spPr>
           <a:xfrm>
-            <a:off x="1403648" y="43913"/>
+            <a:off x="1403648" y="202332"/>
             <a:ext cx="6768752" cy="857250"/>
           </a:xfrm>
         </p:spPr>
@@ -3804,7 +4115,7 @@
                 </a:solidFill>
                 <a:cs typeface="Adobe Hebrew" pitchFamily="18" charset="-79"/>
               </a:rPr>
-              <a:t>Развитие проекта</a:t>
+              <a:t>Ошибки проекта</a:t>
             </a:r>
             <a:endParaRPr lang="ru-RU" sz="3100" dirty="0">
               <a:solidFill>
@@ -3953,7 +4264,310 @@
         </p:nvSpPr>
         <p:spPr>
           <a:xfrm>
-            <a:off x="1691680" y="1131590"/>
+            <a:off x="1691680" y="1309682"/>
+            <a:ext cx="6768752" cy="857250"/>
+          </a:xfrm>
+          <a:prstGeom prst="rect">
+            <a:avLst/>
+          </a:prstGeom>
+        </p:spPr>
+        <p:txBody>
+          <a:bodyPr vert="horz" lIns="91440" tIns="45720" rIns="91440" bIns="45720" rtlCol="0" anchor="t">
+            <a:normAutofit/>
+          </a:bodyPr>
+          <a:lstStyle>
+            <a:lvl1pPr algn="ctr" defTabSz="914400" rtl="0" eaLnBrk="1" latinLnBrk="0" hangingPunct="1">
+              <a:spcBef>
+                <a:spcPct val="0"/>
+              </a:spcBef>
+              <a:buNone/>
+              <a:defRPr sz="4400" kern="1200">
+                <a:solidFill>
+                  <a:schemeClr val="tx1"/>
+                </a:solidFill>
+                <a:latin typeface="+mj-lt"/>
+                <a:ea typeface="+mj-ea"/>
+                <a:cs typeface="+mj-cs"/>
+              </a:defRPr>
+            </a:lvl1pPr>
+          </a:lstStyle>
+          <a:p>
+            <a:pPr algn="l"/>
+            <a:endParaRPr lang="ru-RU" sz="2400" dirty="0">
+              <a:solidFill>
+                <a:schemeClr val="tx1">
+                  <a:lumMod val="75000"/>
+                  <a:lumOff val="25000"/>
+                </a:schemeClr>
+              </a:solidFill>
+              <a:cs typeface="Adobe Hebrew" pitchFamily="18" charset="-79"/>
+            </a:endParaRPr>
+          </a:p>
+        </p:txBody>
+      </p:sp>
+      <p:sp>
+        <p:nvSpPr>
+          <p:cNvPr id="7" name="Прямоугольник 6"/>
+          <p:cNvSpPr/>
+          <p:nvPr/>
+        </p:nvSpPr>
+        <p:spPr>
+          <a:xfrm>
+            <a:off x="7906161" y="26766"/>
+            <a:ext cx="1237839" cy="584775"/>
+          </a:xfrm>
+          <a:prstGeom prst="rect">
+            <a:avLst/>
+          </a:prstGeom>
+        </p:spPr>
+        <p:txBody>
+          <a:bodyPr wrap="none">
+            <a:spAutoFit/>
+          </a:bodyPr>
+          <a:lstStyle/>
+          <a:p>
+            <a:r>
+              <a:rPr lang="ru-RU" sz="3200" b="1" dirty="0">
+                <a:solidFill>
+                  <a:schemeClr val="bg1">
+                    <a:lumMod val="50000"/>
+                  </a:schemeClr>
+                </a:solidFill>
+                <a:cs typeface="Adobe Hebrew" pitchFamily="18" charset="-79"/>
+              </a:rPr>
+              <a:t>№ :0</a:t>
+            </a:r>
+            <a:r>
+              <a:rPr lang="en-US" sz="3200" b="1" dirty="0">
+                <a:solidFill>
+                  <a:schemeClr val="bg1">
+                    <a:lumMod val="50000"/>
+                  </a:schemeClr>
+                </a:solidFill>
+                <a:cs typeface="Adobe Hebrew" pitchFamily="18" charset="-79"/>
+              </a:rPr>
+              <a:t>3</a:t>
+            </a:r>
+            <a:endParaRPr lang="ru-RU" sz="3200" b="1" dirty="0">
+              <a:solidFill>
+                <a:schemeClr val="bg1">
+                  <a:lumMod val="50000"/>
+                </a:schemeClr>
+              </a:solidFill>
+              <a:cs typeface="Adobe Hebrew" pitchFamily="18" charset="-79"/>
+            </a:endParaRPr>
+          </a:p>
+        </p:txBody>
+      </p:sp>
+    </p:spTree>
+    <p:extLst>
+      <p:ext uri="{BB962C8B-B14F-4D97-AF65-F5344CB8AC3E}">
+        <p14:creationId xmlns:p14="http://schemas.microsoft.com/office/powerpoint/2010/main" val="853546668"/>
+      </p:ext>
+    </p:extLst>
+  </p:cSld>
+  <p:clrMapOvr>
+    <a:masterClrMapping/>
+  </p:clrMapOvr>
+</p:sld>
+</file>
+
+<file path=ppt/slides/slide12.xml><?xml version="1.0" encoding="utf-8"?>
+<p:sld xmlns:a="http://schemas.openxmlformats.org/drawingml/2006/main" xmlns:r="http://schemas.openxmlformats.org/officeDocument/2006/relationships" xmlns:p="http://schemas.openxmlformats.org/presentationml/2006/main">
+  <p:cSld>
+    <p:spTree>
+      <p:nvGrpSpPr>
+        <p:cNvPr id="1" name=""/>
+        <p:cNvGrpSpPr/>
+        <p:nvPr/>
+      </p:nvGrpSpPr>
+      <p:grpSpPr>
+        <a:xfrm>
+          <a:off x="0" y="0"/>
+          <a:ext cx="0" cy="0"/>
+          <a:chOff x="0" y="0"/>
+          <a:chExt cx="0" cy="0"/>
+        </a:xfrm>
+      </p:grpSpPr>
+      <p:sp>
+        <p:nvSpPr>
+          <p:cNvPr id="2" name="Заголовок 1"/>
+          <p:cNvSpPr>
+            <a:spLocks noGrp="1"/>
+          </p:cNvSpPr>
+          <p:nvPr>
+            <p:ph type="title"/>
+          </p:nvPr>
+        </p:nvSpPr>
+        <p:spPr>
+          <a:xfrm>
+            <a:off x="1403648" y="43913"/>
+            <a:ext cx="6768752" cy="857250"/>
+          </a:xfrm>
+        </p:spPr>
+        <p:txBody>
+          <a:bodyPr>
+            <a:normAutofit/>
+          </a:bodyPr>
+          <a:lstStyle/>
+          <a:p>
+            <a:r>
+              <a:rPr lang="ru-RU" b="1" dirty="0">
+                <a:solidFill>
+                  <a:srgbClr val="7030A0"/>
+                </a:solidFill>
+                <a:cs typeface="Adobe Hebrew" pitchFamily="18" charset="-79"/>
+              </a:rPr>
+              <a:t>Развитие проекта</a:t>
+            </a:r>
+            <a:endParaRPr lang="ru-RU" sz="3100" dirty="0">
+              <a:solidFill>
+                <a:srgbClr val="7030A0"/>
+              </a:solidFill>
+              <a:cs typeface="Adobe Hebrew" pitchFamily="18" charset="-79"/>
+            </a:endParaRPr>
+          </a:p>
+        </p:txBody>
+      </p:sp>
+      <p:pic>
+        <p:nvPicPr>
+          <p:cNvPr id="5" name="Picture 3"/>
+          <p:cNvPicPr>
+            <a:picLocks noChangeAspect="1" noChangeArrowheads="1"/>
+          </p:cNvPicPr>
+          <p:nvPr/>
+        </p:nvPicPr>
+        <p:blipFill>
+          <a:blip r:embed="rId2" cstate="print">
+            <a:extLst>
+              <a:ext uri="{28A0092B-C50C-407E-A947-70E740481C1C}">
+                <a14:useLocalDpi xmlns:a14="http://schemas.microsoft.com/office/drawing/2010/main" val="0"/>
+              </a:ext>
+            </a:extLst>
+          </a:blip>
+          <a:srcRect/>
+          <a:stretch>
+            <a:fillRect/>
+          </a:stretch>
+        </p:blipFill>
+        <p:spPr bwMode="auto">
+          <a:xfrm>
+            <a:off x="179512" y="1325207"/>
+            <a:ext cx="973574" cy="3795886"/>
+          </a:xfrm>
+          <a:prstGeom prst="rect">
+            <a:avLst/>
+          </a:prstGeom>
+          <a:noFill/>
+          <a:ln>
+            <a:noFill/>
+          </a:ln>
+          <a:effectLst/>
+          <a:extLst>
+            <a:ext uri="{909E8E84-426E-40DD-AFC4-6F175D3DCCD1}">
+              <a14:hiddenFill xmlns:a14="http://schemas.microsoft.com/office/drawing/2010/main">
+                <a:solidFill>
+                  <a:schemeClr val="accent1"/>
+                </a:solidFill>
+              </a14:hiddenFill>
+            </a:ext>
+            <a:ext uri="{91240B29-F687-4F45-9708-019B960494DF}">
+              <a14:hiddenLine xmlns:a14="http://schemas.microsoft.com/office/drawing/2010/main" w="9525">
+                <a:solidFill>
+                  <a:schemeClr val="tx1"/>
+                </a:solidFill>
+                <a:miter lim="800000"/>
+                <a:headEnd/>
+                <a:tailEnd/>
+              </a14:hiddenLine>
+            </a:ext>
+            <a:ext uri="{AF507438-7753-43E0-B8FC-AC1667EBCBE1}">
+              <a14:hiddenEffects xmlns:a14="http://schemas.microsoft.com/office/drawing/2010/main">
+                <a:effectLst>
+                  <a:outerShdw dist="35921" dir="2700000" algn="ctr" rotWithShape="0">
+                    <a:schemeClr val="bg2"/>
+                  </a:outerShdw>
+                </a:effectLst>
+              </a14:hiddenEffects>
+            </a:ext>
+          </a:extLst>
+        </p:spPr>
+      </p:pic>
+      <p:pic>
+        <p:nvPicPr>
+          <p:cNvPr id="11" name="Picture 4"/>
+          <p:cNvPicPr>
+            <a:picLocks noChangeAspect="1" noChangeArrowheads="1"/>
+          </p:cNvPicPr>
+          <p:nvPr/>
+        </p:nvPicPr>
+        <p:blipFill>
+          <a:blip r:embed="rId3">
+            <a:extLst>
+              <a:ext uri="{28A0092B-C50C-407E-A947-70E740481C1C}">
+                <a14:useLocalDpi xmlns:a14="http://schemas.microsoft.com/office/drawing/2010/main" val="0"/>
+              </a:ext>
+            </a:extLst>
+          </a:blip>
+          <a:srcRect/>
+          <a:stretch>
+            <a:fillRect/>
+          </a:stretch>
+        </p:blipFill>
+        <p:spPr bwMode="auto">
+          <a:xfrm>
+            <a:off x="179512" y="10528"/>
+            <a:ext cx="985849" cy="977046"/>
+          </a:xfrm>
+          <a:prstGeom prst="rect">
+            <a:avLst/>
+          </a:prstGeom>
+          <a:noFill/>
+          <a:ln>
+            <a:noFill/>
+          </a:ln>
+          <a:effectLst/>
+          <a:extLst>
+            <a:ext uri="{909E8E84-426E-40DD-AFC4-6F175D3DCCD1}">
+              <a14:hiddenFill xmlns:a14="http://schemas.microsoft.com/office/drawing/2010/main">
+                <a:solidFill>
+                  <a:schemeClr val="accent1"/>
+                </a:solidFill>
+              </a14:hiddenFill>
+            </a:ext>
+            <a:ext uri="{91240B29-F687-4F45-9708-019B960494DF}">
+              <a14:hiddenLine xmlns:a14="http://schemas.microsoft.com/office/drawing/2010/main" w="9525">
+                <a:solidFill>
+                  <a:schemeClr val="tx1"/>
+                </a:solidFill>
+                <a:miter lim="800000"/>
+                <a:headEnd/>
+                <a:tailEnd/>
+              </a14:hiddenLine>
+            </a:ext>
+            <a:ext uri="{AF507438-7753-43E0-B8FC-AC1667EBCBE1}">
+              <a14:hiddenEffects xmlns:a14="http://schemas.microsoft.com/office/drawing/2010/main">
+                <a:effectLst>
+                  <a:outerShdw dist="35921" dir="2700000" algn="ctr" rotWithShape="0">
+                    <a:schemeClr val="bg2"/>
+                  </a:outerShdw>
+                </a:effectLst>
+              </a14:hiddenEffects>
+            </a:ext>
+          </a:extLst>
+        </p:spPr>
+      </p:pic>
+      <p:sp>
+        <p:nvSpPr>
+          <p:cNvPr id="6" name="Заголовок 1"/>
+          <p:cNvSpPr txBox="1">
+            <a:spLocks/>
+          </p:cNvSpPr>
+          <p:nvPr/>
+        </p:nvSpPr>
+        <p:spPr>
+          <a:xfrm>
+            <a:off x="1691680" y="1059582"/>
             <a:ext cx="6768752" cy="857250"/>
           </a:xfrm>
           <a:prstGeom prst="rect">
@@ -3992,7 +4606,7 @@
                 </a:solidFill>
                 <a:cs typeface="Adobe Hebrew" pitchFamily="18" charset="-79"/>
               </a:rPr>
-              <a:t>Как дальше может развиваться проект</a:t>
+              <a:t>Отслеживание местоположения судов и их характеристик в реальном времени</a:t>
             </a:r>
           </a:p>
         </p:txBody>
@@ -4027,11 +4641,76 @@
                 </a:solidFill>
                 <a:cs typeface="Adobe Hebrew" pitchFamily="18" charset="-79"/>
               </a:rPr>
-              <a:t>№ :00</a:t>
-            </a:r>
-          </a:p>
-        </p:txBody>
-      </p:sp>
+              <a:t>№ :0</a:t>
+            </a:r>
+            <a:r>
+              <a:rPr lang="en-US" sz="3200" b="1" dirty="0">
+                <a:solidFill>
+                  <a:schemeClr val="bg1">
+                    <a:lumMod val="50000"/>
+                  </a:schemeClr>
+                </a:solidFill>
+                <a:cs typeface="Adobe Hebrew" pitchFamily="18" charset="-79"/>
+              </a:rPr>
+              <a:t>3</a:t>
+            </a:r>
+            <a:endParaRPr lang="ru-RU" sz="3200" b="1" dirty="0">
+              <a:solidFill>
+                <a:schemeClr val="bg1">
+                  <a:lumMod val="50000"/>
+                </a:schemeClr>
+              </a:solidFill>
+              <a:cs typeface="Adobe Hebrew" pitchFamily="18" charset="-79"/>
+            </a:endParaRPr>
+          </a:p>
+        </p:txBody>
+      </p:sp>
+      <p:pic>
+        <p:nvPicPr>
+          <p:cNvPr id="4" name="Рисунок 3">
+            <a:extLst>
+              <a:ext uri="{FF2B5EF4-FFF2-40B4-BE49-F238E27FC236}">
+                <a16:creationId xmlns:a16="http://schemas.microsoft.com/office/drawing/2014/main" id="{5778F5A3-143A-4FCB-9F39-6F833006289D}"/>
+              </a:ext>
+            </a:extLst>
+          </p:cNvPr>
+          <p:cNvPicPr>
+            <a:picLocks noChangeAspect="1"/>
+          </p:cNvPicPr>
+          <p:nvPr/>
+        </p:nvPicPr>
+        <p:blipFill>
+          <a:blip r:embed="rId4">
+            <a:extLst>
+              <a:ext uri="{28A0092B-C50C-407E-A947-70E740481C1C}">
+                <a14:useLocalDpi xmlns:a14="http://schemas.microsoft.com/office/drawing/2010/main" val="0"/>
+              </a:ext>
+            </a:extLst>
+          </a:blip>
+          <a:stretch>
+            <a:fillRect/>
+          </a:stretch>
+        </p:blipFill>
+        <p:spPr>
+          <a:xfrm>
+            <a:off x="2048347" y="2067694"/>
+            <a:ext cx="5047306" cy="2793658"/>
+          </a:xfrm>
+          <a:prstGeom prst="rect">
+            <a:avLst/>
+          </a:prstGeom>
+          <a:ln>
+            <a:noFill/>
+          </a:ln>
+          <a:effectLst>
+            <a:outerShdw blurRad="190500" algn="tl" rotWithShape="0">
+              <a:srgbClr val="000000">
+                <a:alpha val="70000"/>
+              </a:srgbClr>
+            </a:outerShdw>
+          </a:effectLst>
+        </p:spPr>
+      </p:pic>
     </p:spTree>
     <p:extLst>
       <p:ext uri="{BB962C8B-B14F-4D97-AF65-F5344CB8AC3E}">
@@ -4045,7 +4724,747 @@
 </p:sld>
 </file>
 
-<file path=ppt/slides/slide12.xml><?xml version="1.0" encoding="utf-8"?>
+<file path=ppt/slides/slide13.xml><?xml version="1.0" encoding="utf-8"?>
+<p:sld xmlns:a="http://schemas.openxmlformats.org/drawingml/2006/main" xmlns:r="http://schemas.openxmlformats.org/officeDocument/2006/relationships" xmlns:p="http://schemas.openxmlformats.org/presentationml/2006/main">
+  <p:cSld>
+    <p:spTree>
+      <p:nvGrpSpPr>
+        <p:cNvPr id="1" name=""/>
+        <p:cNvGrpSpPr/>
+        <p:nvPr/>
+      </p:nvGrpSpPr>
+      <p:grpSpPr>
+        <a:xfrm>
+          <a:off x="0" y="0"/>
+          <a:ext cx="0" cy="0"/>
+          <a:chOff x="0" y="0"/>
+          <a:chExt cx="0" cy="0"/>
+        </a:xfrm>
+      </p:grpSpPr>
+      <p:pic>
+        <p:nvPicPr>
+          <p:cNvPr id="36" name="Рисунок 35">
+            <a:extLst>
+              <a:ext uri="{FF2B5EF4-FFF2-40B4-BE49-F238E27FC236}">
+                <a16:creationId xmlns:a16="http://schemas.microsoft.com/office/drawing/2014/main" id="{AB8186A6-88F3-4D60-B0E1-D4F2420A6724}"/>
+              </a:ext>
+            </a:extLst>
+          </p:cNvPr>
+          <p:cNvPicPr>
+            <a:picLocks noChangeAspect="1"/>
+          </p:cNvPicPr>
+          <p:nvPr/>
+        </p:nvPicPr>
+        <p:blipFill rotWithShape="1">
+          <a:blip r:embed="rId2" cstate="print">
+            <a:extLst>
+              <a:ext uri="{28A0092B-C50C-407E-A947-70E740481C1C}">
+                <a14:useLocalDpi xmlns:a14="http://schemas.microsoft.com/office/drawing/2010/main" val="0"/>
+              </a:ext>
+            </a:extLst>
+          </a:blip>
+          <a:srcRect t="4983" r="4549"/>
+          <a:stretch/>
+        </p:blipFill>
+        <p:spPr>
+          <a:xfrm>
+            <a:off x="2672921" y="864487"/>
+            <a:ext cx="1289418" cy="1711405"/>
+          </a:xfrm>
+          <a:prstGeom prst="rect">
+            <a:avLst/>
+          </a:prstGeom>
+        </p:spPr>
+      </p:pic>
+      <p:pic>
+        <p:nvPicPr>
+          <p:cNvPr id="34" name="Рисунок 33">
+            <a:extLst>
+              <a:ext uri="{FF2B5EF4-FFF2-40B4-BE49-F238E27FC236}">
+                <a16:creationId xmlns:a16="http://schemas.microsoft.com/office/drawing/2014/main" id="{D39D0782-C540-4267-9B83-738BDE6829F8}"/>
+              </a:ext>
+            </a:extLst>
+          </p:cNvPr>
+          <p:cNvPicPr>
+            <a:picLocks noChangeAspect="1"/>
+          </p:cNvPicPr>
+          <p:nvPr/>
+        </p:nvPicPr>
+        <p:blipFill rotWithShape="1">
+          <a:blip r:embed="rId3" cstate="print">
+            <a:extLst>
+              <a:ext uri="{28A0092B-C50C-407E-A947-70E740481C1C}">
+                <a14:useLocalDpi xmlns:a14="http://schemas.microsoft.com/office/drawing/2010/main" val="0"/>
+              </a:ext>
+            </a:extLst>
+          </a:blip>
+          <a:srcRect l="9438" t="17840" r="8206"/>
+          <a:stretch/>
+        </p:blipFill>
+        <p:spPr>
+          <a:xfrm>
+            <a:off x="1255495" y="3006976"/>
+            <a:ext cx="1292464" cy="1719222"/>
+          </a:xfrm>
+          <a:prstGeom prst="rect">
+            <a:avLst/>
+          </a:prstGeom>
+        </p:spPr>
+      </p:pic>
+      <p:pic>
+        <p:nvPicPr>
+          <p:cNvPr id="32" name="Рисунок 31">
+            <a:extLst>
+              <a:ext uri="{FF2B5EF4-FFF2-40B4-BE49-F238E27FC236}">
+                <a16:creationId xmlns:a16="http://schemas.microsoft.com/office/drawing/2014/main" id="{6F472A99-D5BC-4F09-ACE0-F81202AC728C}"/>
+              </a:ext>
+            </a:extLst>
+          </p:cNvPr>
+          <p:cNvPicPr>
+            <a:picLocks noChangeAspect="1"/>
+          </p:cNvPicPr>
+          <p:nvPr/>
+        </p:nvPicPr>
+        <p:blipFill>
+          <a:blip r:embed="rId4" cstate="print">
+            <a:extLst>
+              <a:ext uri="{28A0092B-C50C-407E-A947-70E740481C1C}">
+                <a14:useLocalDpi xmlns:a14="http://schemas.microsoft.com/office/drawing/2010/main" val="0"/>
+              </a:ext>
+            </a:extLst>
+          </a:blip>
+          <a:stretch>
+            <a:fillRect/>
+          </a:stretch>
+        </p:blipFill>
+        <p:spPr>
+          <a:xfrm>
+            <a:off x="7027000" y="2986845"/>
+            <a:ext cx="1289416" cy="1719221"/>
+          </a:xfrm>
+          <a:prstGeom prst="rect">
+            <a:avLst/>
+          </a:prstGeom>
+        </p:spPr>
+      </p:pic>
+      <p:pic>
+        <p:nvPicPr>
+          <p:cNvPr id="30" name="Рисунок 29">
+            <a:extLst>
+              <a:ext uri="{FF2B5EF4-FFF2-40B4-BE49-F238E27FC236}">
+                <a16:creationId xmlns:a16="http://schemas.microsoft.com/office/drawing/2014/main" id="{1328B616-ADCA-4B70-B8A2-116FAD71D52A}"/>
+              </a:ext>
+            </a:extLst>
+          </p:cNvPr>
+          <p:cNvPicPr>
+            <a:picLocks noChangeAspect="1"/>
+          </p:cNvPicPr>
+          <p:nvPr/>
+        </p:nvPicPr>
+        <p:blipFill>
+          <a:blip r:embed="rId5" cstate="print">
+            <a:extLst>
+              <a:ext uri="{28A0092B-C50C-407E-A947-70E740481C1C}">
+                <a14:useLocalDpi xmlns:a14="http://schemas.microsoft.com/office/drawing/2010/main" val="0"/>
+              </a:ext>
+            </a:extLst>
+          </a:blip>
+          <a:stretch>
+            <a:fillRect/>
+          </a:stretch>
+        </p:blipFill>
+        <p:spPr>
+          <a:xfrm>
+            <a:off x="5660579" y="850097"/>
+            <a:ext cx="1282238" cy="1709650"/>
+          </a:xfrm>
+          <a:prstGeom prst="rect">
+            <a:avLst/>
+          </a:prstGeom>
+        </p:spPr>
+      </p:pic>
+      <p:pic>
+        <p:nvPicPr>
+          <p:cNvPr id="28" name="Рисунок 27">
+            <a:extLst>
+              <a:ext uri="{FF2B5EF4-FFF2-40B4-BE49-F238E27FC236}">
+                <a16:creationId xmlns:a16="http://schemas.microsoft.com/office/drawing/2014/main" id="{34A481F5-CB8F-4EE3-AC30-152F8892D96C}"/>
+              </a:ext>
+            </a:extLst>
+          </p:cNvPr>
+          <p:cNvPicPr>
+            <a:picLocks noChangeAspect="1"/>
+          </p:cNvPicPr>
+          <p:nvPr/>
+        </p:nvPicPr>
+        <p:blipFill>
+          <a:blip r:embed="rId6" cstate="print">
+            <a:extLst>
+              <a:ext uri="{28A0092B-C50C-407E-A947-70E740481C1C}">
+                <a14:useLocalDpi xmlns:a14="http://schemas.microsoft.com/office/drawing/2010/main" val="0"/>
+              </a:ext>
+            </a:extLst>
+          </a:blip>
+          <a:stretch>
+            <a:fillRect/>
+          </a:stretch>
+        </p:blipFill>
+        <p:spPr>
+          <a:xfrm>
+            <a:off x="4143750" y="3006040"/>
+            <a:ext cx="1289417" cy="1719222"/>
+          </a:xfrm>
+          <a:prstGeom prst="rect">
+            <a:avLst/>
+          </a:prstGeom>
+        </p:spPr>
+      </p:pic>
+      <p:sp>
+        <p:nvSpPr>
+          <p:cNvPr id="2" name="Заголовок 1"/>
+          <p:cNvSpPr>
+            <a:spLocks noGrp="1"/>
+          </p:cNvSpPr>
+          <p:nvPr>
+            <p:ph type="title"/>
+          </p:nvPr>
+        </p:nvSpPr>
+        <p:spPr>
+          <a:xfrm>
+            <a:off x="1403648" y="43913"/>
+            <a:ext cx="6768752" cy="857250"/>
+          </a:xfrm>
+        </p:spPr>
+        <p:txBody>
+          <a:bodyPr>
+            <a:normAutofit/>
+          </a:bodyPr>
+          <a:lstStyle/>
+          <a:p>
+            <a:r>
+              <a:rPr lang="ru-RU" b="1" dirty="0">
+                <a:solidFill>
+                  <a:srgbClr val="7030A0"/>
+                </a:solidFill>
+                <a:cs typeface="Adobe Hebrew" pitchFamily="18" charset="-79"/>
+              </a:rPr>
+              <a:t>Команда</a:t>
+            </a:r>
+            <a:endParaRPr lang="ru-RU" sz="3100" dirty="0">
+              <a:solidFill>
+                <a:srgbClr val="7030A0"/>
+              </a:solidFill>
+              <a:cs typeface="Adobe Hebrew" pitchFamily="18" charset="-79"/>
+            </a:endParaRPr>
+          </a:p>
+        </p:txBody>
+      </p:sp>
+      <p:pic>
+        <p:nvPicPr>
+          <p:cNvPr id="5" name="Picture 3"/>
+          <p:cNvPicPr>
+            <a:picLocks noChangeAspect="1" noChangeArrowheads="1"/>
+          </p:cNvPicPr>
+          <p:nvPr/>
+        </p:nvPicPr>
+        <p:blipFill>
+          <a:blip r:embed="rId7" cstate="print">
+            <a:extLst>
+              <a:ext uri="{28A0092B-C50C-407E-A947-70E740481C1C}">
+                <a14:useLocalDpi xmlns:a14="http://schemas.microsoft.com/office/drawing/2010/main" val="0"/>
+              </a:ext>
+            </a:extLst>
+          </a:blip>
+          <a:srcRect/>
+          <a:stretch>
+            <a:fillRect/>
+          </a:stretch>
+        </p:blipFill>
+        <p:spPr bwMode="auto">
+          <a:xfrm>
+            <a:off x="179512" y="1325207"/>
+            <a:ext cx="973574" cy="3795886"/>
+          </a:xfrm>
+          <a:prstGeom prst="rect">
+            <a:avLst/>
+          </a:prstGeom>
+          <a:noFill/>
+          <a:ln>
+            <a:noFill/>
+          </a:ln>
+          <a:effectLst/>
+          <a:extLst>
+            <a:ext uri="{909E8E84-426E-40DD-AFC4-6F175D3DCCD1}">
+              <a14:hiddenFill xmlns:a14="http://schemas.microsoft.com/office/drawing/2010/main">
+                <a:solidFill>
+                  <a:schemeClr val="accent1"/>
+                </a:solidFill>
+              </a14:hiddenFill>
+            </a:ext>
+            <a:ext uri="{91240B29-F687-4F45-9708-019B960494DF}">
+              <a14:hiddenLine xmlns:a14="http://schemas.microsoft.com/office/drawing/2010/main" w="9525">
+                <a:solidFill>
+                  <a:schemeClr val="tx1"/>
+                </a:solidFill>
+                <a:miter lim="800000"/>
+                <a:headEnd/>
+                <a:tailEnd/>
+              </a14:hiddenLine>
+            </a:ext>
+            <a:ext uri="{AF507438-7753-43E0-B8FC-AC1667EBCBE1}">
+              <a14:hiddenEffects xmlns:a14="http://schemas.microsoft.com/office/drawing/2010/main">
+                <a:effectLst>
+                  <a:outerShdw dist="35921" dir="2700000" algn="ctr" rotWithShape="0">
+                    <a:schemeClr val="bg2"/>
+                  </a:outerShdw>
+                </a:effectLst>
+              </a14:hiddenEffects>
+            </a:ext>
+          </a:extLst>
+        </p:spPr>
+      </p:pic>
+      <p:pic>
+        <p:nvPicPr>
+          <p:cNvPr id="11" name="Picture 4"/>
+          <p:cNvPicPr>
+            <a:picLocks noChangeAspect="1" noChangeArrowheads="1"/>
+          </p:cNvPicPr>
+          <p:nvPr/>
+        </p:nvPicPr>
+        <p:blipFill>
+          <a:blip r:embed="rId8">
+            <a:extLst>
+              <a:ext uri="{28A0092B-C50C-407E-A947-70E740481C1C}">
+                <a14:useLocalDpi xmlns:a14="http://schemas.microsoft.com/office/drawing/2010/main" val="0"/>
+              </a:ext>
+            </a:extLst>
+          </a:blip>
+          <a:srcRect/>
+          <a:stretch>
+            <a:fillRect/>
+          </a:stretch>
+        </p:blipFill>
+        <p:spPr bwMode="auto">
+          <a:xfrm>
+            <a:off x="179512" y="10528"/>
+            <a:ext cx="985849" cy="977046"/>
+          </a:xfrm>
+          <a:prstGeom prst="rect">
+            <a:avLst/>
+          </a:prstGeom>
+          <a:noFill/>
+          <a:ln>
+            <a:noFill/>
+          </a:ln>
+          <a:effectLst/>
+          <a:extLst>
+            <a:ext uri="{909E8E84-426E-40DD-AFC4-6F175D3DCCD1}">
+              <a14:hiddenFill xmlns:a14="http://schemas.microsoft.com/office/drawing/2010/main">
+                <a:solidFill>
+                  <a:schemeClr val="accent1"/>
+                </a:solidFill>
+              </a14:hiddenFill>
+            </a:ext>
+            <a:ext uri="{91240B29-F687-4F45-9708-019B960494DF}">
+              <a14:hiddenLine xmlns:a14="http://schemas.microsoft.com/office/drawing/2010/main" w="9525">
+                <a:solidFill>
+                  <a:schemeClr val="tx1"/>
+                </a:solidFill>
+                <a:miter lim="800000"/>
+                <a:headEnd/>
+                <a:tailEnd/>
+              </a14:hiddenLine>
+            </a:ext>
+            <a:ext uri="{AF507438-7753-43E0-B8FC-AC1667EBCBE1}">
+              <a14:hiddenEffects xmlns:a14="http://schemas.microsoft.com/office/drawing/2010/main">
+                <a:effectLst>
+                  <a:outerShdw dist="35921" dir="2700000" algn="ctr" rotWithShape="0">
+                    <a:schemeClr val="bg2"/>
+                  </a:outerShdw>
+                </a:effectLst>
+              </a14:hiddenEffects>
+            </a:ext>
+          </a:extLst>
+        </p:spPr>
+      </p:pic>
+      <p:sp>
+        <p:nvSpPr>
+          <p:cNvPr id="6" name="Прямоугольник 5"/>
+          <p:cNvSpPr/>
+          <p:nvPr/>
+        </p:nvSpPr>
+        <p:spPr>
+          <a:xfrm>
+            <a:off x="7906161" y="26766"/>
+            <a:ext cx="1237839" cy="584775"/>
+          </a:xfrm>
+          <a:prstGeom prst="rect">
+            <a:avLst/>
+          </a:prstGeom>
+        </p:spPr>
+        <p:txBody>
+          <a:bodyPr wrap="none">
+            <a:spAutoFit/>
+          </a:bodyPr>
+          <a:lstStyle/>
+          <a:p>
+            <a:r>
+              <a:rPr lang="ru-RU" sz="3200" b="1" dirty="0">
+                <a:solidFill>
+                  <a:schemeClr val="bg1">
+                    <a:lumMod val="50000"/>
+                  </a:schemeClr>
+                </a:solidFill>
+                <a:cs typeface="Adobe Hebrew" pitchFamily="18" charset="-79"/>
+              </a:rPr>
+              <a:t>№ :0</a:t>
+            </a:r>
+            <a:r>
+              <a:rPr lang="en-US" sz="3200" b="1" dirty="0">
+                <a:solidFill>
+                  <a:schemeClr val="bg1">
+                    <a:lumMod val="50000"/>
+                  </a:schemeClr>
+                </a:solidFill>
+                <a:cs typeface="Adobe Hebrew" pitchFamily="18" charset="-79"/>
+              </a:rPr>
+              <a:t>3</a:t>
+            </a:r>
+            <a:endParaRPr lang="ru-RU" sz="3200" b="1" dirty="0">
+              <a:solidFill>
+                <a:schemeClr val="bg1">
+                  <a:lumMod val="50000"/>
+                </a:schemeClr>
+              </a:solidFill>
+              <a:cs typeface="Adobe Hebrew" pitchFamily="18" charset="-79"/>
+            </a:endParaRPr>
+          </a:p>
+        </p:txBody>
+      </p:sp>
+      <p:sp>
+        <p:nvSpPr>
+          <p:cNvPr id="20" name="Заголовок 1">
+            <a:extLst>
+              <a:ext uri="{FF2B5EF4-FFF2-40B4-BE49-F238E27FC236}">
+                <a16:creationId xmlns:a16="http://schemas.microsoft.com/office/drawing/2014/main" id="{C3C0F659-EF80-40F5-A08C-C1BA0258CE2B}"/>
+              </a:ext>
+            </a:extLst>
+          </p:cNvPr>
+          <p:cNvSpPr txBox="1">
+            <a:spLocks/>
+          </p:cNvSpPr>
+          <p:nvPr/>
+        </p:nvSpPr>
+        <p:spPr>
+          <a:xfrm>
+            <a:off x="2040680" y="2570029"/>
+            <a:ext cx="2553899" cy="403092"/>
+          </a:xfrm>
+          <a:prstGeom prst="rect">
+            <a:avLst/>
+          </a:prstGeom>
+        </p:spPr>
+        <p:txBody>
+          <a:bodyPr vert="horz" lIns="91440" tIns="45720" rIns="91440" bIns="45720" rtlCol="0" anchor="ctr">
+            <a:noAutofit/>
+          </a:bodyPr>
+          <a:lstStyle>
+            <a:lvl1pPr algn="ctr" defTabSz="914400" rtl="0" eaLnBrk="1" latinLnBrk="0" hangingPunct="1">
+              <a:spcBef>
+                <a:spcPct val="0"/>
+              </a:spcBef>
+              <a:buNone/>
+              <a:defRPr sz="4400" kern="1200">
+                <a:solidFill>
+                  <a:schemeClr val="tx1"/>
+                </a:solidFill>
+                <a:latin typeface="+mj-lt"/>
+                <a:ea typeface="+mj-ea"/>
+                <a:cs typeface="+mj-cs"/>
+              </a:defRPr>
+            </a:lvl1pPr>
+          </a:lstStyle>
+          <a:p>
+            <a:r>
+              <a:rPr lang="ru-RU" sz="1600" b="1" dirty="0">
+                <a:solidFill>
+                  <a:srgbClr val="7030A0"/>
+                </a:solidFill>
+                <a:cs typeface="Adobe Hebrew" pitchFamily="18" charset="-79"/>
+              </a:rPr>
+              <a:t>Влада Маковецкая</a:t>
+            </a:r>
+            <a:endParaRPr lang="ru-RU" sz="1600" dirty="0">
+              <a:solidFill>
+                <a:srgbClr val="7030A0"/>
+              </a:solidFill>
+              <a:cs typeface="Adobe Hebrew" pitchFamily="18" charset="-79"/>
+            </a:endParaRPr>
+          </a:p>
+        </p:txBody>
+      </p:sp>
+      <p:sp>
+        <p:nvSpPr>
+          <p:cNvPr id="21" name="Заголовок 1">
+            <a:extLst>
+              <a:ext uri="{FF2B5EF4-FFF2-40B4-BE49-F238E27FC236}">
+                <a16:creationId xmlns:a16="http://schemas.microsoft.com/office/drawing/2014/main" id="{70106458-B71D-482C-92F0-CC358FD53ECB}"/>
+              </a:ext>
+            </a:extLst>
+          </p:cNvPr>
+          <p:cNvSpPr txBox="1">
+            <a:spLocks/>
+          </p:cNvSpPr>
+          <p:nvPr/>
+        </p:nvSpPr>
+        <p:spPr>
+          <a:xfrm>
+            <a:off x="5020518" y="2571750"/>
+            <a:ext cx="2553899" cy="403092"/>
+          </a:xfrm>
+          <a:prstGeom prst="rect">
+            <a:avLst/>
+          </a:prstGeom>
+        </p:spPr>
+        <p:txBody>
+          <a:bodyPr vert="horz" lIns="91440" tIns="45720" rIns="91440" bIns="45720" rtlCol="0" anchor="ctr">
+            <a:noAutofit/>
+          </a:bodyPr>
+          <a:lstStyle>
+            <a:lvl1pPr algn="ctr" defTabSz="914400" rtl="0" eaLnBrk="1" latinLnBrk="0" hangingPunct="1">
+              <a:spcBef>
+                <a:spcPct val="0"/>
+              </a:spcBef>
+              <a:buNone/>
+              <a:defRPr sz="4400" kern="1200">
+                <a:solidFill>
+                  <a:schemeClr val="tx1"/>
+                </a:solidFill>
+                <a:latin typeface="+mj-lt"/>
+                <a:ea typeface="+mj-ea"/>
+                <a:cs typeface="+mj-cs"/>
+              </a:defRPr>
+            </a:lvl1pPr>
+          </a:lstStyle>
+          <a:p>
+            <a:r>
+              <a:rPr lang="ru-RU" sz="1600" b="1" dirty="0">
+                <a:solidFill>
+                  <a:srgbClr val="7030A0"/>
+                </a:solidFill>
+                <a:cs typeface="Adobe Hebrew" pitchFamily="18" charset="-79"/>
+              </a:rPr>
+              <a:t>Валерия Болучевских</a:t>
+            </a:r>
+            <a:endParaRPr lang="ru-RU" sz="1600" dirty="0">
+              <a:solidFill>
+                <a:srgbClr val="7030A0"/>
+              </a:solidFill>
+              <a:cs typeface="Adobe Hebrew" pitchFamily="18" charset="-79"/>
+            </a:endParaRPr>
+          </a:p>
+        </p:txBody>
+      </p:sp>
+      <p:sp>
+        <p:nvSpPr>
+          <p:cNvPr id="22" name="Заголовок 1">
+            <a:extLst>
+              <a:ext uri="{FF2B5EF4-FFF2-40B4-BE49-F238E27FC236}">
+                <a16:creationId xmlns:a16="http://schemas.microsoft.com/office/drawing/2014/main" id="{FBF2F95E-9B0E-46FB-83B0-5B90EBB46206}"/>
+              </a:ext>
+            </a:extLst>
+          </p:cNvPr>
+          <p:cNvSpPr txBox="1">
+            <a:spLocks/>
+          </p:cNvSpPr>
+          <p:nvPr/>
+        </p:nvSpPr>
+        <p:spPr>
+          <a:xfrm>
+            <a:off x="3511074" y="4696495"/>
+            <a:ext cx="2553899" cy="403092"/>
+          </a:xfrm>
+          <a:prstGeom prst="rect">
+            <a:avLst/>
+          </a:prstGeom>
+        </p:spPr>
+        <p:txBody>
+          <a:bodyPr vert="horz" lIns="91440" tIns="45720" rIns="91440" bIns="45720" rtlCol="0" anchor="ctr">
+            <a:noAutofit/>
+          </a:bodyPr>
+          <a:lstStyle>
+            <a:lvl1pPr algn="ctr" defTabSz="914400" rtl="0" eaLnBrk="1" latinLnBrk="0" hangingPunct="1">
+              <a:spcBef>
+                <a:spcPct val="0"/>
+              </a:spcBef>
+              <a:buNone/>
+              <a:defRPr sz="4400" kern="1200">
+                <a:solidFill>
+                  <a:schemeClr val="tx1"/>
+                </a:solidFill>
+                <a:latin typeface="+mj-lt"/>
+                <a:ea typeface="+mj-ea"/>
+                <a:cs typeface="+mj-cs"/>
+              </a:defRPr>
+            </a:lvl1pPr>
+          </a:lstStyle>
+          <a:p>
+            <a:r>
+              <a:rPr lang="ru-RU" sz="1600" b="1" dirty="0">
+                <a:solidFill>
+                  <a:srgbClr val="7030A0"/>
+                </a:solidFill>
+                <a:cs typeface="Adobe Hebrew" pitchFamily="18" charset="-79"/>
+              </a:rPr>
+              <a:t>Максим Чернышков</a:t>
+            </a:r>
+            <a:endParaRPr lang="ru-RU" sz="1600" dirty="0">
+              <a:solidFill>
+                <a:srgbClr val="7030A0"/>
+              </a:solidFill>
+              <a:cs typeface="Adobe Hebrew" pitchFamily="18" charset="-79"/>
+            </a:endParaRPr>
+          </a:p>
+        </p:txBody>
+      </p:sp>
+      <p:sp>
+        <p:nvSpPr>
+          <p:cNvPr id="23" name="Заголовок 1">
+            <a:extLst>
+              <a:ext uri="{FF2B5EF4-FFF2-40B4-BE49-F238E27FC236}">
+                <a16:creationId xmlns:a16="http://schemas.microsoft.com/office/drawing/2014/main" id="{F95FD687-2CE4-4069-B535-4987CF01C3D0}"/>
+              </a:ext>
+            </a:extLst>
+          </p:cNvPr>
+          <p:cNvSpPr txBox="1">
+            <a:spLocks/>
+          </p:cNvSpPr>
+          <p:nvPr/>
+        </p:nvSpPr>
+        <p:spPr>
+          <a:xfrm>
+            <a:off x="6393234" y="4696495"/>
+            <a:ext cx="2553899" cy="403092"/>
+          </a:xfrm>
+          <a:prstGeom prst="rect">
+            <a:avLst/>
+          </a:prstGeom>
+        </p:spPr>
+        <p:txBody>
+          <a:bodyPr vert="horz" lIns="91440" tIns="45720" rIns="91440" bIns="45720" rtlCol="0" anchor="ctr">
+            <a:noAutofit/>
+          </a:bodyPr>
+          <a:lstStyle>
+            <a:lvl1pPr algn="ctr" defTabSz="914400" rtl="0" eaLnBrk="1" latinLnBrk="0" hangingPunct="1">
+              <a:spcBef>
+                <a:spcPct val="0"/>
+              </a:spcBef>
+              <a:buNone/>
+              <a:defRPr sz="4400" kern="1200">
+                <a:solidFill>
+                  <a:schemeClr val="tx1"/>
+                </a:solidFill>
+                <a:latin typeface="+mj-lt"/>
+                <a:ea typeface="+mj-ea"/>
+                <a:cs typeface="+mj-cs"/>
+              </a:defRPr>
+            </a:lvl1pPr>
+          </a:lstStyle>
+          <a:p>
+            <a:r>
+              <a:rPr lang="ru-RU" sz="1600" b="1" dirty="0">
+                <a:solidFill>
+                  <a:srgbClr val="7030A0"/>
+                </a:solidFill>
+                <a:cs typeface="Adobe Hebrew" pitchFamily="18" charset="-79"/>
+              </a:rPr>
+              <a:t>Анна Лебедева</a:t>
+            </a:r>
+            <a:endParaRPr lang="ru-RU" sz="1600" dirty="0">
+              <a:solidFill>
+                <a:srgbClr val="7030A0"/>
+              </a:solidFill>
+              <a:cs typeface="Adobe Hebrew" pitchFamily="18" charset="-79"/>
+            </a:endParaRPr>
+          </a:p>
+        </p:txBody>
+      </p:sp>
+      <p:sp>
+        <p:nvSpPr>
+          <p:cNvPr id="24" name="Заголовок 1">
+            <a:extLst>
+              <a:ext uri="{FF2B5EF4-FFF2-40B4-BE49-F238E27FC236}">
+                <a16:creationId xmlns:a16="http://schemas.microsoft.com/office/drawing/2014/main" id="{F0ACD662-9926-49AE-8CB7-DEAA2F886016}"/>
+              </a:ext>
+            </a:extLst>
+          </p:cNvPr>
+          <p:cNvSpPr txBox="1">
+            <a:spLocks/>
+          </p:cNvSpPr>
+          <p:nvPr/>
+        </p:nvSpPr>
+        <p:spPr>
+          <a:xfrm>
+            <a:off x="628915" y="4718070"/>
+            <a:ext cx="2553899" cy="403092"/>
+          </a:xfrm>
+          <a:prstGeom prst="rect">
+            <a:avLst/>
+          </a:prstGeom>
+        </p:spPr>
+        <p:txBody>
+          <a:bodyPr vert="horz" lIns="91440" tIns="45720" rIns="91440" bIns="45720" rtlCol="0" anchor="ctr">
+            <a:noAutofit/>
+          </a:bodyPr>
+          <a:lstStyle>
+            <a:lvl1pPr algn="ctr" defTabSz="914400" rtl="0" eaLnBrk="1" latinLnBrk="0" hangingPunct="1">
+              <a:spcBef>
+                <a:spcPct val="0"/>
+              </a:spcBef>
+              <a:buNone/>
+              <a:defRPr sz="4400" kern="1200">
+                <a:solidFill>
+                  <a:schemeClr val="tx1"/>
+                </a:solidFill>
+                <a:latin typeface="+mj-lt"/>
+                <a:ea typeface="+mj-ea"/>
+                <a:cs typeface="+mj-cs"/>
+              </a:defRPr>
+            </a:lvl1pPr>
+          </a:lstStyle>
+          <a:p>
+            <a:r>
+              <a:rPr lang="ru-RU" sz="1600" b="1" dirty="0">
+                <a:solidFill>
+                  <a:srgbClr val="7030A0"/>
+                </a:solidFill>
+                <a:cs typeface="Adobe Hebrew" pitchFamily="18" charset="-79"/>
+              </a:rPr>
+              <a:t>Виктория Геллер</a:t>
+            </a:r>
+            <a:endParaRPr lang="ru-RU" sz="1600" dirty="0">
+              <a:solidFill>
+                <a:srgbClr val="7030A0"/>
+              </a:solidFill>
+              <a:cs typeface="Adobe Hebrew" pitchFamily="18" charset="-79"/>
+            </a:endParaRPr>
+          </a:p>
+        </p:txBody>
+      </p:sp>
+    </p:spTree>
+    <p:extLst>
+      <p:ext uri="{BB962C8B-B14F-4D97-AF65-F5344CB8AC3E}">
+        <p14:creationId xmlns:p14="http://schemas.microsoft.com/office/powerpoint/2010/main" val="1590535128"/>
+      </p:ext>
+    </p:extLst>
+  </p:cSld>
+  <p:clrMapOvr>
+    <a:masterClrMapping/>
+  </p:clrMapOvr>
+</p:sld>
+</file>
+
+<file path=ppt/slides/slide14.xml><?xml version="1.0" encoding="utf-8"?>
 <p:sld xmlns:a="http://schemas.openxmlformats.org/drawingml/2006/main" xmlns:r="http://schemas.openxmlformats.org/officeDocument/2006/relationships" xmlns:p="http://schemas.openxmlformats.org/presentationml/2006/main">
   <p:cSld>
     <p:spTree>
@@ -4135,8 +5554,8 @@
         </p:nvSpPr>
         <p:spPr>
           <a:xfrm>
-            <a:off x="3131840" y="1347614"/>
-            <a:ext cx="4815448" cy="954107"/>
+            <a:off x="3131840" y="1131590"/>
+            <a:ext cx="4815448" cy="2031325"/>
           </a:xfrm>
           <a:prstGeom prst="rect">
             <a:avLst/>
@@ -4157,7 +5576,27 @@
               </a:rPr>
               <a:t>Контакты</a:t>
             </a:r>
-            <a:endParaRPr lang="ru-RU" sz="2800" dirty="0">
+          </a:p>
+          <a:p>
+            <a:r>
+              <a:rPr lang="ru-RU" sz="1400" dirty="0">
+                <a:solidFill>
+                  <a:schemeClr val="bg1"/>
+                </a:solidFill>
+                <a:cs typeface="Adobe Hebrew" pitchFamily="18" charset="-79"/>
+              </a:rPr>
+              <a:t>Геллер Виктория: </a:t>
+            </a:r>
+            <a:r>
+              <a:rPr lang="en-US" sz="1400" dirty="0">
+                <a:solidFill>
+                  <a:schemeClr val="bg1"/>
+                </a:solidFill>
+                <a:cs typeface="Adobe Hebrew" pitchFamily="18" charset="-79"/>
+              </a:rPr>
+              <a:t>gellwik12345@gmail.com</a:t>
+            </a:r>
+            <a:endParaRPr lang="ru-RU" sz="1400" dirty="0">
               <a:solidFill>
                 <a:schemeClr val="bg1"/>
               </a:solidFill>
@@ -4165,6 +5604,110 @@
             </a:endParaRPr>
           </a:p>
           <a:p>
+            <a:r>
+              <a:rPr lang="ru-RU" sz="1400" dirty="0">
+                <a:solidFill>
+                  <a:schemeClr val="bg1"/>
+                </a:solidFill>
+                <a:cs typeface="Adobe Hebrew" pitchFamily="18" charset="-79"/>
+              </a:rPr>
+              <a:t>Болучевских Валерия:</a:t>
+            </a:r>
+            <a:r>
+              <a:rPr lang="en-US" sz="1400" dirty="0">
+                <a:solidFill>
+                  <a:schemeClr val="bg1"/>
+                </a:solidFill>
+                <a:cs typeface="Adobe Hebrew" pitchFamily="18" charset="-79"/>
+              </a:rPr>
+              <a:t> wenlyfentazis@gmail.com</a:t>
+            </a:r>
+            <a:endParaRPr lang="ru-RU" sz="1400" dirty="0">
+              <a:solidFill>
+                <a:schemeClr val="bg1"/>
+              </a:solidFill>
+              <a:cs typeface="Adobe Hebrew" pitchFamily="18" charset="-79"/>
+            </a:endParaRPr>
+          </a:p>
+          <a:p>
+            <a:r>
+              <a:rPr lang="ru-RU" sz="1400" dirty="0">
+                <a:solidFill>
+                  <a:schemeClr val="bg1"/>
+                </a:solidFill>
+                <a:cs typeface="Adobe Hebrew" pitchFamily="18" charset="-79"/>
+              </a:rPr>
+              <a:t>Лебедева Анна:</a:t>
+            </a:r>
+            <a:r>
+              <a:rPr lang="en-US" sz="1400" dirty="0">
+                <a:solidFill>
+                  <a:schemeClr val="bg1"/>
+                </a:solidFill>
+                <a:cs typeface="Adobe Hebrew" pitchFamily="18" charset="-79"/>
+              </a:rPr>
+              <a:t> a.a.lebedeva0408.s@gmail.com</a:t>
+            </a:r>
+            <a:endParaRPr lang="ru-RU" sz="1400" dirty="0">
+              <a:solidFill>
+                <a:schemeClr val="bg1"/>
+              </a:solidFill>
+              <a:cs typeface="Adobe Hebrew" pitchFamily="18" charset="-79"/>
+            </a:endParaRPr>
+          </a:p>
+          <a:p>
+            <a:r>
+              <a:rPr lang="ru-RU" sz="1400" dirty="0">
+                <a:solidFill>
+                  <a:schemeClr val="bg1"/>
+                </a:solidFill>
+                <a:cs typeface="Adobe Hebrew" pitchFamily="18" charset="-79"/>
+              </a:rPr>
+              <a:t>Маковецкая Влада: </a:t>
+            </a:r>
+            <a:r>
+              <a:rPr lang="en-US" sz="1400" dirty="0">
+                <a:solidFill>
+                  <a:schemeClr val="bg1"/>
+                </a:solidFill>
+                <a:cs typeface="Adobe Hebrew" pitchFamily="18" charset="-79"/>
+              </a:rPr>
+              <a:t>makovetskaya.vlada@gmail.com</a:t>
+            </a:r>
+            <a:endParaRPr lang="ru-RU" sz="1400" dirty="0">
+              <a:solidFill>
+                <a:schemeClr val="bg1"/>
+              </a:solidFill>
+              <a:cs typeface="Adobe Hebrew" pitchFamily="18" charset="-79"/>
+            </a:endParaRPr>
+          </a:p>
+          <a:p>
+            <a:r>
+              <a:rPr lang="ru-RU" sz="1400" dirty="0">
+                <a:solidFill>
+                  <a:schemeClr val="bg1"/>
+                </a:solidFill>
+                <a:cs typeface="Adobe Hebrew" pitchFamily="18" charset="-79"/>
+              </a:rPr>
+              <a:t>Чернышков Максим: </a:t>
+            </a:r>
+            <a:r>
+              <a:rPr lang="en-US" sz="1400" dirty="0">
+                <a:solidFill>
+                  <a:schemeClr val="bg1"/>
+                </a:solidFill>
+                <a:cs typeface="Adobe Hebrew" pitchFamily="18" charset="-79"/>
+              </a:rPr>
+              <a:t>maksim@cherny.sh</a:t>
+            </a:r>
+            <a:endParaRPr lang="ru-RU" sz="1400" dirty="0">
+              <a:solidFill>
+                <a:schemeClr val="bg1"/>
+              </a:solidFill>
+              <a:cs typeface="Adobe Hebrew" pitchFamily="18" charset="-79"/>
+            </a:endParaRPr>
+          </a:p>
+          <a:p>
             <a:endParaRPr lang="ru-RU" sz="2800" b="1" dirty="0">
               <a:solidFill>
                 <a:schemeClr val="bg1"/>
@@ -4181,8 +5724,8 @@
         </p:nvSpPr>
         <p:spPr>
           <a:xfrm>
-            <a:off x="3163357" y="3221669"/>
-            <a:ext cx="4815448" cy="707886"/>
+            <a:off x="3131840" y="3003798"/>
+            <a:ext cx="5225067" cy="1323439"/>
           </a:xfrm>
           <a:prstGeom prst="rect">
             <a:avLst/>
@@ -4196,59 +5739,79 @@
           <a:lstStyle/>
           <a:p>
             <a:r>
+              <a:rPr lang="ru-RU" sz="2000" b="1" i="1" dirty="0">
+                <a:solidFill>
+                  <a:schemeClr val="bg1"/>
+                </a:solidFill>
+              </a:rPr>
+              <a:t>Направление программы:</a:t>
+            </a:r>
+          </a:p>
+          <a:p>
+            <a:r>
               <a:rPr lang="ru-RU" sz="2000" dirty="0">
                 <a:solidFill>
                   <a:schemeClr val="bg1"/>
                 </a:solidFill>
-              </a:rPr>
-              <a:t>Направление программы</a:t>
-            </a:r>
+                <a:cs typeface="Adobe Hebrew" pitchFamily="18" charset="-79"/>
+              </a:rPr>
+              <a:t>Космическая автоматическая идентификация объектов и искусственный интеллект</a:t>
+            </a:r>
+          </a:p>
+          <a:p>
             <a:endParaRPr lang="ru-RU" sz="2000" dirty="0">
+              <a:solidFill>
+                <a:schemeClr val="bg1"/>
+              </a:solidFill>
+            </a:endParaRPr>
+          </a:p>
+        </p:txBody>
+      </p:sp>
+      <p:sp>
+        <p:nvSpPr>
+          <p:cNvPr id="13" name="Прямоугольник 12"/>
+          <p:cNvSpPr/>
+          <p:nvPr/>
+        </p:nvSpPr>
+        <p:spPr>
+          <a:xfrm>
+            <a:off x="6528444" y="236135"/>
+            <a:ext cx="2353529" cy="1107996"/>
+          </a:xfrm>
+          <a:prstGeom prst="rect">
+            <a:avLst/>
+          </a:prstGeom>
+        </p:spPr>
+        <p:txBody>
+          <a:bodyPr wrap="none">
+            <a:spAutoFit/>
+          </a:bodyPr>
+          <a:lstStyle/>
+          <a:p>
+            <a:r>
+              <a:rPr lang="ru-RU" sz="6600" b="1" dirty="0">
+                <a:solidFill>
+                  <a:schemeClr val="bg1"/>
+                </a:solidFill>
+                <a:cs typeface="Adobe Hebrew" pitchFamily="18" charset="-79"/>
+              </a:rPr>
+              <a:t>№ :0</a:t>
+            </a:r>
+            <a:r>
+              <a:rPr lang="en-US" sz="6600" b="1" dirty="0">
+                <a:solidFill>
+                  <a:schemeClr val="bg1"/>
+                </a:solidFill>
+                <a:cs typeface="Adobe Hebrew" pitchFamily="18" charset="-79"/>
+              </a:rPr>
+              <a:t>3</a:t>
+            </a:r>
+            <a:endParaRPr lang="ru-RU" sz="6600" b="1" dirty="0">
               <a:solidFill>
                 <a:schemeClr val="bg1"/>
               </a:solidFill>
               <a:cs typeface="Adobe Hebrew" pitchFamily="18" charset="-79"/>
             </a:endParaRPr>
-          </a:p>
-          <a:p>
-            <a:endParaRPr lang="ru-RU" sz="2000" dirty="0">
-              <a:solidFill>
-                <a:schemeClr val="bg1"/>
-              </a:solidFill>
-            </a:endParaRPr>
-          </a:p>
-        </p:txBody>
-      </p:sp>
-      <p:sp>
-        <p:nvSpPr>
-          <p:cNvPr id="13" name="Прямоугольник 12"/>
-          <p:cNvSpPr/>
-          <p:nvPr/>
-        </p:nvSpPr>
-        <p:spPr>
-          <a:xfrm>
-            <a:off x="6528444" y="236135"/>
-            <a:ext cx="2353529" cy="1107996"/>
-          </a:xfrm>
-          <a:prstGeom prst="rect">
-            <a:avLst/>
-          </a:prstGeom>
-        </p:spPr>
-        <p:txBody>
-          <a:bodyPr wrap="none">
-            <a:spAutoFit/>
-          </a:bodyPr>
-          <a:lstStyle/>
-          <a:p>
-            <a:r>
-              <a:rPr lang="ru-RU" sz="6600" b="1" dirty="0">
-                <a:solidFill>
-                  <a:schemeClr val="bg1"/>
-                </a:solidFill>
-                <a:cs typeface="Adobe Hebrew" pitchFamily="18" charset="-79"/>
-              </a:rPr>
-              <a:t>№ :00</a:t>
-            </a:r>
           </a:p>
         </p:txBody>
       </p:sp>
@@ -4434,7 +5997,7 @@
                 </a:solidFill>
                 <a:cs typeface="Adobe Hebrew" pitchFamily="18" charset="-79"/>
               </a:rPr>
-              <a:t>Команда</a:t>
+              <a:t>Цели и задачи</a:t>
             </a:r>
             <a:endParaRPr lang="ru-RU" sz="3100" dirty="0">
               <a:solidFill>
@@ -4584,14 +6147,14 @@
         <p:spPr>
           <a:xfrm>
             <a:off x="1691680" y="1131590"/>
-            <a:ext cx="6768752" cy="857250"/>
+            <a:ext cx="6768752" cy="1656184"/>
           </a:xfrm>
           <a:prstGeom prst="rect">
             <a:avLst/>
           </a:prstGeom>
         </p:spPr>
         <p:txBody>
-          <a:bodyPr vert="horz" lIns="91440" tIns="45720" rIns="91440" bIns="45720" rtlCol="0" anchor="ctr">
+          <a:bodyPr vert="horz" lIns="91440" tIns="45720" rIns="91440" bIns="45720" rtlCol="0" anchor="t">
             <a:normAutofit/>
           </a:bodyPr>
           <a:lstStyle>
@@ -4613,7 +6176,7 @@
           <a:p>
             <a:pPr algn="l"/>
             <a:r>
-              <a:rPr lang="ru-RU" sz="2400" dirty="0">
+              <a:rPr lang="ru-RU" sz="2400" b="1" dirty="0">
                 <a:solidFill>
                   <a:schemeClr val="tx1">
                     <a:lumMod val="75000"/>
@@ -4622,8 +6185,29 @@
                 </a:solidFill>
                 <a:cs typeface="Adobe Hebrew" pitchFamily="18" charset="-79"/>
               </a:rPr>
-              <a:t>Состав и роли в команде</a:t>
-            </a:r>
+              <a:t>Цель: </a:t>
+            </a:r>
+            <a:r>
+              <a:rPr lang="ru-RU" sz="2400" dirty="0">
+                <a:solidFill>
+                  <a:schemeClr val="tx1">
+                    <a:lumMod val="75000"/>
+                    <a:lumOff val="25000"/>
+                  </a:schemeClr>
+                </a:solidFill>
+                <a:cs typeface="Adobe Hebrew" pitchFamily="18" charset="-79"/>
+              </a:rPr>
+              <a:t>Реализация интерфейса на базе системы Автоматической идентификации судов (АИС) с применением технологий искусственного интеллекта</a:t>
+            </a:r>
+            <a:endParaRPr lang="ru-RU" sz="2400" b="1" dirty="0">
+              <a:solidFill>
+                <a:schemeClr val="tx1">
+                  <a:lumMod val="75000"/>
+                  <a:lumOff val="25000"/>
+                </a:schemeClr>
+              </a:solidFill>
+              <a:cs typeface="Adobe Hebrew" pitchFamily="18" charset="-79"/>
+            </a:endParaRPr>
           </a:p>
         </p:txBody>
       </p:sp>
@@ -4657,15 +6241,319 @@
                 </a:solidFill>
                 <a:cs typeface="Adobe Hebrew" pitchFamily="18" charset="-79"/>
               </a:rPr>
-              <a:t>№ :00</a:t>
-            </a:r>
+              <a:t>№ :0</a:t>
+            </a:r>
+            <a:r>
+              <a:rPr lang="en-US" sz="3200" b="1" dirty="0">
+                <a:solidFill>
+                  <a:schemeClr val="bg1">
+                    <a:lumMod val="50000"/>
+                  </a:schemeClr>
+                </a:solidFill>
+                <a:cs typeface="Adobe Hebrew" pitchFamily="18" charset="-79"/>
+              </a:rPr>
+              <a:t>3</a:t>
+            </a:r>
+            <a:endParaRPr lang="ru-RU" sz="3200" b="1" dirty="0">
+              <a:solidFill>
+                <a:schemeClr val="bg1">
+                  <a:lumMod val="50000"/>
+                </a:schemeClr>
+              </a:solidFill>
+              <a:cs typeface="Adobe Hebrew" pitchFamily="18" charset="-79"/>
+            </a:endParaRPr>
+          </a:p>
+        </p:txBody>
+      </p:sp>
+      <p:sp>
+        <p:nvSpPr>
+          <p:cNvPr id="7" name="Заголовок 1">
+            <a:extLst>
+              <a:ext uri="{FF2B5EF4-FFF2-40B4-BE49-F238E27FC236}">
+                <a16:creationId xmlns:a16="http://schemas.microsoft.com/office/drawing/2014/main" id="{79FA0C23-903B-4A39-93B2-BE08C368F3F4}"/>
+              </a:ext>
+            </a:extLst>
+          </p:cNvPr>
+          <p:cNvSpPr txBox="1">
+            <a:spLocks/>
+          </p:cNvSpPr>
+          <p:nvPr/>
+        </p:nvSpPr>
+        <p:spPr>
+          <a:xfrm>
+            <a:off x="1697891" y="2395058"/>
+            <a:ext cx="6768752" cy="1656184"/>
+          </a:xfrm>
+          <a:prstGeom prst="rect">
+            <a:avLst/>
+          </a:prstGeom>
+        </p:spPr>
+        <p:txBody>
+          <a:bodyPr vert="horz" lIns="91440" tIns="45720" rIns="91440" bIns="45720" rtlCol="0" anchor="t">
+            <a:normAutofit/>
+          </a:bodyPr>
+          <a:lstStyle>
+            <a:lvl1pPr algn="ctr" defTabSz="914400" rtl="0" eaLnBrk="1" latinLnBrk="0" hangingPunct="1">
+              <a:spcBef>
+                <a:spcPct val="0"/>
+              </a:spcBef>
+              <a:buNone/>
+              <a:defRPr sz="4400" kern="1200">
+                <a:solidFill>
+                  <a:schemeClr val="tx1"/>
+                </a:solidFill>
+                <a:latin typeface="+mj-lt"/>
+                <a:ea typeface="+mj-ea"/>
+                <a:cs typeface="+mj-cs"/>
+              </a:defRPr>
+            </a:lvl1pPr>
+          </a:lstStyle>
+          <a:p>
+            <a:pPr algn="l"/>
+            <a:endParaRPr lang="ru-RU" sz="1400" b="1" dirty="0">
+              <a:solidFill>
+                <a:schemeClr val="tx1">
+                  <a:lumMod val="75000"/>
+                  <a:lumOff val="25000"/>
+                </a:schemeClr>
+              </a:solidFill>
+              <a:cs typeface="Adobe Hebrew" pitchFamily="18" charset="-79"/>
+            </a:endParaRPr>
+          </a:p>
+        </p:txBody>
+      </p:sp>
+      <p:sp>
+        <p:nvSpPr>
+          <p:cNvPr id="8" name="Заголовок 1">
+            <a:extLst>
+              <a:ext uri="{FF2B5EF4-FFF2-40B4-BE49-F238E27FC236}">
+                <a16:creationId xmlns:a16="http://schemas.microsoft.com/office/drawing/2014/main" id="{28A5DB3E-9D19-41F6-BBC8-785DB9B5A7D4}"/>
+              </a:ext>
+            </a:extLst>
+          </p:cNvPr>
+          <p:cNvSpPr txBox="1">
+            <a:spLocks/>
+          </p:cNvSpPr>
+          <p:nvPr/>
+        </p:nvSpPr>
+        <p:spPr>
+          <a:xfrm>
+            <a:off x="1679405" y="2380655"/>
+            <a:ext cx="6768752" cy="1656184"/>
+          </a:xfrm>
+          <a:prstGeom prst="rect">
+            <a:avLst/>
+          </a:prstGeom>
+        </p:spPr>
+        <p:txBody>
+          <a:bodyPr vert="horz" lIns="91440" tIns="45720" rIns="91440" bIns="45720" rtlCol="0" anchor="t">
+            <a:normAutofit/>
+          </a:bodyPr>
+          <a:lstStyle>
+            <a:lvl1pPr algn="ctr" defTabSz="914400" rtl="0" eaLnBrk="1" latinLnBrk="0" hangingPunct="1">
+              <a:spcBef>
+                <a:spcPct val="0"/>
+              </a:spcBef>
+              <a:buNone/>
+              <a:defRPr sz="4400" kern="1200">
+                <a:solidFill>
+                  <a:schemeClr val="tx1"/>
+                </a:solidFill>
+                <a:latin typeface="+mj-lt"/>
+                <a:ea typeface="+mj-ea"/>
+                <a:cs typeface="+mj-cs"/>
+              </a:defRPr>
+            </a:lvl1pPr>
+          </a:lstStyle>
+          <a:p>
+            <a:pPr algn="l"/>
+            <a:endParaRPr lang="ru-RU" sz="1800" b="1" dirty="0">
+              <a:solidFill>
+                <a:schemeClr val="tx1">
+                  <a:lumMod val="75000"/>
+                  <a:lumOff val="25000"/>
+                </a:schemeClr>
+              </a:solidFill>
+              <a:cs typeface="Adobe Hebrew" pitchFamily="18" charset="-79"/>
+            </a:endParaRPr>
+          </a:p>
+        </p:txBody>
+      </p:sp>
+      <p:sp>
+        <p:nvSpPr>
+          <p:cNvPr id="9" name="Заголовок 1">
+            <a:extLst>
+              <a:ext uri="{FF2B5EF4-FFF2-40B4-BE49-F238E27FC236}">
+                <a16:creationId xmlns:a16="http://schemas.microsoft.com/office/drawing/2014/main" id="{4E1D3075-B368-4A9F-8CAA-28452D119855}"/>
+              </a:ext>
+            </a:extLst>
+          </p:cNvPr>
+          <p:cNvSpPr txBox="1">
+            <a:spLocks/>
+          </p:cNvSpPr>
+          <p:nvPr/>
+        </p:nvSpPr>
+        <p:spPr>
+          <a:xfrm>
+            <a:off x="1692119" y="2859782"/>
+            <a:ext cx="6768752" cy="1656184"/>
+          </a:xfrm>
+          <a:prstGeom prst="rect">
+            <a:avLst/>
+          </a:prstGeom>
+        </p:spPr>
+        <p:txBody>
+          <a:bodyPr vert="horz" lIns="91440" tIns="45720" rIns="91440" bIns="45720" rtlCol="0" anchor="t">
+            <a:normAutofit/>
+          </a:bodyPr>
+          <a:lstStyle>
+            <a:lvl1pPr algn="ctr" defTabSz="914400" rtl="0" eaLnBrk="1" latinLnBrk="0" hangingPunct="1">
+              <a:spcBef>
+                <a:spcPct val="0"/>
+              </a:spcBef>
+              <a:buNone/>
+              <a:defRPr sz="4400" kern="1200">
+                <a:solidFill>
+                  <a:schemeClr val="tx1"/>
+                </a:solidFill>
+                <a:latin typeface="+mj-lt"/>
+                <a:ea typeface="+mj-ea"/>
+                <a:cs typeface="+mj-cs"/>
+              </a:defRPr>
+            </a:lvl1pPr>
+          </a:lstStyle>
+          <a:p>
+            <a:pPr algn="l"/>
+            <a:r>
+              <a:rPr lang="ru-RU" sz="2000" b="1" dirty="0">
+                <a:solidFill>
+                  <a:schemeClr val="tx1">
+                    <a:lumMod val="75000"/>
+                    <a:lumOff val="25000"/>
+                  </a:schemeClr>
+                </a:solidFill>
+                <a:cs typeface="Adobe Hebrew" pitchFamily="18" charset="-79"/>
+              </a:rPr>
+              <a:t>Задачи:</a:t>
+            </a:r>
+          </a:p>
+          <a:p>
+            <a:pPr marL="285750" indent="-285750" algn="l">
+              <a:buFont typeface="Wingdings" panose="05000000000000000000" pitchFamily="2" charset="2"/>
+              <a:buChar char="v"/>
+            </a:pPr>
+            <a:r>
+              <a:rPr lang="ru-RU" sz="2000" dirty="0">
+                <a:solidFill>
+                  <a:schemeClr val="tx1">
+                    <a:lumMod val="75000"/>
+                    <a:lumOff val="25000"/>
+                  </a:schemeClr>
+                </a:solidFill>
+                <a:cs typeface="Adobe Hebrew" pitchFamily="18" charset="-79"/>
+              </a:rPr>
+              <a:t>Разведение и изготовление платы радиоприемника</a:t>
+            </a:r>
+          </a:p>
+          <a:p>
+            <a:pPr marL="285750" indent="-285750" algn="l">
+              <a:buFont typeface="Wingdings" panose="05000000000000000000" pitchFamily="2" charset="2"/>
+              <a:buChar char="v"/>
+            </a:pPr>
+            <a:r>
+              <a:rPr lang="ru-RU" sz="2000" dirty="0">
+                <a:solidFill>
+                  <a:schemeClr val="tx1">
+                    <a:lumMod val="75000"/>
+                    <a:lumOff val="25000"/>
+                  </a:schemeClr>
+                </a:solidFill>
+                <a:cs typeface="Adobe Hebrew" pitchFamily="18" charset="-79"/>
+              </a:rPr>
+              <a:t>Формирование </a:t>
+            </a:r>
+            <a:r>
+              <a:rPr lang="en-US" sz="2000" dirty="0">
+                <a:solidFill>
+                  <a:schemeClr val="tx1">
+                    <a:lumMod val="75000"/>
+                    <a:lumOff val="25000"/>
+                  </a:schemeClr>
+                </a:solidFill>
+                <a:cs typeface="Adobe Hebrew" pitchFamily="18" charset="-79"/>
+              </a:rPr>
+              <a:t>Dataset</a:t>
+            </a:r>
+          </a:p>
+          <a:p>
+            <a:pPr marL="285750" indent="-285750" algn="l">
+              <a:buFont typeface="Wingdings" panose="05000000000000000000" pitchFamily="2" charset="2"/>
+              <a:buChar char="v"/>
+            </a:pPr>
+            <a:r>
+              <a:rPr lang="ru-RU" sz="2000" dirty="0">
+                <a:solidFill>
+                  <a:schemeClr val="tx1">
+                    <a:lumMod val="75000"/>
+                    <a:lumOff val="25000"/>
+                  </a:schemeClr>
+                </a:solidFill>
+                <a:cs typeface="Adobe Hebrew" pitchFamily="18" charset="-79"/>
+              </a:rPr>
+              <a:t>Обучение модели нейронной сети</a:t>
+            </a:r>
+          </a:p>
+          <a:p>
+            <a:pPr marL="285750" indent="-285750" algn="l">
+              <a:buFont typeface="Wingdings" panose="05000000000000000000" pitchFamily="2" charset="2"/>
+              <a:buChar char="v"/>
+            </a:pPr>
+            <a:r>
+              <a:rPr lang="en-US" sz="2000" dirty="0">
+                <a:solidFill>
+                  <a:schemeClr val="tx1">
+                    <a:lumMod val="75000"/>
+                    <a:lumOff val="25000"/>
+                  </a:schemeClr>
+                </a:solidFill>
+                <a:cs typeface="Adobe Hebrew" pitchFamily="18" charset="-79"/>
+              </a:rPr>
+              <a:t>Backend </a:t>
+            </a:r>
+            <a:r>
+              <a:rPr lang="ru-RU" sz="2000" dirty="0">
+                <a:solidFill>
+                  <a:schemeClr val="tx1">
+                    <a:lumMod val="75000"/>
+                    <a:lumOff val="25000"/>
+                  </a:schemeClr>
+                </a:solidFill>
+                <a:cs typeface="Adobe Hebrew" pitchFamily="18" charset="-79"/>
+              </a:rPr>
+              <a:t>разработка веб-сайта</a:t>
+            </a:r>
+          </a:p>
+          <a:p>
+            <a:pPr marL="285750" indent="-285750" algn="l">
+              <a:buFont typeface="Wingdings" panose="05000000000000000000" pitchFamily="2" charset="2"/>
+              <a:buChar char="v"/>
+            </a:pPr>
+            <a:endParaRPr lang="ru-RU" sz="2000" dirty="0">
+              <a:solidFill>
+                <a:schemeClr val="tx1">
+                  <a:lumMod val="75000"/>
+                  <a:lumOff val="25000"/>
+                </a:schemeClr>
+              </a:solidFill>
+              <a:cs typeface="Adobe Hebrew" pitchFamily="18" charset="-79"/>
+            </a:endParaRPr>
           </a:p>
         </p:txBody>
       </p:sp>
     </p:spTree>
     <p:extLst>
       <p:ext uri="{BB962C8B-B14F-4D97-AF65-F5344CB8AC3E}">
-        <p14:creationId xmlns:p14="http://schemas.microsoft.com/office/powerpoint/2010/main" val="1590535128"/>
+        <p14:creationId xmlns:p14="http://schemas.microsoft.com/office/powerpoint/2010/main" val="722919798"/>
       </p:ext>
     </p:extLst>
   </p:cSld>
@@ -4710,7 +6598,7 @@
         </p:spPr>
         <p:txBody>
           <a:bodyPr>
-            <a:normAutofit/>
+            <a:normAutofit fontScale="90000"/>
           </a:bodyPr>
           <a:lstStyle/>
           <a:p>
@@ -4721,7 +6609,7 @@
                 </a:solidFill>
                 <a:cs typeface="Adobe Hebrew" pitchFamily="18" charset="-79"/>
               </a:rPr>
-              <a:t>Цели и задачи</a:t>
+              <a:t>Теоретические обоснования</a:t>
             </a:r>
             <a:endParaRPr lang="ru-RU" sz="3100" dirty="0">
               <a:solidFill>
@@ -4862,23 +6750,83 @@
       </p:pic>
       <p:sp>
         <p:nvSpPr>
-          <p:cNvPr id="15" name="Заголовок 1"/>
-          <p:cNvSpPr txBox="1">
-            <a:spLocks/>
-          </p:cNvSpPr>
+          <p:cNvPr id="6" name="Прямоугольник 5"/>
+          <p:cNvSpPr/>
           <p:nvPr/>
         </p:nvSpPr>
         <p:spPr>
           <a:xfrm>
-            <a:off x="1691680" y="1131590"/>
-            <a:ext cx="6768752" cy="857250"/>
+            <a:off x="7906161" y="26766"/>
+            <a:ext cx="1237839" cy="584775"/>
           </a:xfrm>
           <a:prstGeom prst="rect">
             <a:avLst/>
           </a:prstGeom>
         </p:spPr>
         <p:txBody>
-          <a:bodyPr vert="horz" lIns="91440" tIns="45720" rIns="91440" bIns="45720" rtlCol="0" anchor="ctr">
+          <a:bodyPr wrap="none">
+            <a:spAutoFit/>
+          </a:bodyPr>
+          <a:lstStyle/>
+          <a:p>
+            <a:r>
+              <a:rPr lang="ru-RU" sz="3200" b="1" dirty="0">
+                <a:solidFill>
+                  <a:schemeClr val="bg1">
+                    <a:lumMod val="50000"/>
+                  </a:schemeClr>
+                </a:solidFill>
+                <a:cs typeface="Adobe Hebrew" pitchFamily="18" charset="-79"/>
+              </a:rPr>
+              <a:t>№ :0</a:t>
+            </a:r>
+            <a:r>
+              <a:rPr lang="en-US" sz="3200" b="1" dirty="0">
+                <a:solidFill>
+                  <a:schemeClr val="bg1">
+                    <a:lumMod val="50000"/>
+                  </a:schemeClr>
+                </a:solidFill>
+                <a:cs typeface="Adobe Hebrew" pitchFamily="18" charset="-79"/>
+              </a:rPr>
+              <a:t>3</a:t>
+            </a:r>
+            <a:endParaRPr lang="ru-RU" sz="3200" b="1" dirty="0">
+              <a:solidFill>
+                <a:schemeClr val="bg1">
+                  <a:lumMod val="50000"/>
+                </a:schemeClr>
+              </a:solidFill>
+              <a:cs typeface="Adobe Hebrew" pitchFamily="18" charset="-79"/>
+            </a:endParaRPr>
+          </a:p>
+        </p:txBody>
+      </p:sp>
+      <p:sp>
+        <p:nvSpPr>
+          <p:cNvPr id="7" name="Заголовок 1">
+            <a:extLst>
+              <a:ext uri="{FF2B5EF4-FFF2-40B4-BE49-F238E27FC236}">
+                <a16:creationId xmlns:a16="http://schemas.microsoft.com/office/drawing/2014/main" id="{79FA0C23-903B-4A39-93B2-BE08C368F3F4}"/>
+              </a:ext>
+            </a:extLst>
+          </p:cNvPr>
+          <p:cNvSpPr txBox="1">
+            <a:spLocks/>
+          </p:cNvSpPr>
+          <p:nvPr/>
+        </p:nvSpPr>
+        <p:spPr>
+          <a:xfrm>
+            <a:off x="1697891" y="2395058"/>
+            <a:ext cx="6768752" cy="1656184"/>
+          </a:xfrm>
+          <a:prstGeom prst="rect">
+            <a:avLst/>
+          </a:prstGeom>
+        </p:spPr>
+        <p:txBody>
+          <a:bodyPr vert="horz" lIns="91440" tIns="45720" rIns="91440" bIns="45720" rtlCol="0" anchor="t">
             <a:normAutofit/>
           </a:bodyPr>
           <a:lstStyle>
@@ -4899,60 +6847,79 @@
           </a:lstStyle>
           <a:p>
             <a:pPr algn="l"/>
-            <a:r>
-              <a:rPr lang="ru-RU" sz="2400" dirty="0">
-                <a:solidFill>
-                  <a:schemeClr val="tx1">
-                    <a:lumMod val="75000"/>
-                    <a:lumOff val="25000"/>
-                  </a:schemeClr>
-                </a:solidFill>
-                <a:cs typeface="Adobe Hebrew" pitchFamily="18" charset="-79"/>
-              </a:rPr>
-              <a:t>Какую гипотезу проверяем, что и как хотели получить в результате проекта</a:t>
-            </a:r>
-          </a:p>
-        </p:txBody>
-      </p:sp>
-      <p:sp>
-        <p:nvSpPr>
-          <p:cNvPr id="6" name="Прямоугольник 5"/>
-          <p:cNvSpPr/>
+            <a:endParaRPr lang="ru-RU" sz="1400" b="1" dirty="0">
+              <a:solidFill>
+                <a:schemeClr val="tx1">
+                  <a:lumMod val="75000"/>
+                  <a:lumOff val="25000"/>
+                </a:schemeClr>
+              </a:solidFill>
+              <a:cs typeface="Adobe Hebrew" pitchFamily="18" charset="-79"/>
+            </a:endParaRPr>
+          </a:p>
+        </p:txBody>
+      </p:sp>
+      <p:sp>
+        <p:nvSpPr>
+          <p:cNvPr id="8" name="Заголовок 1">
+            <a:extLst>
+              <a:ext uri="{FF2B5EF4-FFF2-40B4-BE49-F238E27FC236}">
+                <a16:creationId xmlns:a16="http://schemas.microsoft.com/office/drawing/2014/main" id="{28A5DB3E-9D19-41F6-BBC8-785DB9B5A7D4}"/>
+              </a:ext>
+            </a:extLst>
+          </p:cNvPr>
+          <p:cNvSpPr txBox="1">
+            <a:spLocks/>
+          </p:cNvSpPr>
           <p:nvPr/>
         </p:nvSpPr>
         <p:spPr>
           <a:xfrm>
-            <a:off x="7906161" y="26766"/>
-            <a:ext cx="1237839" cy="584775"/>
+            <a:off x="1679405" y="2380655"/>
+            <a:ext cx="6768752" cy="1656184"/>
           </a:xfrm>
           <a:prstGeom prst="rect">
             <a:avLst/>
           </a:prstGeom>
         </p:spPr>
         <p:txBody>
-          <a:bodyPr wrap="none">
-            <a:spAutoFit/>
+          <a:bodyPr vert="horz" lIns="91440" tIns="45720" rIns="91440" bIns="45720" rtlCol="0" anchor="t">
+            <a:normAutofit/>
           </a:bodyPr>
-          <a:lstStyle/>
-          <a:p>
-            <a:r>
-              <a:rPr lang="ru-RU" sz="3200" b="1" dirty="0">
-                <a:solidFill>
-                  <a:schemeClr val="bg1">
-                    <a:lumMod val="50000"/>
-                  </a:schemeClr>
-                </a:solidFill>
-                <a:cs typeface="Adobe Hebrew" pitchFamily="18" charset="-79"/>
-              </a:rPr>
-              <a:t>№ :00</a:t>
-            </a:r>
+          <a:lstStyle>
+            <a:lvl1pPr algn="ctr" defTabSz="914400" rtl="0" eaLnBrk="1" latinLnBrk="0" hangingPunct="1">
+              <a:spcBef>
+                <a:spcPct val="0"/>
+              </a:spcBef>
+              <a:buNone/>
+              <a:defRPr sz="4400" kern="1200">
+                <a:solidFill>
+                  <a:schemeClr val="tx1"/>
+                </a:solidFill>
+                <a:latin typeface="+mj-lt"/>
+                <a:ea typeface="+mj-ea"/>
+                <a:cs typeface="+mj-cs"/>
+              </a:defRPr>
+            </a:lvl1pPr>
+          </a:lstStyle>
+          <a:p>
+            <a:pPr algn="l"/>
+            <a:endParaRPr lang="ru-RU" sz="1800" b="1" dirty="0">
+              <a:solidFill>
+                <a:schemeClr val="tx1">
+                  <a:lumMod val="75000"/>
+                  <a:lumOff val="25000"/>
+                </a:schemeClr>
+              </a:solidFill>
+              <a:cs typeface="Adobe Hebrew" pitchFamily="18" charset="-79"/>
+            </a:endParaRPr>
           </a:p>
         </p:txBody>
       </p:sp>
     </p:spTree>
     <p:extLst>
       <p:ext uri="{BB962C8B-B14F-4D97-AF65-F5344CB8AC3E}">
-        <p14:creationId xmlns:p14="http://schemas.microsoft.com/office/powerpoint/2010/main" val="722919798"/>
+        <p14:creationId xmlns:p14="http://schemas.microsoft.com/office/powerpoint/2010/main" val="3011024623"/>
       </p:ext>
     </p:extLst>
   </p:cSld>
@@ -4997,20 +6964,20 @@
         </p:spPr>
         <p:txBody>
           <a:bodyPr>
-            <a:normAutofit fontScale="90000"/>
+            <a:normAutofit/>
           </a:bodyPr>
           <a:lstStyle/>
           <a:p>
             <a:r>
-              <a:rPr lang="ru-RU" b="1" dirty="0">
+              <a:rPr lang="ru-RU" sz="3600" b="1" dirty="0">
                 <a:solidFill>
                   <a:srgbClr val="7030A0"/>
                 </a:solidFill>
                 <a:cs typeface="Adobe Hebrew" pitchFamily="18" charset="-79"/>
               </a:rPr>
-              <a:t>Теоретические обоснования</a:t>
-            </a:r>
-            <a:endParaRPr lang="ru-RU" sz="3100" dirty="0">
+              <a:t>Анализ существующих решений</a:t>
+            </a:r>
+            <a:endParaRPr lang="ru-RU" sz="3600" dirty="0">
               <a:solidFill>
                 <a:srgbClr val="7030A0"/>
               </a:solidFill>
@@ -5157,7 +7124,7 @@
         </p:nvSpPr>
         <p:spPr>
           <a:xfrm>
-            <a:off x="1691680" y="1131590"/>
+            <a:off x="1835696" y="1491630"/>
             <a:ext cx="6768752" cy="857250"/>
           </a:xfrm>
           <a:prstGeom prst="rect">
@@ -5196,7 +7163,7 @@
                 </a:solidFill>
                 <a:cs typeface="Adobe Hebrew" pitchFamily="18" charset="-79"/>
               </a:rPr>
-              <a:t>На базе какой теории основан проект</a:t>
+              <a:t>Какие решения рассматривались и какое выбрали и почему</a:t>
             </a:r>
           </a:p>
         </p:txBody>
@@ -5209,7 +7176,7 @@
         </p:nvSpPr>
         <p:spPr>
           <a:xfrm>
-            <a:off x="7906161" y="26766"/>
+            <a:off x="7906161" y="20784"/>
             <a:ext cx="1237839" cy="584775"/>
           </a:xfrm>
           <a:prstGeom prst="rect">
@@ -5231,15 +7198,34 @@
                 </a:solidFill>
                 <a:cs typeface="Adobe Hebrew" pitchFamily="18" charset="-79"/>
               </a:rPr>
-              <a:t>№ :00</a:t>
-            </a:r>
+              <a:t>№ :0</a:t>
+            </a:r>
+            <a:r>
+              <a:rPr lang="en-US" sz="3200" b="1" dirty="0">
+                <a:solidFill>
+                  <a:schemeClr val="bg1">
+                    <a:lumMod val="50000"/>
+                  </a:schemeClr>
+                </a:solidFill>
+                <a:cs typeface="Adobe Hebrew" pitchFamily="18" charset="-79"/>
+              </a:rPr>
+              <a:t>3</a:t>
+            </a:r>
+            <a:endParaRPr lang="ru-RU" sz="3200" b="1" dirty="0">
+              <a:solidFill>
+                <a:schemeClr val="bg1">
+                  <a:lumMod val="50000"/>
+                </a:schemeClr>
+              </a:solidFill>
+              <a:cs typeface="Adobe Hebrew" pitchFamily="18" charset="-79"/>
+            </a:endParaRPr>
           </a:p>
         </p:txBody>
       </p:sp>
     </p:spTree>
     <p:extLst>
       <p:ext uri="{BB962C8B-B14F-4D97-AF65-F5344CB8AC3E}">
-        <p14:creationId xmlns:p14="http://schemas.microsoft.com/office/powerpoint/2010/main" val="2084684860"/>
+        <p14:creationId xmlns:p14="http://schemas.microsoft.com/office/powerpoint/2010/main" val="4070943685"/>
       </p:ext>
     </p:extLst>
   </p:cSld>
@@ -5289,15 +7275,15 @@
           <a:lstStyle/>
           <a:p>
             <a:r>
-              <a:rPr lang="ru-RU" sz="3600" b="1" dirty="0">
+              <a:rPr lang="ru-RU" b="1" dirty="0">
                 <a:solidFill>
                   <a:srgbClr val="7030A0"/>
                 </a:solidFill>
                 <a:cs typeface="Adobe Hebrew" pitchFamily="18" charset="-79"/>
               </a:rPr>
-              <a:t>Анализ существующих решений</a:t>
-            </a:r>
-            <a:endParaRPr lang="ru-RU" sz="3600" dirty="0">
+              <a:t>Технологические решения</a:t>
+            </a:r>
+            <a:endParaRPr lang="ru-RU" sz="3100" dirty="0">
               <a:solidFill>
                 <a:srgbClr val="7030A0"/>
               </a:solidFill>
@@ -5444,7 +7430,7 @@
         </p:nvSpPr>
         <p:spPr>
           <a:xfrm>
-            <a:off x="1835696" y="1491630"/>
+            <a:off x="1691680" y="1131590"/>
             <a:ext cx="6768752" cy="857250"/>
           </a:xfrm>
           <a:prstGeom prst="rect">
@@ -5483,7 +7469,7 @@
                 </a:solidFill>
                 <a:cs typeface="Adobe Hebrew" pitchFamily="18" charset="-79"/>
               </a:rPr>
-              <a:t>Какие решения рассматривались и какое выбрали и почему</a:t>
+              <a:t>Какие решения рассматривались и какие выбрали и почему</a:t>
             </a:r>
           </a:p>
         </p:txBody>
@@ -5518,15 +7504,34 @@
                 </a:solidFill>
                 <a:cs typeface="Adobe Hebrew" pitchFamily="18" charset="-79"/>
               </a:rPr>
-              <a:t>№ :00</a:t>
-            </a:r>
+              <a:t>№ :0</a:t>
+            </a:r>
+            <a:r>
+              <a:rPr lang="en-US" sz="3200" b="1" dirty="0">
+                <a:solidFill>
+                  <a:schemeClr val="bg1">
+                    <a:lumMod val="50000"/>
+                  </a:schemeClr>
+                </a:solidFill>
+                <a:cs typeface="Adobe Hebrew" pitchFamily="18" charset="-79"/>
+              </a:rPr>
+              <a:t>3</a:t>
+            </a:r>
+            <a:endParaRPr lang="ru-RU" sz="3200" b="1" dirty="0">
+              <a:solidFill>
+                <a:schemeClr val="bg1">
+                  <a:lumMod val="50000"/>
+                </a:schemeClr>
+              </a:solidFill>
+              <a:cs typeface="Adobe Hebrew" pitchFamily="18" charset="-79"/>
+            </a:endParaRPr>
           </a:p>
         </p:txBody>
       </p:sp>
     </p:spTree>
     <p:extLst>
       <p:ext uri="{BB962C8B-B14F-4D97-AF65-F5344CB8AC3E}">
-        <p14:creationId xmlns:p14="http://schemas.microsoft.com/office/powerpoint/2010/main" val="4070943685"/>
+        <p14:creationId xmlns:p14="http://schemas.microsoft.com/office/powerpoint/2010/main" val="2059591572"/>
       </p:ext>
     </p:extLst>
   </p:cSld>
@@ -5565,7 +7570,7 @@
         </p:nvSpPr>
         <p:spPr>
           <a:xfrm>
-            <a:off x="1403648" y="43913"/>
+            <a:off x="1403648" y="202332"/>
             <a:ext cx="6768752" cy="857250"/>
           </a:xfrm>
         </p:spPr>
@@ -5582,7 +7587,7 @@
                 </a:solidFill>
                 <a:cs typeface="Adobe Hebrew" pitchFamily="18" charset="-79"/>
               </a:rPr>
-              <a:t>Технологические решения</a:t>
+              <a:t>Изготовление платы</a:t>
             </a:r>
             <a:endParaRPr lang="ru-RU" sz="3100" dirty="0">
               <a:solidFill>
@@ -5770,7 +7775,7 @@
                 </a:solidFill>
                 <a:cs typeface="Adobe Hebrew" pitchFamily="18" charset="-79"/>
               </a:rPr>
-              <a:t>Какие решения рассматривались и какие выбрали и почему</a:t>
+              <a:t>Этапы проекта, как менялись решения в ходе проекта, как проходили испытания</a:t>
             </a:r>
           </a:p>
         </p:txBody>
@@ -5805,15 +7810,34 @@
                 </a:solidFill>
                 <a:cs typeface="Adobe Hebrew" pitchFamily="18" charset="-79"/>
               </a:rPr>
-              <a:t>№ :00</a:t>
-            </a:r>
+              <a:t>№ :0</a:t>
+            </a:r>
+            <a:r>
+              <a:rPr lang="en-US" sz="3200" b="1" dirty="0">
+                <a:solidFill>
+                  <a:schemeClr val="bg1">
+                    <a:lumMod val="50000"/>
+                  </a:schemeClr>
+                </a:solidFill>
+                <a:cs typeface="Adobe Hebrew" pitchFamily="18" charset="-79"/>
+              </a:rPr>
+              <a:t>3</a:t>
+            </a:r>
+            <a:endParaRPr lang="ru-RU" sz="3200" b="1" dirty="0">
+              <a:solidFill>
+                <a:schemeClr val="bg1">
+                  <a:lumMod val="50000"/>
+                </a:schemeClr>
+              </a:solidFill>
+              <a:cs typeface="Adobe Hebrew" pitchFamily="18" charset="-79"/>
+            </a:endParaRPr>
           </a:p>
         </p:txBody>
       </p:sp>
     </p:spTree>
     <p:extLst>
       <p:ext uri="{BB962C8B-B14F-4D97-AF65-F5344CB8AC3E}">
-        <p14:creationId xmlns:p14="http://schemas.microsoft.com/office/powerpoint/2010/main" val="2059591572"/>
+        <p14:creationId xmlns:p14="http://schemas.microsoft.com/office/powerpoint/2010/main" val="4078840668"/>
       </p:ext>
     </p:extLst>
   </p:cSld>
@@ -5852,13 +7876,13 @@
         </p:nvSpPr>
         <p:spPr>
           <a:xfrm>
-            <a:off x="1403648" y="43913"/>
+            <a:off x="1403648" y="202332"/>
             <a:ext cx="6768752" cy="857250"/>
           </a:xfrm>
         </p:spPr>
         <p:txBody>
           <a:bodyPr>
-            <a:normAutofit fontScale="90000"/>
+            <a:normAutofit/>
           </a:bodyPr>
           <a:lstStyle/>
           <a:p>
@@ -5869,7 +7893,7 @@
                 </a:solidFill>
                 <a:cs typeface="Adobe Hebrew" pitchFamily="18" charset="-79"/>
               </a:rPr>
-              <a:t>Организационные решения</a:t>
+              <a:t>Нейронная сеть</a:t>
             </a:r>
             <a:endParaRPr lang="ru-RU" sz="3100" dirty="0">
               <a:solidFill>
@@ -6057,7 +8081,7 @@
                 </a:solidFill>
                 <a:cs typeface="Adobe Hebrew" pitchFamily="18" charset="-79"/>
               </a:rPr>
-              <a:t>Какие решения рассматривались и какие выбрали и почему</a:t>
+              <a:t>Этапы проекта, как менялись решения в ходе проекта, как проходили испытания</a:t>
             </a:r>
           </a:p>
         </p:txBody>
@@ -6092,15 +8116,34 @@
                 </a:solidFill>
                 <a:cs typeface="Adobe Hebrew" pitchFamily="18" charset="-79"/>
               </a:rPr>
-              <a:t>№ :00</a:t>
-            </a:r>
+              <a:t>№ :0</a:t>
+            </a:r>
+            <a:r>
+              <a:rPr lang="en-US" sz="3200" b="1" dirty="0">
+                <a:solidFill>
+                  <a:schemeClr val="bg1">
+                    <a:lumMod val="50000"/>
+                  </a:schemeClr>
+                </a:solidFill>
+                <a:cs typeface="Adobe Hebrew" pitchFamily="18" charset="-79"/>
+              </a:rPr>
+              <a:t>3</a:t>
+            </a:r>
+            <a:endParaRPr lang="ru-RU" sz="3200" b="1" dirty="0">
+              <a:solidFill>
+                <a:schemeClr val="bg1">
+                  <a:lumMod val="50000"/>
+                </a:schemeClr>
+              </a:solidFill>
+              <a:cs typeface="Adobe Hebrew" pitchFamily="18" charset="-79"/>
+            </a:endParaRPr>
           </a:p>
         </p:txBody>
       </p:sp>
     </p:spTree>
     <p:extLst>
       <p:ext uri="{BB962C8B-B14F-4D97-AF65-F5344CB8AC3E}">
-        <p14:creationId xmlns:p14="http://schemas.microsoft.com/office/powerpoint/2010/main" val="2788524156"/>
+        <p14:creationId xmlns:p14="http://schemas.microsoft.com/office/powerpoint/2010/main" val="800688722"/>
       </p:ext>
     </p:extLst>
   </p:cSld>
@@ -6156,7 +8199,7 @@
                 </a:solidFill>
                 <a:cs typeface="Adobe Hebrew" pitchFamily="18" charset="-79"/>
               </a:rPr>
-              <a:t>Ход проекта</a:t>
+              <a:t>Веб-сайт</a:t>
             </a:r>
             <a:endParaRPr lang="ru-RU" sz="3100" dirty="0">
               <a:solidFill>
@@ -6379,15 +8422,34 @@
                 </a:solidFill>
                 <a:cs typeface="Adobe Hebrew" pitchFamily="18" charset="-79"/>
               </a:rPr>
-              <a:t>№ :00</a:t>
-            </a:r>
+              <a:t>№ :0</a:t>
+            </a:r>
+            <a:r>
+              <a:rPr lang="en-US" sz="3200" b="1" dirty="0">
+                <a:solidFill>
+                  <a:schemeClr val="bg1">
+                    <a:lumMod val="50000"/>
+                  </a:schemeClr>
+                </a:solidFill>
+                <a:cs typeface="Adobe Hebrew" pitchFamily="18" charset="-79"/>
+              </a:rPr>
+              <a:t>3</a:t>
+            </a:r>
+            <a:endParaRPr lang="ru-RU" sz="3200" b="1" dirty="0">
+              <a:solidFill>
+                <a:schemeClr val="bg1">
+                  <a:lumMod val="50000"/>
+                </a:schemeClr>
+              </a:solidFill>
+              <a:cs typeface="Adobe Hebrew" pitchFamily="18" charset="-79"/>
+            </a:endParaRPr>
           </a:p>
         </p:txBody>
       </p:sp>
     </p:spTree>
     <p:extLst>
       <p:ext uri="{BB962C8B-B14F-4D97-AF65-F5344CB8AC3E}">
-        <p14:creationId xmlns:p14="http://schemas.microsoft.com/office/powerpoint/2010/main" val="4078840668"/>
+        <p14:creationId xmlns:p14="http://schemas.microsoft.com/office/powerpoint/2010/main" val="370348388"/>
       </p:ext>
     </p:extLst>
   </p:cSld>
@@ -6426,7 +8488,7 @@
         </p:nvSpPr>
         <p:spPr>
           <a:xfrm>
-            <a:off x="1403648" y="202332"/>
+            <a:off x="1403648" y="43913"/>
             <a:ext cx="6768752" cy="857250"/>
           </a:xfrm>
         </p:spPr>
@@ -6443,7 +8505,7 @@
                 </a:solidFill>
                 <a:cs typeface="Adobe Hebrew" pitchFamily="18" charset="-79"/>
               </a:rPr>
-              <a:t>Ошибки проекта</a:t>
+              <a:t>Результаты проекта</a:t>
             </a:r>
             <a:endParaRPr lang="ru-RU" sz="3100" dirty="0">
               <a:solidFill>
@@ -6592,7 +8654,7 @@
         </p:nvSpPr>
         <p:spPr>
           <a:xfrm>
-            <a:off x="1691680" y="1309682"/>
+            <a:off x="1691680" y="1131590"/>
             <a:ext cx="6768752" cy="857250"/>
           </a:xfrm>
           <a:prstGeom prst="rect">
@@ -6601,7 +8663,7 @@
         </p:spPr>
         <p:txBody>
           <a:bodyPr vert="horz" lIns="91440" tIns="45720" rIns="91440" bIns="45720" rtlCol="0" anchor="ctr">
-            <a:normAutofit fontScale="85000" lnSpcReduction="20000"/>
+            <a:normAutofit/>
           </a:bodyPr>
           <a:lstStyle>
             <a:lvl1pPr algn="ctr" defTabSz="914400" rtl="0" eaLnBrk="1" latinLnBrk="0" hangingPunct="1">
@@ -6631,7 +8693,7 @@
                 </a:solidFill>
                 <a:cs typeface="Adobe Hebrew" pitchFamily="18" charset="-79"/>
               </a:rPr>
-              <a:t>Какие ошибки (командные, организационные, технологические, теоретические и т.д.) были допущены и как их можно исправить</a:t>
+              <a:t>Оценка результатов проекта</a:t>
             </a:r>
           </a:p>
         </p:txBody>
@@ -6666,15 +8728,34 @@
                 </a:solidFill>
                 <a:cs typeface="Adobe Hebrew" pitchFamily="18" charset="-79"/>
               </a:rPr>
-              <a:t>№ :00</a:t>
-            </a:r>
+              <a:t>№ :0</a:t>
+            </a:r>
+            <a:r>
+              <a:rPr lang="en-US" sz="3200" b="1" dirty="0">
+                <a:solidFill>
+                  <a:schemeClr val="bg1">
+                    <a:lumMod val="50000"/>
+                  </a:schemeClr>
+                </a:solidFill>
+                <a:cs typeface="Adobe Hebrew" pitchFamily="18" charset="-79"/>
+              </a:rPr>
+              <a:t>3</a:t>
+            </a:r>
+            <a:endParaRPr lang="ru-RU" sz="3200" b="1" dirty="0">
+              <a:solidFill>
+                <a:schemeClr val="bg1">
+                  <a:lumMod val="50000"/>
+                </a:schemeClr>
+              </a:solidFill>
+              <a:cs typeface="Adobe Hebrew" pitchFamily="18" charset="-79"/>
+            </a:endParaRPr>
           </a:p>
         </p:txBody>
       </p:sp>
     </p:spTree>
     <p:extLst>
       <p:ext uri="{BB962C8B-B14F-4D97-AF65-F5344CB8AC3E}">
-        <p14:creationId xmlns:p14="http://schemas.microsoft.com/office/powerpoint/2010/main" val="853546668"/>
+        <p14:creationId xmlns:p14="http://schemas.microsoft.com/office/powerpoint/2010/main" val="1981453422"/>
       </p:ext>
     </p:extLst>
   </p:cSld>

--- a/преза.pptx
+++ b/преза.pptx
@@ -8,17 +8,15 @@
     <p:sldId id="256" r:id="rId2"/>
     <p:sldId id="263" r:id="rId3"/>
     <p:sldId id="276" r:id="rId4"/>
-    <p:sldId id="270" r:id="rId5"/>
-    <p:sldId id="261" r:id="rId6"/>
+    <p:sldId id="265" r:id="rId5"/>
+    <p:sldId id="275" r:id="rId6"/>
     <p:sldId id="266" r:id="rId7"/>
     <p:sldId id="274" r:id="rId8"/>
     <p:sldId id="273" r:id="rId9"/>
-    <p:sldId id="265" r:id="rId10"/>
-    <p:sldId id="275" r:id="rId11"/>
-    <p:sldId id="264" r:id="rId12"/>
-    <p:sldId id="272" r:id="rId13"/>
-    <p:sldId id="257" r:id="rId14"/>
-    <p:sldId id="269" r:id="rId15"/>
+    <p:sldId id="264" r:id="rId10"/>
+    <p:sldId id="272" r:id="rId11"/>
+    <p:sldId id="257" r:id="rId12"/>
+    <p:sldId id="269" r:id="rId13"/>
   </p:sldIdLst>
   <p:sldSz cx="9144000" cy="5143500" type="screen16x9"/>
   <p:notesSz cx="6858000" cy="9144000"/>
@@ -315,7 +313,7 @@
           <a:p>
             <a:fld id="{52C21B46-E778-4D2C-977D-2F106A44399C}" type="datetimeFigureOut">
               <a:rPr lang="ru-RU" smtClean="0"/>
-              <a:t>09.04.2022</a:t>
+              <a:t>10.04.2022</a:t>
             </a:fld>
             <a:endParaRPr lang="ru-RU"/>
           </a:p>
@@ -483,7 +481,7 @@
           <a:p>
             <a:fld id="{52C21B46-E778-4D2C-977D-2F106A44399C}" type="datetimeFigureOut">
               <a:rPr lang="ru-RU" smtClean="0"/>
-              <a:t>09.04.2022</a:t>
+              <a:t>10.04.2022</a:t>
             </a:fld>
             <a:endParaRPr lang="ru-RU"/>
           </a:p>
@@ -661,7 +659,7 @@
           <a:p>
             <a:fld id="{52C21B46-E778-4D2C-977D-2F106A44399C}" type="datetimeFigureOut">
               <a:rPr lang="ru-RU" smtClean="0"/>
-              <a:t>09.04.2022</a:t>
+              <a:t>10.04.2022</a:t>
             </a:fld>
             <a:endParaRPr lang="ru-RU"/>
           </a:p>
@@ -829,7 +827,7 @@
           <a:p>
             <a:fld id="{52C21B46-E778-4D2C-977D-2F106A44399C}" type="datetimeFigureOut">
               <a:rPr lang="ru-RU" smtClean="0"/>
-              <a:t>09.04.2022</a:t>
+              <a:t>10.04.2022</a:t>
             </a:fld>
             <a:endParaRPr lang="ru-RU"/>
           </a:p>
@@ -1074,7 +1072,7 @@
           <a:p>
             <a:fld id="{52C21B46-E778-4D2C-977D-2F106A44399C}" type="datetimeFigureOut">
               <a:rPr lang="ru-RU" smtClean="0"/>
-              <a:t>09.04.2022</a:t>
+              <a:t>10.04.2022</a:t>
             </a:fld>
             <a:endParaRPr lang="ru-RU"/>
           </a:p>
@@ -1359,7 +1357,7 @@
           <a:p>
             <a:fld id="{52C21B46-E778-4D2C-977D-2F106A44399C}" type="datetimeFigureOut">
               <a:rPr lang="ru-RU" smtClean="0"/>
-              <a:t>09.04.2022</a:t>
+              <a:t>10.04.2022</a:t>
             </a:fld>
             <a:endParaRPr lang="ru-RU"/>
           </a:p>
@@ -1783,7 +1781,7 @@
           <a:p>
             <a:fld id="{52C21B46-E778-4D2C-977D-2F106A44399C}" type="datetimeFigureOut">
               <a:rPr lang="ru-RU" smtClean="0"/>
-              <a:t>09.04.2022</a:t>
+              <a:t>10.04.2022</a:t>
             </a:fld>
             <a:endParaRPr lang="ru-RU"/>
           </a:p>
@@ -1900,7 +1898,7 @@
           <a:p>
             <a:fld id="{52C21B46-E778-4D2C-977D-2F106A44399C}" type="datetimeFigureOut">
               <a:rPr lang="ru-RU" smtClean="0"/>
-              <a:t>09.04.2022</a:t>
+              <a:t>10.04.2022</a:t>
             </a:fld>
             <a:endParaRPr lang="ru-RU"/>
           </a:p>
@@ -1995,7 +1993,7 @@
           <a:p>
             <a:fld id="{52C21B46-E778-4D2C-977D-2F106A44399C}" type="datetimeFigureOut">
               <a:rPr lang="ru-RU" smtClean="0"/>
-              <a:t>09.04.2022</a:t>
+              <a:t>10.04.2022</a:t>
             </a:fld>
             <a:endParaRPr lang="ru-RU"/>
           </a:p>
@@ -2270,7 +2268,7 @@
           <a:p>
             <a:fld id="{52C21B46-E778-4D2C-977D-2F106A44399C}" type="datetimeFigureOut">
               <a:rPr lang="ru-RU" smtClean="0"/>
-              <a:t>09.04.2022</a:t>
+              <a:t>10.04.2022</a:t>
             </a:fld>
             <a:endParaRPr lang="ru-RU"/>
           </a:p>
@@ -2522,7 +2520,7 @@
           <a:p>
             <a:fld id="{52C21B46-E778-4D2C-977D-2F106A44399C}" type="datetimeFigureOut">
               <a:rPr lang="ru-RU" smtClean="0"/>
-              <a:t>09.04.2022</a:t>
+              <a:t>10.04.2022</a:t>
             </a:fld>
             <a:endParaRPr lang="ru-RU"/>
           </a:p>
@@ -2733,7 +2731,7 @@
           <a:p>
             <a:fld id="{52C21B46-E778-4D2C-977D-2F106A44399C}" type="datetimeFigureOut">
               <a:rPr lang="ru-RU" smtClean="0"/>
-              <a:t>09.04.2022</a:t>
+              <a:t>10.04.2022</a:t>
             </a:fld>
             <a:endParaRPr lang="ru-RU"/>
           </a:p>
@@ -3523,884 +3521,6 @@
         </p:nvSpPr>
         <p:spPr>
           <a:xfrm>
-            <a:off x="1547664" y="43913"/>
-            <a:ext cx="6768752" cy="857250"/>
-          </a:xfrm>
-        </p:spPr>
-        <p:txBody>
-          <a:bodyPr>
-            <a:normAutofit/>
-          </a:bodyPr>
-          <a:lstStyle/>
-          <a:p>
-            <a:r>
-              <a:rPr lang="ru-RU" b="1" dirty="0">
-                <a:solidFill>
-                  <a:srgbClr val="7030A0"/>
-                </a:solidFill>
-                <a:cs typeface="Adobe Hebrew" pitchFamily="18" charset="-79"/>
-              </a:rPr>
-              <a:t>Карта технологий</a:t>
-            </a:r>
-            <a:endParaRPr lang="ru-RU" sz="3100" dirty="0">
-              <a:solidFill>
-                <a:srgbClr val="7030A0"/>
-              </a:solidFill>
-              <a:cs typeface="Adobe Hebrew" pitchFamily="18" charset="-79"/>
-            </a:endParaRPr>
-          </a:p>
-        </p:txBody>
-      </p:sp>
-      <p:pic>
-        <p:nvPicPr>
-          <p:cNvPr id="5" name="Picture 3"/>
-          <p:cNvPicPr>
-            <a:picLocks noChangeAspect="1" noChangeArrowheads="1"/>
-          </p:cNvPicPr>
-          <p:nvPr/>
-        </p:nvPicPr>
-        <p:blipFill>
-          <a:blip r:embed="rId2" cstate="print">
-            <a:extLst>
-              <a:ext uri="{28A0092B-C50C-407E-A947-70E740481C1C}">
-                <a14:useLocalDpi xmlns:a14="http://schemas.microsoft.com/office/drawing/2010/main" val="0"/>
-              </a:ext>
-            </a:extLst>
-          </a:blip>
-          <a:srcRect/>
-          <a:stretch>
-            <a:fillRect/>
-          </a:stretch>
-        </p:blipFill>
-        <p:spPr bwMode="auto">
-          <a:xfrm>
-            <a:off x="179512" y="1325207"/>
-            <a:ext cx="973574" cy="3795886"/>
-          </a:xfrm>
-          <a:prstGeom prst="rect">
-            <a:avLst/>
-          </a:prstGeom>
-          <a:noFill/>
-          <a:ln>
-            <a:noFill/>
-          </a:ln>
-          <a:effectLst/>
-          <a:extLst>
-            <a:ext uri="{909E8E84-426E-40DD-AFC4-6F175D3DCCD1}">
-              <a14:hiddenFill xmlns:a14="http://schemas.microsoft.com/office/drawing/2010/main">
-                <a:solidFill>
-                  <a:schemeClr val="accent1"/>
-                </a:solidFill>
-              </a14:hiddenFill>
-            </a:ext>
-            <a:ext uri="{91240B29-F687-4F45-9708-019B960494DF}">
-              <a14:hiddenLine xmlns:a14="http://schemas.microsoft.com/office/drawing/2010/main" w="9525">
-                <a:solidFill>
-                  <a:schemeClr val="tx1"/>
-                </a:solidFill>
-                <a:miter lim="800000"/>
-                <a:headEnd/>
-                <a:tailEnd/>
-              </a14:hiddenLine>
-            </a:ext>
-            <a:ext uri="{AF507438-7753-43E0-B8FC-AC1667EBCBE1}">
-              <a14:hiddenEffects xmlns:a14="http://schemas.microsoft.com/office/drawing/2010/main">
-                <a:effectLst>
-                  <a:outerShdw dist="35921" dir="2700000" algn="ctr" rotWithShape="0">
-                    <a:schemeClr val="bg2"/>
-                  </a:outerShdw>
-                </a:effectLst>
-              </a14:hiddenEffects>
-            </a:ext>
-          </a:extLst>
-        </p:spPr>
-      </p:pic>
-      <p:pic>
-        <p:nvPicPr>
-          <p:cNvPr id="11" name="Picture 4"/>
-          <p:cNvPicPr>
-            <a:picLocks noChangeAspect="1" noChangeArrowheads="1"/>
-          </p:cNvPicPr>
-          <p:nvPr/>
-        </p:nvPicPr>
-        <p:blipFill>
-          <a:blip r:embed="rId3">
-            <a:extLst>
-              <a:ext uri="{28A0092B-C50C-407E-A947-70E740481C1C}">
-                <a14:useLocalDpi xmlns:a14="http://schemas.microsoft.com/office/drawing/2010/main" val="0"/>
-              </a:ext>
-            </a:extLst>
-          </a:blip>
-          <a:srcRect/>
-          <a:stretch>
-            <a:fillRect/>
-          </a:stretch>
-        </p:blipFill>
-        <p:spPr bwMode="auto">
-          <a:xfrm>
-            <a:off x="179512" y="10528"/>
-            <a:ext cx="985849" cy="977046"/>
-          </a:xfrm>
-          <a:prstGeom prst="rect">
-            <a:avLst/>
-          </a:prstGeom>
-          <a:noFill/>
-          <a:ln>
-            <a:noFill/>
-          </a:ln>
-          <a:effectLst/>
-          <a:extLst>
-            <a:ext uri="{909E8E84-426E-40DD-AFC4-6F175D3DCCD1}">
-              <a14:hiddenFill xmlns:a14="http://schemas.microsoft.com/office/drawing/2010/main">
-                <a:solidFill>
-                  <a:schemeClr val="accent1"/>
-                </a:solidFill>
-              </a14:hiddenFill>
-            </a:ext>
-            <a:ext uri="{91240B29-F687-4F45-9708-019B960494DF}">
-              <a14:hiddenLine xmlns:a14="http://schemas.microsoft.com/office/drawing/2010/main" w="9525">
-                <a:solidFill>
-                  <a:schemeClr val="tx1"/>
-                </a:solidFill>
-                <a:miter lim="800000"/>
-                <a:headEnd/>
-                <a:tailEnd/>
-              </a14:hiddenLine>
-            </a:ext>
-            <a:ext uri="{AF507438-7753-43E0-B8FC-AC1667EBCBE1}">
-              <a14:hiddenEffects xmlns:a14="http://schemas.microsoft.com/office/drawing/2010/main">
-                <a:effectLst>
-                  <a:outerShdw dist="35921" dir="2700000" algn="ctr" rotWithShape="0">
-                    <a:schemeClr val="bg2"/>
-                  </a:outerShdw>
-                </a:effectLst>
-              </a14:hiddenEffects>
-            </a:ext>
-          </a:extLst>
-        </p:spPr>
-      </p:pic>
-      <p:sp>
-        <p:nvSpPr>
-          <p:cNvPr id="7" name="Прямоугольник 6"/>
-          <p:cNvSpPr/>
-          <p:nvPr/>
-        </p:nvSpPr>
-        <p:spPr>
-          <a:xfrm>
-            <a:off x="7906161" y="26766"/>
-            <a:ext cx="1237839" cy="584775"/>
-          </a:xfrm>
-          <a:prstGeom prst="rect">
-            <a:avLst/>
-          </a:prstGeom>
-        </p:spPr>
-        <p:txBody>
-          <a:bodyPr wrap="none">
-            <a:spAutoFit/>
-          </a:bodyPr>
-          <a:lstStyle/>
-          <a:p>
-            <a:r>
-              <a:rPr lang="ru-RU" sz="3200" b="1" dirty="0">
-                <a:solidFill>
-                  <a:schemeClr val="bg1">
-                    <a:lumMod val="50000"/>
-                  </a:schemeClr>
-                </a:solidFill>
-                <a:cs typeface="Adobe Hebrew" pitchFamily="18" charset="-79"/>
-              </a:rPr>
-              <a:t>№ :0</a:t>
-            </a:r>
-            <a:r>
-              <a:rPr lang="en-US" sz="3200" b="1" dirty="0">
-                <a:solidFill>
-                  <a:schemeClr val="bg1">
-                    <a:lumMod val="50000"/>
-                  </a:schemeClr>
-                </a:solidFill>
-                <a:cs typeface="Adobe Hebrew" pitchFamily="18" charset="-79"/>
-              </a:rPr>
-              <a:t>3</a:t>
-            </a:r>
-            <a:endParaRPr lang="ru-RU" sz="3200" b="1" dirty="0">
-              <a:solidFill>
-                <a:schemeClr val="bg1">
-                  <a:lumMod val="50000"/>
-                </a:schemeClr>
-              </a:solidFill>
-              <a:cs typeface="Adobe Hebrew" pitchFamily="18" charset="-79"/>
-            </a:endParaRPr>
-          </a:p>
-        </p:txBody>
-      </p:sp>
-      <p:pic>
-        <p:nvPicPr>
-          <p:cNvPr id="4" name="Рисунок 3">
-            <a:extLst>
-              <a:ext uri="{FF2B5EF4-FFF2-40B4-BE49-F238E27FC236}">
-                <a16:creationId xmlns:a16="http://schemas.microsoft.com/office/drawing/2014/main" id="{EEB00560-9836-446A-8CDD-01C0631FF5B8}"/>
-              </a:ext>
-            </a:extLst>
-          </p:cNvPr>
-          <p:cNvPicPr>
-            <a:picLocks noChangeAspect="1"/>
-          </p:cNvPicPr>
-          <p:nvPr/>
-        </p:nvPicPr>
-        <p:blipFill>
-          <a:blip r:embed="rId4" cstate="print">
-            <a:extLst>
-              <a:ext uri="{28A0092B-C50C-407E-A947-70E740481C1C}">
-                <a14:useLocalDpi xmlns:a14="http://schemas.microsoft.com/office/drawing/2010/main" val="0"/>
-              </a:ext>
-            </a:extLst>
-          </a:blip>
-          <a:stretch>
-            <a:fillRect/>
-          </a:stretch>
-        </p:blipFill>
-        <p:spPr>
-          <a:xfrm>
-            <a:off x="6156176" y="1419622"/>
-            <a:ext cx="1898919" cy="487809"/>
-          </a:xfrm>
-          <a:prstGeom prst="rect">
-            <a:avLst/>
-          </a:prstGeom>
-        </p:spPr>
-      </p:pic>
-      <p:pic>
-        <p:nvPicPr>
-          <p:cNvPr id="9" name="Рисунок 8">
-            <a:extLst>
-              <a:ext uri="{FF2B5EF4-FFF2-40B4-BE49-F238E27FC236}">
-                <a16:creationId xmlns:a16="http://schemas.microsoft.com/office/drawing/2014/main" id="{51D11A4C-E80B-4D41-93FA-6B830382954A}"/>
-              </a:ext>
-            </a:extLst>
-          </p:cNvPr>
-          <p:cNvPicPr>
-            <a:picLocks noChangeAspect="1"/>
-          </p:cNvPicPr>
-          <p:nvPr/>
-        </p:nvPicPr>
-        <p:blipFill>
-          <a:blip r:embed="rId5" cstate="print">
-            <a:extLst>
-              <a:ext uri="{28A0092B-C50C-407E-A947-70E740481C1C}">
-                <a14:useLocalDpi xmlns:a14="http://schemas.microsoft.com/office/drawing/2010/main" val="0"/>
-              </a:ext>
-            </a:extLst>
-          </a:blip>
-          <a:stretch>
-            <a:fillRect/>
-          </a:stretch>
-        </p:blipFill>
-        <p:spPr>
-          <a:xfrm>
-            <a:off x="1907704" y="1285597"/>
-            <a:ext cx="1808973" cy="1243669"/>
-          </a:xfrm>
-          <a:prstGeom prst="rect">
-            <a:avLst/>
-          </a:prstGeom>
-        </p:spPr>
-      </p:pic>
-      <p:pic>
-        <p:nvPicPr>
-          <p:cNvPr id="12" name="Рисунок 11">
-            <a:extLst>
-              <a:ext uri="{FF2B5EF4-FFF2-40B4-BE49-F238E27FC236}">
-                <a16:creationId xmlns:a16="http://schemas.microsoft.com/office/drawing/2014/main" id="{CC31AF82-B5B0-4C79-BCCF-1553666E7336}"/>
-              </a:ext>
-            </a:extLst>
-          </p:cNvPr>
-          <p:cNvPicPr>
-            <a:picLocks noChangeAspect="1"/>
-          </p:cNvPicPr>
-          <p:nvPr/>
-        </p:nvPicPr>
-        <p:blipFill rotWithShape="1">
-          <a:blip r:embed="rId6" cstate="print">
-            <a:extLst>
-              <a:ext uri="{28A0092B-C50C-407E-A947-70E740481C1C}">
-                <a14:useLocalDpi xmlns:a14="http://schemas.microsoft.com/office/drawing/2010/main" val="0"/>
-              </a:ext>
-            </a:extLst>
-          </a:blip>
-          <a:srcRect l="23625" t="21305" r="23848" b="10774"/>
-          <a:stretch/>
-        </p:blipFill>
-        <p:spPr>
-          <a:xfrm>
-            <a:off x="2483768" y="3291830"/>
-            <a:ext cx="1280819" cy="1656184"/>
-          </a:xfrm>
-          <a:prstGeom prst="rect">
-            <a:avLst/>
-          </a:prstGeom>
-        </p:spPr>
-      </p:pic>
-      <p:pic>
-        <p:nvPicPr>
-          <p:cNvPr id="16" name="Рисунок 15">
-            <a:extLst>
-              <a:ext uri="{FF2B5EF4-FFF2-40B4-BE49-F238E27FC236}">
-                <a16:creationId xmlns:a16="http://schemas.microsoft.com/office/drawing/2014/main" id="{5555D97A-02B2-4A9F-BDE4-4EC4E11F535F}"/>
-              </a:ext>
-            </a:extLst>
-          </p:cNvPr>
-          <p:cNvPicPr>
-            <a:picLocks noChangeAspect="1"/>
-          </p:cNvPicPr>
-          <p:nvPr/>
-        </p:nvPicPr>
-        <p:blipFill>
-          <a:blip r:embed="rId7" cstate="print">
-            <a:extLst>
-              <a:ext uri="{28A0092B-C50C-407E-A947-70E740481C1C}">
-                <a14:useLocalDpi xmlns:a14="http://schemas.microsoft.com/office/drawing/2010/main" val="0"/>
-              </a:ext>
-            </a:extLst>
-          </a:blip>
-          <a:stretch>
-            <a:fillRect/>
-          </a:stretch>
-        </p:blipFill>
-        <p:spPr>
-          <a:xfrm>
-            <a:off x="6084168" y="3291830"/>
-            <a:ext cx="1200300" cy="1200300"/>
-          </a:xfrm>
-          <a:prstGeom prst="rect">
-            <a:avLst/>
-          </a:prstGeom>
-        </p:spPr>
-      </p:pic>
-      <p:pic>
-        <p:nvPicPr>
-          <p:cNvPr id="18" name="Рисунок 17">
-            <a:extLst>
-              <a:ext uri="{FF2B5EF4-FFF2-40B4-BE49-F238E27FC236}">
-                <a16:creationId xmlns:a16="http://schemas.microsoft.com/office/drawing/2014/main" id="{96217CD3-A903-483F-B7FB-6F7E15F2AFA9}"/>
-              </a:ext>
-            </a:extLst>
-          </p:cNvPr>
-          <p:cNvPicPr>
-            <a:picLocks noChangeAspect="1"/>
-          </p:cNvPicPr>
-          <p:nvPr/>
-        </p:nvPicPr>
-        <p:blipFill>
-          <a:blip r:embed="rId8" cstate="print">
-            <a:extLst>
-              <a:ext uri="{28A0092B-C50C-407E-A947-70E740481C1C}">
-                <a14:useLocalDpi xmlns:a14="http://schemas.microsoft.com/office/drawing/2010/main" val="0"/>
-              </a:ext>
-            </a:extLst>
-          </a:blip>
-          <a:stretch>
-            <a:fillRect/>
-          </a:stretch>
-        </p:blipFill>
-        <p:spPr>
-          <a:xfrm>
-            <a:off x="6084168" y="2424252"/>
-            <a:ext cx="2848796" cy="616797"/>
-          </a:xfrm>
-          <a:prstGeom prst="rect">
-            <a:avLst/>
-          </a:prstGeom>
-        </p:spPr>
-      </p:pic>
-      <p:pic>
-        <p:nvPicPr>
-          <p:cNvPr id="22" name="Рисунок 21">
-            <a:extLst>
-              <a:ext uri="{FF2B5EF4-FFF2-40B4-BE49-F238E27FC236}">
-                <a16:creationId xmlns:a16="http://schemas.microsoft.com/office/drawing/2014/main" id="{519F355B-5FAC-4A10-9C23-AAABB88688DD}"/>
-              </a:ext>
-            </a:extLst>
-          </p:cNvPr>
-          <p:cNvPicPr>
-            <a:picLocks noChangeAspect="1"/>
-          </p:cNvPicPr>
-          <p:nvPr/>
-        </p:nvPicPr>
-        <p:blipFill>
-          <a:blip r:embed="rId9" cstate="print">
-            <a:extLst>
-              <a:ext uri="{28A0092B-C50C-407E-A947-70E740481C1C}">
-                <a14:useLocalDpi xmlns:a14="http://schemas.microsoft.com/office/drawing/2010/main" val="0"/>
-              </a:ext>
-            </a:extLst>
-          </a:blip>
-          <a:stretch>
-            <a:fillRect/>
-          </a:stretch>
-        </p:blipFill>
-        <p:spPr>
-          <a:xfrm>
-            <a:off x="1259632" y="2529266"/>
-            <a:ext cx="2448272" cy="460275"/>
-          </a:xfrm>
-          <a:prstGeom prst="rect">
-            <a:avLst/>
-          </a:prstGeom>
-        </p:spPr>
-      </p:pic>
-      <p:pic>
-        <p:nvPicPr>
-          <p:cNvPr id="28" name="Рисунок 27">
-            <a:extLst>
-              <a:ext uri="{FF2B5EF4-FFF2-40B4-BE49-F238E27FC236}">
-                <a16:creationId xmlns:a16="http://schemas.microsoft.com/office/drawing/2014/main" id="{4E89D951-3AED-4B6D-B40E-8FC96C6530FA}"/>
-              </a:ext>
-            </a:extLst>
-          </p:cNvPr>
-          <p:cNvPicPr>
-            <a:picLocks noChangeAspect="1"/>
-          </p:cNvPicPr>
-          <p:nvPr/>
-        </p:nvPicPr>
-        <p:blipFill rotWithShape="1">
-          <a:blip r:embed="rId10" cstate="print">
-            <a:extLst>
-              <a:ext uri="{BEBA8EAE-BF5A-486C-A8C5-ECC9F3942E4B}">
-                <a14:imgProps xmlns:a14="http://schemas.microsoft.com/office/drawing/2010/main">
-                  <a14:imgLayer r:embed="rId11">
-                    <a14:imgEffect>
-                      <a14:backgroundRemoval t="10000" b="90000" l="10000" r="90000">
-                        <a14:foregroundMark x1="33804" y1="75195" x2="33804" y2="75195"/>
-                        <a14:foregroundMark x1="33804" y1="75000" x2="33804" y2="75000"/>
-                        <a14:foregroundMark x1="66739" y1="74414" x2="66739" y2="74414"/>
-                      </a14:backgroundRemoval>
-                    </a14:imgEffect>
-                  </a14:imgLayer>
-                </a14:imgProps>
-              </a:ext>
-              <a:ext uri="{28A0092B-C50C-407E-A947-70E740481C1C}">
-                <a14:useLocalDpi xmlns:a14="http://schemas.microsoft.com/office/drawing/2010/main" val="0"/>
-              </a:ext>
-            </a:extLst>
-          </a:blip>
-          <a:srcRect l="19722" t="19637" r="19469" b="18348"/>
-          <a:stretch/>
-        </p:blipFill>
-        <p:spPr>
-          <a:xfrm rot="20697375">
-            <a:off x="4328310" y="2527531"/>
-            <a:ext cx="1216235" cy="690295"/>
-          </a:xfrm>
-          <a:prstGeom prst="rect">
-            <a:avLst/>
-          </a:prstGeom>
-          <a:ln>
-            <a:noFill/>
-          </a:ln>
-          <a:effectLst>
-            <a:outerShdw blurRad="292100" dist="139700" dir="2700000" algn="tl" rotWithShape="0">
-              <a:srgbClr val="333333">
-                <a:alpha val="65000"/>
-              </a:srgbClr>
-            </a:outerShdw>
-          </a:effectLst>
-        </p:spPr>
-      </p:pic>
-      <p:sp>
-        <p:nvSpPr>
-          <p:cNvPr id="29" name="Овал 28">
-            <a:extLst>
-              <a:ext uri="{FF2B5EF4-FFF2-40B4-BE49-F238E27FC236}">
-                <a16:creationId xmlns:a16="http://schemas.microsoft.com/office/drawing/2014/main" id="{0950184B-B29B-453D-928A-5926113A7154}"/>
-              </a:ext>
-            </a:extLst>
-          </p:cNvPr>
-          <p:cNvSpPr/>
-          <p:nvPr/>
-        </p:nvSpPr>
-        <p:spPr>
-          <a:xfrm>
-            <a:off x="4209899" y="2198814"/>
-            <a:ext cx="1453056" cy="1453056"/>
-          </a:xfrm>
-          <a:prstGeom prst="ellipse">
-            <a:avLst/>
-          </a:prstGeom>
-          <a:noFill/>
-          <a:ln w="76200">
-            <a:prstDash val="lgDashDot"/>
-          </a:ln>
-        </p:spPr>
-        <p:style>
-          <a:lnRef idx="2">
-            <a:schemeClr val="dk1">
-              <a:shade val="50000"/>
-            </a:schemeClr>
-          </a:lnRef>
-          <a:fillRef idx="1">
-            <a:schemeClr val="dk1"/>
-          </a:fillRef>
-          <a:effectRef idx="0">
-            <a:schemeClr val="dk1"/>
-          </a:effectRef>
-          <a:fontRef idx="minor">
-            <a:schemeClr val="lt1"/>
-          </a:fontRef>
-        </p:style>
-        <p:txBody>
-          <a:bodyPr rtlCol="0" anchor="ctr"/>
-          <a:lstStyle/>
-          <a:p>
-            <a:pPr algn="ctr"/>
-            <a:endParaRPr lang="ru-RU"/>
-          </a:p>
-        </p:txBody>
-      </p:sp>
-    </p:spTree>
-    <p:extLst>
-      <p:ext uri="{BB962C8B-B14F-4D97-AF65-F5344CB8AC3E}">
-        <p14:creationId xmlns:p14="http://schemas.microsoft.com/office/powerpoint/2010/main" val="3749278077"/>
-      </p:ext>
-    </p:extLst>
-  </p:cSld>
-  <p:clrMapOvr>
-    <a:masterClrMapping/>
-  </p:clrMapOvr>
-</p:sld>
-</file>
-
-<file path=ppt/slides/slide11.xml><?xml version="1.0" encoding="utf-8"?>
-<p:sld xmlns:a="http://schemas.openxmlformats.org/drawingml/2006/main" xmlns:r="http://schemas.openxmlformats.org/officeDocument/2006/relationships" xmlns:p="http://schemas.openxmlformats.org/presentationml/2006/main">
-  <p:cSld>
-    <p:spTree>
-      <p:nvGrpSpPr>
-        <p:cNvPr id="1" name=""/>
-        <p:cNvGrpSpPr/>
-        <p:nvPr/>
-      </p:nvGrpSpPr>
-      <p:grpSpPr>
-        <a:xfrm>
-          <a:off x="0" y="0"/>
-          <a:ext cx="0" cy="0"/>
-          <a:chOff x="0" y="0"/>
-          <a:chExt cx="0" cy="0"/>
-        </a:xfrm>
-      </p:grpSpPr>
-      <p:sp>
-        <p:nvSpPr>
-          <p:cNvPr id="2" name="Заголовок 1"/>
-          <p:cNvSpPr>
-            <a:spLocks noGrp="1"/>
-          </p:cNvSpPr>
-          <p:nvPr>
-            <p:ph type="title"/>
-          </p:nvPr>
-        </p:nvSpPr>
-        <p:spPr>
-          <a:xfrm>
-            <a:off x="1403648" y="202332"/>
-            <a:ext cx="6768752" cy="857250"/>
-          </a:xfrm>
-        </p:spPr>
-        <p:txBody>
-          <a:bodyPr>
-            <a:normAutofit/>
-          </a:bodyPr>
-          <a:lstStyle/>
-          <a:p>
-            <a:r>
-              <a:rPr lang="ru-RU" b="1" dirty="0">
-                <a:solidFill>
-                  <a:srgbClr val="7030A0"/>
-                </a:solidFill>
-                <a:cs typeface="Adobe Hebrew" pitchFamily="18" charset="-79"/>
-              </a:rPr>
-              <a:t>Ошибки проекта</a:t>
-            </a:r>
-            <a:endParaRPr lang="ru-RU" sz="3100" dirty="0">
-              <a:solidFill>
-                <a:srgbClr val="7030A0"/>
-              </a:solidFill>
-              <a:cs typeface="Adobe Hebrew" pitchFamily="18" charset="-79"/>
-            </a:endParaRPr>
-          </a:p>
-        </p:txBody>
-      </p:sp>
-      <p:pic>
-        <p:nvPicPr>
-          <p:cNvPr id="5" name="Picture 3"/>
-          <p:cNvPicPr>
-            <a:picLocks noChangeAspect="1" noChangeArrowheads="1"/>
-          </p:cNvPicPr>
-          <p:nvPr/>
-        </p:nvPicPr>
-        <p:blipFill>
-          <a:blip r:embed="rId2" cstate="print">
-            <a:extLst>
-              <a:ext uri="{28A0092B-C50C-407E-A947-70E740481C1C}">
-                <a14:useLocalDpi xmlns:a14="http://schemas.microsoft.com/office/drawing/2010/main" val="0"/>
-              </a:ext>
-            </a:extLst>
-          </a:blip>
-          <a:srcRect/>
-          <a:stretch>
-            <a:fillRect/>
-          </a:stretch>
-        </p:blipFill>
-        <p:spPr bwMode="auto">
-          <a:xfrm>
-            <a:off x="179512" y="1325207"/>
-            <a:ext cx="973574" cy="3795886"/>
-          </a:xfrm>
-          <a:prstGeom prst="rect">
-            <a:avLst/>
-          </a:prstGeom>
-          <a:noFill/>
-          <a:ln>
-            <a:noFill/>
-          </a:ln>
-          <a:effectLst/>
-          <a:extLst>
-            <a:ext uri="{909E8E84-426E-40DD-AFC4-6F175D3DCCD1}">
-              <a14:hiddenFill xmlns:a14="http://schemas.microsoft.com/office/drawing/2010/main">
-                <a:solidFill>
-                  <a:schemeClr val="accent1"/>
-                </a:solidFill>
-              </a14:hiddenFill>
-            </a:ext>
-            <a:ext uri="{91240B29-F687-4F45-9708-019B960494DF}">
-              <a14:hiddenLine xmlns:a14="http://schemas.microsoft.com/office/drawing/2010/main" w="9525">
-                <a:solidFill>
-                  <a:schemeClr val="tx1"/>
-                </a:solidFill>
-                <a:miter lim="800000"/>
-                <a:headEnd/>
-                <a:tailEnd/>
-              </a14:hiddenLine>
-            </a:ext>
-            <a:ext uri="{AF507438-7753-43E0-B8FC-AC1667EBCBE1}">
-              <a14:hiddenEffects xmlns:a14="http://schemas.microsoft.com/office/drawing/2010/main">
-                <a:effectLst>
-                  <a:outerShdw dist="35921" dir="2700000" algn="ctr" rotWithShape="0">
-                    <a:schemeClr val="bg2"/>
-                  </a:outerShdw>
-                </a:effectLst>
-              </a14:hiddenEffects>
-            </a:ext>
-          </a:extLst>
-        </p:spPr>
-      </p:pic>
-      <p:pic>
-        <p:nvPicPr>
-          <p:cNvPr id="11" name="Picture 4"/>
-          <p:cNvPicPr>
-            <a:picLocks noChangeAspect="1" noChangeArrowheads="1"/>
-          </p:cNvPicPr>
-          <p:nvPr/>
-        </p:nvPicPr>
-        <p:blipFill>
-          <a:blip r:embed="rId3">
-            <a:extLst>
-              <a:ext uri="{28A0092B-C50C-407E-A947-70E740481C1C}">
-                <a14:useLocalDpi xmlns:a14="http://schemas.microsoft.com/office/drawing/2010/main" val="0"/>
-              </a:ext>
-            </a:extLst>
-          </a:blip>
-          <a:srcRect/>
-          <a:stretch>
-            <a:fillRect/>
-          </a:stretch>
-        </p:blipFill>
-        <p:spPr bwMode="auto">
-          <a:xfrm>
-            <a:off x="179512" y="10528"/>
-            <a:ext cx="985849" cy="977046"/>
-          </a:xfrm>
-          <a:prstGeom prst="rect">
-            <a:avLst/>
-          </a:prstGeom>
-          <a:noFill/>
-          <a:ln>
-            <a:noFill/>
-          </a:ln>
-          <a:effectLst/>
-          <a:extLst>
-            <a:ext uri="{909E8E84-426E-40DD-AFC4-6F175D3DCCD1}">
-              <a14:hiddenFill xmlns:a14="http://schemas.microsoft.com/office/drawing/2010/main">
-                <a:solidFill>
-                  <a:schemeClr val="accent1"/>
-                </a:solidFill>
-              </a14:hiddenFill>
-            </a:ext>
-            <a:ext uri="{91240B29-F687-4F45-9708-019B960494DF}">
-              <a14:hiddenLine xmlns:a14="http://schemas.microsoft.com/office/drawing/2010/main" w="9525">
-                <a:solidFill>
-                  <a:schemeClr val="tx1"/>
-                </a:solidFill>
-                <a:miter lim="800000"/>
-                <a:headEnd/>
-                <a:tailEnd/>
-              </a14:hiddenLine>
-            </a:ext>
-            <a:ext uri="{AF507438-7753-43E0-B8FC-AC1667EBCBE1}">
-              <a14:hiddenEffects xmlns:a14="http://schemas.microsoft.com/office/drawing/2010/main">
-                <a:effectLst>
-                  <a:outerShdw dist="35921" dir="2700000" algn="ctr" rotWithShape="0">
-                    <a:schemeClr val="bg2"/>
-                  </a:outerShdw>
-                </a:effectLst>
-              </a14:hiddenEffects>
-            </a:ext>
-          </a:extLst>
-        </p:spPr>
-      </p:pic>
-      <p:sp>
-        <p:nvSpPr>
-          <p:cNvPr id="6" name="Заголовок 1"/>
-          <p:cNvSpPr txBox="1">
-            <a:spLocks/>
-          </p:cNvSpPr>
-          <p:nvPr/>
-        </p:nvSpPr>
-        <p:spPr>
-          <a:xfrm>
-            <a:off x="1691680" y="1309682"/>
-            <a:ext cx="6768752" cy="857250"/>
-          </a:xfrm>
-          <a:prstGeom prst="rect">
-            <a:avLst/>
-          </a:prstGeom>
-        </p:spPr>
-        <p:txBody>
-          <a:bodyPr vert="horz" lIns="91440" tIns="45720" rIns="91440" bIns="45720" rtlCol="0" anchor="t">
-            <a:normAutofit/>
-          </a:bodyPr>
-          <a:lstStyle>
-            <a:lvl1pPr algn="ctr" defTabSz="914400" rtl="0" eaLnBrk="1" latinLnBrk="0" hangingPunct="1">
-              <a:spcBef>
-                <a:spcPct val="0"/>
-              </a:spcBef>
-              <a:buNone/>
-              <a:defRPr sz="4400" kern="1200">
-                <a:solidFill>
-                  <a:schemeClr val="tx1"/>
-                </a:solidFill>
-                <a:latin typeface="+mj-lt"/>
-                <a:ea typeface="+mj-ea"/>
-                <a:cs typeface="+mj-cs"/>
-              </a:defRPr>
-            </a:lvl1pPr>
-          </a:lstStyle>
-          <a:p>
-            <a:pPr algn="l"/>
-            <a:endParaRPr lang="ru-RU" sz="2400" dirty="0">
-              <a:solidFill>
-                <a:schemeClr val="tx1">
-                  <a:lumMod val="75000"/>
-                  <a:lumOff val="25000"/>
-                </a:schemeClr>
-              </a:solidFill>
-              <a:cs typeface="Adobe Hebrew" pitchFamily="18" charset="-79"/>
-            </a:endParaRPr>
-          </a:p>
-        </p:txBody>
-      </p:sp>
-      <p:sp>
-        <p:nvSpPr>
-          <p:cNvPr id="7" name="Прямоугольник 6"/>
-          <p:cNvSpPr/>
-          <p:nvPr/>
-        </p:nvSpPr>
-        <p:spPr>
-          <a:xfrm>
-            <a:off x="7906161" y="26766"/>
-            <a:ext cx="1237839" cy="584775"/>
-          </a:xfrm>
-          <a:prstGeom prst="rect">
-            <a:avLst/>
-          </a:prstGeom>
-        </p:spPr>
-        <p:txBody>
-          <a:bodyPr wrap="none">
-            <a:spAutoFit/>
-          </a:bodyPr>
-          <a:lstStyle/>
-          <a:p>
-            <a:r>
-              <a:rPr lang="ru-RU" sz="3200" b="1" dirty="0">
-                <a:solidFill>
-                  <a:schemeClr val="bg1">
-                    <a:lumMod val="50000"/>
-                  </a:schemeClr>
-                </a:solidFill>
-                <a:cs typeface="Adobe Hebrew" pitchFamily="18" charset="-79"/>
-              </a:rPr>
-              <a:t>№ :0</a:t>
-            </a:r>
-            <a:r>
-              <a:rPr lang="en-US" sz="3200" b="1" dirty="0">
-                <a:solidFill>
-                  <a:schemeClr val="bg1">
-                    <a:lumMod val="50000"/>
-                  </a:schemeClr>
-                </a:solidFill>
-                <a:cs typeface="Adobe Hebrew" pitchFamily="18" charset="-79"/>
-              </a:rPr>
-              <a:t>3</a:t>
-            </a:r>
-            <a:endParaRPr lang="ru-RU" sz="3200" b="1" dirty="0">
-              <a:solidFill>
-                <a:schemeClr val="bg1">
-                  <a:lumMod val="50000"/>
-                </a:schemeClr>
-              </a:solidFill>
-              <a:cs typeface="Adobe Hebrew" pitchFamily="18" charset="-79"/>
-            </a:endParaRPr>
-          </a:p>
-        </p:txBody>
-      </p:sp>
-    </p:spTree>
-    <p:extLst>
-      <p:ext uri="{BB962C8B-B14F-4D97-AF65-F5344CB8AC3E}">
-        <p14:creationId xmlns:p14="http://schemas.microsoft.com/office/powerpoint/2010/main" val="853546668"/>
-      </p:ext>
-    </p:extLst>
-  </p:cSld>
-  <p:clrMapOvr>
-    <a:masterClrMapping/>
-  </p:clrMapOvr>
-</p:sld>
-</file>
-
-<file path=ppt/slides/slide12.xml><?xml version="1.0" encoding="utf-8"?>
-<p:sld xmlns:a="http://schemas.openxmlformats.org/drawingml/2006/main" xmlns:r="http://schemas.openxmlformats.org/officeDocument/2006/relationships" xmlns:p="http://schemas.openxmlformats.org/presentationml/2006/main">
-  <p:cSld>
-    <p:spTree>
-      <p:nvGrpSpPr>
-        <p:cNvPr id="1" name=""/>
-        <p:cNvGrpSpPr/>
-        <p:nvPr/>
-      </p:nvGrpSpPr>
-      <p:grpSpPr>
-        <a:xfrm>
-          <a:off x="0" y="0"/>
-          <a:ext cx="0" cy="0"/>
-          <a:chOff x="0" y="0"/>
-          <a:chExt cx="0" cy="0"/>
-        </a:xfrm>
-      </p:grpSpPr>
-      <p:sp>
-        <p:nvSpPr>
-          <p:cNvPr id="2" name="Заголовок 1"/>
-          <p:cNvSpPr>
-            <a:spLocks noGrp="1"/>
-          </p:cNvSpPr>
-          <p:nvPr>
-            <p:ph type="title"/>
-          </p:nvPr>
-        </p:nvSpPr>
-        <p:spPr>
-          <a:xfrm>
             <a:off x="1403648" y="43913"/>
             <a:ext cx="6768752" cy="857250"/>
           </a:xfrm>
@@ -4724,7 +3844,7 @@
 </p:sld>
 </file>
 
-<file path=ppt/slides/slide13.xml><?xml version="1.0" encoding="utf-8"?>
+<file path=ppt/slides/slide11.xml><?xml version="1.0" encoding="utf-8"?>
 <p:sld xmlns:a="http://schemas.openxmlformats.org/drawingml/2006/main" xmlns:r="http://schemas.openxmlformats.org/officeDocument/2006/relationships" xmlns:p="http://schemas.openxmlformats.org/presentationml/2006/main">
   <p:cSld>
     <p:spTree>
@@ -4768,12 +3888,25 @@
         </p:blipFill>
         <p:spPr>
           <a:xfrm>
-            <a:off x="2672921" y="864487"/>
+            <a:off x="2672920" y="714904"/>
             <a:ext cx="1289418" cy="1711405"/>
           </a:xfrm>
-          <a:prstGeom prst="rect">
-            <a:avLst/>
-          </a:prstGeom>
+          <a:prstGeom prst="roundRect">
+            <a:avLst>
+              <a:gd name="adj" fmla="val 8594"/>
+            </a:avLst>
+          </a:prstGeom>
+          <a:solidFill>
+            <a:srgbClr val="FFFFFF">
+              <a:shade val="85000"/>
+            </a:srgbClr>
+          </a:solidFill>
+          <a:ln>
+            <a:noFill/>
+          </a:ln>
+          <a:effectLst>
+            <a:reflection blurRad="12700" stA="38000" endPos="28000" dist="5000" dir="5400000" sy="-100000" algn="bl" rotWithShape="0"/>
+          </a:effectLst>
         </p:spPr>
       </p:pic>
       <p:pic>
@@ -4803,12 +3936,25 @@
         </p:blipFill>
         <p:spPr>
           <a:xfrm>
-            <a:off x="1255495" y="3006976"/>
+            <a:off x="1255495" y="2940760"/>
             <a:ext cx="1292464" cy="1719222"/>
           </a:xfrm>
-          <a:prstGeom prst="rect">
-            <a:avLst/>
-          </a:prstGeom>
+          <a:prstGeom prst="roundRect">
+            <a:avLst>
+              <a:gd name="adj" fmla="val 8594"/>
+            </a:avLst>
+          </a:prstGeom>
+          <a:solidFill>
+            <a:srgbClr val="FFFFFF">
+              <a:shade val="85000"/>
+            </a:srgbClr>
+          </a:solidFill>
+          <a:ln>
+            <a:noFill/>
+          </a:ln>
+          <a:effectLst>
+            <a:reflection blurRad="12700" stA="38000" endPos="28000" dist="5000" dir="5400000" sy="-100000" algn="bl" rotWithShape="0"/>
+          </a:effectLst>
         </p:spPr>
       </p:pic>
       <p:pic>
@@ -4839,12 +3985,25 @@
         </p:blipFill>
         <p:spPr>
           <a:xfrm>
-            <a:off x="7027000" y="2986845"/>
+            <a:off x="7027000" y="2940761"/>
             <a:ext cx="1289416" cy="1719221"/>
           </a:xfrm>
-          <a:prstGeom prst="rect">
-            <a:avLst/>
-          </a:prstGeom>
+          <a:prstGeom prst="roundRect">
+            <a:avLst>
+              <a:gd name="adj" fmla="val 8594"/>
+            </a:avLst>
+          </a:prstGeom>
+          <a:solidFill>
+            <a:srgbClr val="FFFFFF">
+              <a:shade val="85000"/>
+            </a:srgbClr>
+          </a:solidFill>
+          <a:ln>
+            <a:noFill/>
+          </a:ln>
+          <a:effectLst>
+            <a:reflection blurRad="12700" stA="38000" endPos="28000" dist="5000" dir="5400000" sy="-100000" algn="bl" rotWithShape="0"/>
+          </a:effectLst>
         </p:spPr>
       </p:pic>
       <p:pic>
@@ -4875,12 +4034,25 @@
         </p:blipFill>
         <p:spPr>
           <a:xfrm>
-            <a:off x="5660579" y="850097"/>
+            <a:off x="5660579" y="718084"/>
             <a:ext cx="1282238" cy="1709650"/>
           </a:xfrm>
-          <a:prstGeom prst="rect">
-            <a:avLst/>
-          </a:prstGeom>
+          <a:prstGeom prst="roundRect">
+            <a:avLst>
+              <a:gd name="adj" fmla="val 8594"/>
+            </a:avLst>
+          </a:prstGeom>
+          <a:solidFill>
+            <a:srgbClr val="FFFFFF">
+              <a:shade val="85000"/>
+            </a:srgbClr>
+          </a:solidFill>
+          <a:ln>
+            <a:noFill/>
+          </a:ln>
+          <a:effectLst>
+            <a:reflection blurRad="12700" stA="38000" endPos="28000" dist="5000" dir="5400000" sy="-100000" algn="bl" rotWithShape="0"/>
+          </a:effectLst>
         </p:spPr>
       </p:pic>
       <p:pic>
@@ -4911,12 +4083,25 @@
         </p:blipFill>
         <p:spPr>
           <a:xfrm>
-            <a:off x="4143750" y="3006040"/>
+            <a:off x="4143750" y="2940760"/>
             <a:ext cx="1289417" cy="1719222"/>
           </a:xfrm>
-          <a:prstGeom prst="rect">
-            <a:avLst/>
-          </a:prstGeom>
+          <a:prstGeom prst="roundRect">
+            <a:avLst>
+              <a:gd name="adj" fmla="val 8594"/>
+            </a:avLst>
+          </a:prstGeom>
+          <a:solidFill>
+            <a:srgbClr val="FFFFFF">
+              <a:shade val="85000"/>
+            </a:srgbClr>
+          </a:solidFill>
+          <a:ln>
+            <a:noFill/>
+          </a:ln>
+          <a:effectLst>
+            <a:reflection blurRad="12700" stA="38000" endPos="28000" dist="5000" dir="5400000" sy="-100000" algn="bl" rotWithShape="0"/>
+          </a:effectLst>
         </p:spPr>
       </p:pic>
       <p:sp>
@@ -4931,7 +4116,7 @@
         </p:nvSpPr>
         <p:spPr>
           <a:xfrm>
-            <a:off x="1403648" y="43913"/>
+            <a:off x="1403648" y="-20538"/>
             <a:ext cx="6768752" cy="857250"/>
           </a:xfrm>
         </p:spPr>
@@ -5143,68 +4328,6 @@
       </p:sp>
       <p:sp>
         <p:nvSpPr>
-          <p:cNvPr id="20" name="Заголовок 1">
-            <a:extLst>
-              <a:ext uri="{FF2B5EF4-FFF2-40B4-BE49-F238E27FC236}">
-                <a16:creationId xmlns:a16="http://schemas.microsoft.com/office/drawing/2014/main" id="{C3C0F659-EF80-40F5-A08C-C1BA0258CE2B}"/>
-              </a:ext>
-            </a:extLst>
-          </p:cNvPr>
-          <p:cNvSpPr txBox="1">
-            <a:spLocks/>
-          </p:cNvSpPr>
-          <p:nvPr/>
-        </p:nvSpPr>
-        <p:spPr>
-          <a:xfrm>
-            <a:off x="2040680" y="2570029"/>
-            <a:ext cx="2553899" cy="403092"/>
-          </a:xfrm>
-          <a:prstGeom prst="rect">
-            <a:avLst/>
-          </a:prstGeom>
-        </p:spPr>
-        <p:txBody>
-          <a:bodyPr vert="horz" lIns="91440" tIns="45720" rIns="91440" bIns="45720" rtlCol="0" anchor="ctr">
-            <a:noAutofit/>
-          </a:bodyPr>
-          <a:lstStyle>
-            <a:lvl1pPr algn="ctr" defTabSz="914400" rtl="0" eaLnBrk="1" latinLnBrk="0" hangingPunct="1">
-              <a:spcBef>
-                <a:spcPct val="0"/>
-              </a:spcBef>
-              <a:buNone/>
-              <a:defRPr sz="4400" kern="1200">
-                <a:solidFill>
-                  <a:schemeClr val="tx1"/>
-                </a:solidFill>
-                <a:latin typeface="+mj-lt"/>
-                <a:ea typeface="+mj-ea"/>
-                <a:cs typeface="+mj-cs"/>
-              </a:defRPr>
-            </a:lvl1pPr>
-          </a:lstStyle>
-          <a:p>
-            <a:r>
-              <a:rPr lang="ru-RU" sz="1600" b="1" dirty="0">
-                <a:solidFill>
-                  <a:srgbClr val="7030A0"/>
-                </a:solidFill>
-                <a:cs typeface="Adobe Hebrew" pitchFamily="18" charset="-79"/>
-              </a:rPr>
-              <a:t>Влада Маковецкая</a:t>
-            </a:r>
-            <a:endParaRPr lang="ru-RU" sz="1600" dirty="0">
-              <a:solidFill>
-                <a:srgbClr val="7030A0"/>
-              </a:solidFill>
-              <a:cs typeface="Adobe Hebrew" pitchFamily="18" charset="-79"/>
-            </a:endParaRPr>
-          </a:p>
-        </p:txBody>
-      </p:sp>
-      <p:sp>
-        <p:nvSpPr>
           <p:cNvPr id="21" name="Заголовок 1">
             <a:extLst>
               <a:ext uri="{FF2B5EF4-FFF2-40B4-BE49-F238E27FC236}">
@@ -5219,7 +4342,7 @@
         </p:nvSpPr>
         <p:spPr>
           <a:xfrm>
-            <a:off x="5020518" y="2571750"/>
+            <a:off x="5024748" y="2456690"/>
             <a:ext cx="2553899" cy="403092"/>
           </a:xfrm>
           <a:prstGeom prst="rect">
@@ -5248,7 +4371,7 @@
           </a:lstStyle>
           <a:p>
             <a:r>
-              <a:rPr lang="ru-RU" sz="1600" b="1" dirty="0">
+              <a:rPr lang="ru-RU" sz="1400" b="1" dirty="0">
                 <a:solidFill>
                   <a:srgbClr val="7030A0"/>
                 </a:solidFill>
@@ -5256,7 +4379,18 @@
               </a:rPr>
               <a:t>Валерия Болучевских</a:t>
             </a:r>
-            <a:endParaRPr lang="ru-RU" sz="1600" dirty="0">
+          </a:p>
+          <a:p>
+            <a:r>
+              <a:rPr lang="ru-RU" sz="1400" b="1" i="1" dirty="0">
+                <a:solidFill>
+                  <a:srgbClr val="7030A0"/>
+                </a:solidFill>
+                <a:cs typeface="Adobe Hebrew" pitchFamily="18" charset="-79"/>
+              </a:rPr>
+              <a:t>Статистик</a:t>
+            </a:r>
+            <a:endParaRPr lang="ru-RU" sz="1400" i="1" dirty="0">
               <a:solidFill>
                 <a:srgbClr val="7030A0"/>
               </a:solidFill>
@@ -5281,7 +4415,7 @@
         </p:nvSpPr>
         <p:spPr>
           <a:xfrm>
-            <a:off x="3511074" y="4696495"/>
+            <a:off x="3511074" y="4688938"/>
             <a:ext cx="2553899" cy="403092"/>
           </a:xfrm>
           <a:prstGeom prst="rect">
@@ -5310,7 +4444,7 @@
           </a:lstStyle>
           <a:p>
             <a:r>
-              <a:rPr lang="ru-RU" sz="1600" b="1" dirty="0">
+              <a:rPr lang="ru-RU" sz="1400" b="1" dirty="0">
                 <a:solidFill>
                   <a:srgbClr val="7030A0"/>
                 </a:solidFill>
@@ -5318,7 +4452,18 @@
               </a:rPr>
               <a:t>Максим Чернышков</a:t>
             </a:r>
-            <a:endParaRPr lang="ru-RU" sz="1600" dirty="0">
+          </a:p>
+          <a:p>
+            <a:r>
+              <a:rPr lang="ru-RU" sz="1400" b="1" i="1" dirty="0">
+                <a:solidFill>
+                  <a:srgbClr val="7030A0"/>
+                </a:solidFill>
+                <a:cs typeface="Adobe Hebrew" pitchFamily="18" charset="-79"/>
+              </a:rPr>
+              <a:t>Программист</a:t>
+            </a:r>
+            <a:endParaRPr lang="ru-RU" sz="1400" i="1" dirty="0">
               <a:solidFill>
                 <a:srgbClr val="7030A0"/>
               </a:solidFill>
@@ -5343,7 +4488,7 @@
         </p:nvSpPr>
         <p:spPr>
           <a:xfrm>
-            <a:off x="6393234" y="4696495"/>
+            <a:off x="6393234" y="4688938"/>
             <a:ext cx="2553899" cy="403092"/>
           </a:xfrm>
           <a:prstGeom prst="rect">
@@ -5372,7 +4517,7 @@
           </a:lstStyle>
           <a:p>
             <a:r>
-              <a:rPr lang="ru-RU" sz="1600" b="1" dirty="0">
+              <a:rPr lang="ru-RU" sz="1400" b="1" dirty="0">
                 <a:solidFill>
                   <a:srgbClr val="7030A0"/>
                 </a:solidFill>
@@ -5380,7 +4525,18 @@
               </a:rPr>
               <a:t>Анна Лебедева</a:t>
             </a:r>
-            <a:endParaRPr lang="ru-RU" sz="1600" dirty="0">
+          </a:p>
+          <a:p>
+            <a:r>
+              <a:rPr lang="ru-RU" sz="1400" b="1" i="1" dirty="0">
+                <a:solidFill>
+                  <a:srgbClr val="7030A0"/>
+                </a:solidFill>
+                <a:cs typeface="Adobe Hebrew" pitchFamily="18" charset="-79"/>
+              </a:rPr>
+              <a:t>Дизайнер </a:t>
+            </a:r>
+            <a:endParaRPr lang="ru-RU" sz="1400" i="1" dirty="0">
               <a:solidFill>
                 <a:srgbClr val="7030A0"/>
               </a:solidFill>
@@ -5405,7 +4561,7 @@
         </p:nvSpPr>
         <p:spPr>
           <a:xfrm>
-            <a:off x="628915" y="4718070"/>
+            <a:off x="622067" y="4685481"/>
             <a:ext cx="2553899" cy="403092"/>
           </a:xfrm>
           <a:prstGeom prst="rect">
@@ -5434,7 +4590,7 @@
           </a:lstStyle>
           <a:p>
             <a:r>
-              <a:rPr lang="ru-RU" sz="1600" b="1" dirty="0">
+              <a:rPr lang="ru-RU" sz="1400" b="1" dirty="0">
                 <a:solidFill>
                   <a:srgbClr val="7030A0"/>
                 </a:solidFill>
@@ -5442,7 +4598,91 @@
               </a:rPr>
               <a:t>Виктория Геллер</a:t>
             </a:r>
-            <a:endParaRPr lang="ru-RU" sz="1600" dirty="0">
+          </a:p>
+          <a:p>
+            <a:r>
+              <a:rPr lang="ru-RU" sz="1400" b="1" i="1" dirty="0">
+                <a:solidFill>
+                  <a:srgbClr val="7030A0"/>
+                </a:solidFill>
+                <a:cs typeface="Adobe Hebrew" pitchFamily="18" charset="-79"/>
+              </a:rPr>
+              <a:t>Схемотехник</a:t>
+            </a:r>
+            <a:endParaRPr lang="ru-RU" sz="1400" i="1" dirty="0">
+              <a:solidFill>
+                <a:srgbClr val="7030A0"/>
+              </a:solidFill>
+              <a:cs typeface="Adobe Hebrew" pitchFamily="18" charset="-79"/>
+            </a:endParaRPr>
+          </a:p>
+        </p:txBody>
+      </p:sp>
+      <p:sp>
+        <p:nvSpPr>
+          <p:cNvPr id="16" name="Заголовок 1">
+            <a:extLst>
+              <a:ext uri="{FF2B5EF4-FFF2-40B4-BE49-F238E27FC236}">
+                <a16:creationId xmlns:a16="http://schemas.microsoft.com/office/drawing/2014/main" id="{043031C9-2D3F-4DA6-A9A0-41E41A906184}"/>
+              </a:ext>
+            </a:extLst>
+          </p:cNvPr>
+          <p:cNvSpPr txBox="1">
+            <a:spLocks/>
+          </p:cNvSpPr>
+          <p:nvPr/>
+        </p:nvSpPr>
+        <p:spPr>
+          <a:xfrm>
+            <a:off x="2040679" y="2451808"/>
+            <a:ext cx="2553899" cy="403092"/>
+          </a:xfrm>
+          <a:prstGeom prst="rect">
+            <a:avLst/>
+          </a:prstGeom>
+        </p:spPr>
+        <p:txBody>
+          <a:bodyPr vert="horz" lIns="91440" tIns="45720" rIns="91440" bIns="45720" rtlCol="0" anchor="ctr">
+            <a:noAutofit/>
+          </a:bodyPr>
+          <a:lstStyle>
+            <a:lvl1pPr algn="ctr" defTabSz="914400" rtl="0" eaLnBrk="1" latinLnBrk="0" hangingPunct="1">
+              <a:spcBef>
+                <a:spcPct val="0"/>
+              </a:spcBef>
+              <a:buNone/>
+              <a:defRPr sz="4400" kern="1200">
+                <a:solidFill>
+                  <a:schemeClr val="tx1"/>
+                </a:solidFill>
+                <a:latin typeface="+mj-lt"/>
+                <a:ea typeface="+mj-ea"/>
+                <a:cs typeface="+mj-cs"/>
+              </a:defRPr>
+            </a:lvl1pPr>
+          </a:lstStyle>
+          <a:p>
+            <a:r>
+              <a:rPr lang="ru-RU" sz="1400" b="1" dirty="0">
+                <a:solidFill>
+                  <a:srgbClr val="7030A0"/>
+                </a:solidFill>
+                <a:cs typeface="Adobe Hebrew" pitchFamily="18" charset="-79"/>
+              </a:rPr>
+              <a:t>Влада Маковецкая</a:t>
+            </a:r>
+          </a:p>
+          <a:p>
+            <a:r>
+              <a:rPr lang="ru-RU" sz="1400" b="1" i="1" dirty="0">
+                <a:solidFill>
+                  <a:srgbClr val="7030A0"/>
+                </a:solidFill>
+                <a:cs typeface="Adobe Hebrew" pitchFamily="18" charset="-79"/>
+              </a:rPr>
+              <a:t>Проектировщик</a:t>
+            </a:r>
+            <a:endParaRPr lang="ru-RU" sz="1400" i="1" dirty="0">
               <a:solidFill>
                 <a:srgbClr val="7030A0"/>
               </a:solidFill>
@@ -5464,7 +4704,7 @@
 </p:sld>
 </file>
 
-<file path=ppt/slides/slide14.xml><?xml version="1.0" encoding="utf-8"?>
+<file path=ppt/slides/slide12.xml><?xml version="1.0" encoding="utf-8"?>
 <p:sld xmlns:a="http://schemas.openxmlformats.org/drawingml/2006/main" xmlns:r="http://schemas.openxmlformats.org/officeDocument/2006/relationships" xmlns:p="http://schemas.openxmlformats.org/presentationml/2006/main">
   <p:cSld>
     <p:spTree>
@@ -5585,6 +4825,17 @@
                 </a:solidFill>
                 <a:cs typeface="Adobe Hebrew" pitchFamily="18" charset="-79"/>
               </a:rPr>
+              <a:t>Болучевских Валерия: wenlyfentazis@gmail.com</a:t>
+            </a:r>
+          </a:p>
+          <a:p>
+            <a:r>
+              <a:rPr lang="ru-RU" sz="1400" dirty="0">
+                <a:solidFill>
+                  <a:schemeClr val="bg1"/>
+                </a:solidFill>
+                <a:cs typeface="Adobe Hebrew" pitchFamily="18" charset="-79"/>
+              </a:rPr>
               <a:t>Геллер Виктория: </a:t>
             </a:r>
             <a:r>
@@ -5595,32 +4846,6 @@
                 <a:cs typeface="Adobe Hebrew" pitchFamily="18" charset="-79"/>
               </a:rPr>
               <a:t>gellwik12345@gmail.com</a:t>
-            </a:r>
-            <a:endParaRPr lang="ru-RU" sz="1400" dirty="0">
-              <a:solidFill>
-                <a:schemeClr val="bg1"/>
-              </a:solidFill>
-              <a:cs typeface="Adobe Hebrew" pitchFamily="18" charset="-79"/>
-            </a:endParaRPr>
-          </a:p>
-          <a:p>
-            <a:r>
-              <a:rPr lang="ru-RU" sz="1400" dirty="0">
-                <a:solidFill>
-                  <a:schemeClr val="bg1"/>
-                </a:solidFill>
-                <a:cs typeface="Adobe Hebrew" pitchFamily="18" charset="-79"/>
-              </a:rPr>
-              <a:t>Болучевских Валерия:</a:t>
-            </a:r>
-            <a:r>
-              <a:rPr lang="en-US" sz="1400" dirty="0">
-                <a:solidFill>
-                  <a:schemeClr val="bg1"/>
-                </a:solidFill>
-                <a:cs typeface="Adobe Hebrew" pitchFamily="18" charset="-79"/>
-              </a:rPr>
-              <a:t> wenlyfentazis@gmail.com</a:t>
             </a:r>
             <a:endParaRPr lang="ru-RU" sz="1400" dirty="0">
               <a:solidFill>
@@ -6875,7 +6100,7 @@
         </p:nvSpPr>
         <p:spPr>
           <a:xfrm>
-            <a:off x="1679405" y="2380655"/>
+            <a:off x="1697891" y="2352660"/>
             <a:ext cx="6768752" cy="1656184"/>
           </a:xfrm>
           <a:prstGeom prst="rect">
@@ -6913,6 +6138,144 @@
               </a:solidFill>
               <a:cs typeface="Adobe Hebrew" pitchFamily="18" charset="-79"/>
             </a:endParaRPr>
+          </a:p>
+        </p:txBody>
+      </p:sp>
+      <p:sp>
+        <p:nvSpPr>
+          <p:cNvPr id="12" name="TextBox 11">
+            <a:extLst>
+              <a:ext uri="{FF2B5EF4-FFF2-40B4-BE49-F238E27FC236}">
+                <a16:creationId xmlns:a16="http://schemas.microsoft.com/office/drawing/2014/main" id="{1542B3C0-21DC-4397-8968-57AE3A2020EC}"/>
+              </a:ext>
+            </a:extLst>
+          </p:cNvPr>
+          <p:cNvSpPr txBox="1"/>
+          <p:nvPr/>
+        </p:nvSpPr>
+        <p:spPr>
+          <a:xfrm>
+            <a:off x="2590594" y="4825484"/>
+            <a:ext cx="2160240" cy="338554"/>
+          </a:xfrm>
+          <a:prstGeom prst="rect">
+            <a:avLst/>
+          </a:prstGeom>
+          <a:noFill/>
+        </p:spPr>
+        <p:txBody>
+          <a:bodyPr wrap="square">
+            <a:spAutoFit/>
+          </a:bodyPr>
+          <a:lstStyle/>
+          <a:p>
+            <a:r>
+              <a:rPr lang="ru-RU" sz="1600" i="1" dirty="0"/>
+              <a:t>Сервис </a:t>
+            </a:r>
+            <a:r>
+              <a:rPr lang="en-US" sz="1600" i="1" dirty="0"/>
+              <a:t>MarineTraffic</a:t>
+            </a:r>
+            <a:endParaRPr lang="ru-RU" sz="1600" i="1" dirty="0"/>
+          </a:p>
+        </p:txBody>
+      </p:sp>
+      <p:pic>
+        <p:nvPicPr>
+          <p:cNvPr id="13" name="Рисунок 12">
+            <a:extLst>
+              <a:ext uri="{FF2B5EF4-FFF2-40B4-BE49-F238E27FC236}">
+                <a16:creationId xmlns:a16="http://schemas.microsoft.com/office/drawing/2014/main" id="{739DA990-F9FB-4560-ABE5-34314BF1D23E}"/>
+              </a:ext>
+            </a:extLst>
+          </p:cNvPr>
+          <p:cNvPicPr>
+            <a:picLocks noChangeAspect="1"/>
+          </p:cNvPicPr>
+          <p:nvPr/>
+        </p:nvPicPr>
+        <p:blipFill>
+          <a:blip r:embed="rId4">
+            <a:extLst>
+              <a:ext uri="{28A0092B-C50C-407E-A947-70E740481C1C}">
+                <a14:useLocalDpi xmlns:a14="http://schemas.microsoft.com/office/drawing/2010/main" val="0"/>
+              </a:ext>
+            </a:extLst>
+          </a:blip>
+          <a:stretch>
+            <a:fillRect/>
+          </a:stretch>
+        </p:blipFill>
+        <p:spPr>
+          <a:xfrm>
+            <a:off x="1619672" y="1325207"/>
+            <a:ext cx="4104456" cy="3497886"/>
+          </a:xfrm>
+          <a:prstGeom prst="rect">
+            <a:avLst/>
+          </a:prstGeom>
+          <a:ln>
+            <a:noFill/>
+          </a:ln>
+          <a:effectLst>
+            <a:outerShdw blurRad="190500" algn="tl" rotWithShape="0">
+              <a:srgbClr val="000000">
+                <a:alpha val="70000"/>
+              </a:srgbClr>
+            </a:outerShdw>
+          </a:effectLst>
+        </p:spPr>
+      </p:pic>
+      <p:sp>
+        <p:nvSpPr>
+          <p:cNvPr id="15" name="TextBox 14">
+            <a:extLst>
+              <a:ext uri="{FF2B5EF4-FFF2-40B4-BE49-F238E27FC236}">
+                <a16:creationId xmlns:a16="http://schemas.microsoft.com/office/drawing/2014/main" id="{6F0A3818-1C8B-444B-A6DE-B0D10997013E}"/>
+              </a:ext>
+            </a:extLst>
+          </p:cNvPr>
+          <p:cNvSpPr txBox="1"/>
+          <p:nvPr/>
+        </p:nvSpPr>
+        <p:spPr>
+          <a:xfrm>
+            <a:off x="6190714" y="1919988"/>
+            <a:ext cx="2799536" cy="2308324"/>
+          </a:xfrm>
+          <a:prstGeom prst="rect">
+            <a:avLst/>
+          </a:prstGeom>
+          <a:noFill/>
+        </p:spPr>
+        <p:txBody>
+          <a:bodyPr wrap="square">
+            <a:spAutoFit/>
+          </a:bodyPr>
+          <a:lstStyle/>
+          <a:p>
+            <a:pPr marL="285750" indent="-285750">
+              <a:buFont typeface="Wingdings" panose="05000000000000000000" pitchFamily="2" charset="2"/>
+              <a:buChar char="v"/>
+            </a:pPr>
+            <a:r>
+              <a:rPr lang="ru-RU" dirty="0"/>
+              <a:t>Платное отслеживание подробной информации ⇒</a:t>
+            </a:r>
+          </a:p>
+          <a:p>
+            <a:pPr marL="285750" indent="-285750">
+              <a:buFont typeface="Wingdings" panose="05000000000000000000" pitchFamily="2" charset="2"/>
+              <a:buChar char="v"/>
+            </a:pPr>
+            <a:r>
+              <a:rPr lang="ru-RU" dirty="0"/>
+              <a:t>Невозможность использования всеми категориями пользователей</a:t>
+            </a:r>
+          </a:p>
+          <a:p>
+            <a:endParaRPr lang="en-US" dirty="0"/>
           </a:p>
         </p:txBody>
       </p:sp>
@@ -6969,15 +6332,15 @@
           <a:lstStyle/>
           <a:p>
             <a:r>
-              <a:rPr lang="ru-RU" sz="3600" b="1" dirty="0">
+              <a:rPr lang="ru-RU" b="1" dirty="0">
                 <a:solidFill>
                   <a:srgbClr val="7030A0"/>
                 </a:solidFill>
                 <a:cs typeface="Adobe Hebrew" pitchFamily="18" charset="-79"/>
               </a:rPr>
-              <a:t>Анализ существующих решений</a:t>
-            </a:r>
-            <a:endParaRPr lang="ru-RU" sz="3600" dirty="0">
+              <a:t>Результаты проекта</a:t>
+            </a:r>
+            <a:endParaRPr lang="ru-RU" sz="3100" dirty="0">
               <a:solidFill>
                 <a:srgbClr val="7030A0"/>
               </a:solidFill>
@@ -7116,67 +6479,13 @@
       </p:pic>
       <p:sp>
         <p:nvSpPr>
-          <p:cNvPr id="6" name="Заголовок 1"/>
-          <p:cNvSpPr txBox="1">
-            <a:spLocks/>
-          </p:cNvSpPr>
-          <p:nvPr/>
-        </p:nvSpPr>
-        <p:spPr>
-          <a:xfrm>
-            <a:off x="1835696" y="1491630"/>
-            <a:ext cx="6768752" cy="857250"/>
-          </a:xfrm>
-          <a:prstGeom prst="rect">
-            <a:avLst/>
-          </a:prstGeom>
-        </p:spPr>
-        <p:txBody>
-          <a:bodyPr vert="horz" lIns="91440" tIns="45720" rIns="91440" bIns="45720" rtlCol="0" anchor="ctr">
-            <a:normAutofit/>
-          </a:bodyPr>
-          <a:lstStyle>
-            <a:lvl1pPr algn="ctr" defTabSz="914400" rtl="0" eaLnBrk="1" latinLnBrk="0" hangingPunct="1">
-              <a:spcBef>
-                <a:spcPct val="0"/>
-              </a:spcBef>
-              <a:buNone/>
-              <a:defRPr sz="4400" kern="1200">
-                <a:solidFill>
-                  <a:schemeClr val="tx1"/>
-                </a:solidFill>
-                <a:latin typeface="+mj-lt"/>
-                <a:ea typeface="+mj-ea"/>
-                <a:cs typeface="+mj-cs"/>
-              </a:defRPr>
-            </a:lvl1pPr>
-          </a:lstStyle>
-          <a:p>
-            <a:pPr algn="l"/>
-            <a:r>
-              <a:rPr lang="ru-RU" sz="2400" dirty="0">
-                <a:solidFill>
-                  <a:schemeClr val="tx1">
-                    <a:lumMod val="75000"/>
-                    <a:lumOff val="25000"/>
-                  </a:schemeClr>
-                </a:solidFill>
-                <a:cs typeface="Adobe Hebrew" pitchFamily="18" charset="-79"/>
-              </a:rPr>
-              <a:t>Какие решения рассматривались и какое выбрали и почему</a:t>
-            </a:r>
-          </a:p>
-        </p:txBody>
-      </p:sp>
-      <p:sp>
-        <p:nvSpPr>
           <p:cNvPr id="7" name="Прямоугольник 6"/>
           <p:cNvSpPr/>
           <p:nvPr/>
         </p:nvSpPr>
         <p:spPr>
           <a:xfrm>
-            <a:off x="7906161" y="20784"/>
+            <a:off x="7906161" y="26766"/>
             <a:ext cx="1237839" cy="584775"/>
           </a:xfrm>
           <a:prstGeom prst="rect">
@@ -7222,10 +6531,485 @@
           </a:p>
         </p:txBody>
       </p:sp>
+      <p:pic>
+        <p:nvPicPr>
+          <p:cNvPr id="4" name="Рисунок 3">
+            <a:extLst>
+              <a:ext uri="{FF2B5EF4-FFF2-40B4-BE49-F238E27FC236}">
+                <a16:creationId xmlns:a16="http://schemas.microsoft.com/office/drawing/2014/main" id="{88D6D288-B5F7-460A-82DC-44D729879B9C}"/>
+              </a:ext>
+            </a:extLst>
+          </p:cNvPr>
+          <p:cNvPicPr>
+            <a:picLocks noChangeAspect="1"/>
+          </p:cNvPicPr>
+          <p:nvPr/>
+        </p:nvPicPr>
+        <p:blipFill>
+          <a:blip r:embed="rId4" cstate="print">
+            <a:biLevel thresh="75000"/>
+            <a:extLst>
+              <a:ext uri="{28A0092B-C50C-407E-A947-70E740481C1C}">
+                <a14:useLocalDpi xmlns:a14="http://schemas.microsoft.com/office/drawing/2010/main" val="0"/>
+              </a:ext>
+            </a:extLst>
+          </a:blip>
+          <a:stretch>
+            <a:fillRect/>
+          </a:stretch>
+        </p:blipFill>
+        <p:spPr>
+          <a:xfrm>
+            <a:off x="4315659" y="865778"/>
+            <a:ext cx="1315548" cy="1169376"/>
+          </a:xfrm>
+          <a:prstGeom prst="rect">
+            <a:avLst/>
+          </a:prstGeom>
+        </p:spPr>
+      </p:pic>
+      <p:pic>
+        <p:nvPicPr>
+          <p:cNvPr id="9" name="Рисунок 8">
+            <a:extLst>
+              <a:ext uri="{FF2B5EF4-FFF2-40B4-BE49-F238E27FC236}">
+                <a16:creationId xmlns:a16="http://schemas.microsoft.com/office/drawing/2014/main" id="{896878E3-3684-42CC-8354-8EDE2FD8C783}"/>
+              </a:ext>
+            </a:extLst>
+          </p:cNvPr>
+          <p:cNvPicPr>
+            <a:picLocks noChangeAspect="1"/>
+          </p:cNvPicPr>
+          <p:nvPr/>
+        </p:nvPicPr>
+        <p:blipFill>
+          <a:blip r:embed="rId5" cstate="print">
+            <a:biLevel thresh="75000"/>
+            <a:extLst>
+              <a:ext uri="{28A0092B-C50C-407E-A947-70E740481C1C}">
+                <a14:useLocalDpi xmlns:a14="http://schemas.microsoft.com/office/drawing/2010/main" val="0"/>
+              </a:ext>
+            </a:extLst>
+          </a:blip>
+          <a:stretch>
+            <a:fillRect/>
+          </a:stretch>
+        </p:blipFill>
+        <p:spPr>
+          <a:xfrm>
+            <a:off x="2102899" y="2020797"/>
+            <a:ext cx="1173490" cy="1055009"/>
+          </a:xfrm>
+          <a:prstGeom prst="rect">
+            <a:avLst/>
+          </a:prstGeom>
+        </p:spPr>
+      </p:pic>
+      <p:pic>
+        <p:nvPicPr>
+          <p:cNvPr id="12" name="Рисунок 11">
+            <a:extLst>
+              <a:ext uri="{FF2B5EF4-FFF2-40B4-BE49-F238E27FC236}">
+                <a16:creationId xmlns:a16="http://schemas.microsoft.com/office/drawing/2014/main" id="{C876F839-F627-4E26-B661-C5146A7E5C95}"/>
+              </a:ext>
+            </a:extLst>
+          </p:cNvPr>
+          <p:cNvPicPr>
+            <a:picLocks noChangeAspect="1"/>
+          </p:cNvPicPr>
+          <p:nvPr/>
+        </p:nvPicPr>
+        <p:blipFill>
+          <a:blip r:embed="rId6" cstate="print">
+            <a:biLevel thresh="75000"/>
+            <a:extLst>
+              <a:ext uri="{28A0092B-C50C-407E-A947-70E740481C1C}">
+                <a14:useLocalDpi xmlns:a14="http://schemas.microsoft.com/office/drawing/2010/main" val="0"/>
+              </a:ext>
+            </a:extLst>
+          </a:blip>
+          <a:stretch>
+            <a:fillRect/>
+          </a:stretch>
+        </p:blipFill>
+        <p:spPr>
+          <a:xfrm>
+            <a:off x="7380312" y="865778"/>
+            <a:ext cx="1173490" cy="1173490"/>
+          </a:xfrm>
+          <a:prstGeom prst="rect">
+            <a:avLst/>
+          </a:prstGeom>
+        </p:spPr>
+      </p:pic>
+      <p:pic>
+        <p:nvPicPr>
+          <p:cNvPr id="14" name="Рисунок 13">
+            <a:extLst>
+              <a:ext uri="{FF2B5EF4-FFF2-40B4-BE49-F238E27FC236}">
+                <a16:creationId xmlns:a16="http://schemas.microsoft.com/office/drawing/2014/main" id="{ECDC70BA-D018-4A99-BF97-484F2A7E8205}"/>
+              </a:ext>
+            </a:extLst>
+          </p:cNvPr>
+          <p:cNvPicPr>
+            <a:picLocks noChangeAspect="1"/>
+          </p:cNvPicPr>
+          <p:nvPr/>
+        </p:nvPicPr>
+        <p:blipFill>
+          <a:blip r:embed="rId7" cstate="print">
+            <a:biLevel thresh="75000"/>
+            <a:extLst>
+              <a:ext uri="{BEBA8EAE-BF5A-486C-A8C5-ECC9F3942E4B}">
+                <a14:imgProps xmlns:a14="http://schemas.microsoft.com/office/drawing/2010/main">
+                  <a14:imgLayer r:embed="rId8">
+                    <a14:imgEffect>
+                      <a14:colorTemperature colorTemp="11200"/>
+                    </a14:imgEffect>
+                    <a14:imgEffect>
+                      <a14:saturation sat="33000"/>
+                    </a14:imgEffect>
+                  </a14:imgLayer>
+                </a14:imgProps>
+              </a:ext>
+              <a:ext uri="{28A0092B-C50C-407E-A947-70E740481C1C}">
+                <a14:useLocalDpi xmlns:a14="http://schemas.microsoft.com/office/drawing/2010/main" val="0"/>
+              </a:ext>
+            </a:extLst>
+          </a:blip>
+          <a:stretch>
+            <a:fillRect/>
+          </a:stretch>
+        </p:blipFill>
+        <p:spPr>
+          <a:xfrm>
+            <a:off x="6295236" y="2078668"/>
+            <a:ext cx="1055009" cy="1055009"/>
+          </a:xfrm>
+          <a:prstGeom prst="rect">
+            <a:avLst/>
+          </a:prstGeom>
+        </p:spPr>
+      </p:pic>
+      <p:pic>
+        <p:nvPicPr>
+          <p:cNvPr id="16" name="Рисунок 15">
+            <a:extLst>
+              <a:ext uri="{FF2B5EF4-FFF2-40B4-BE49-F238E27FC236}">
+                <a16:creationId xmlns:a16="http://schemas.microsoft.com/office/drawing/2014/main" id="{C951031A-A1D5-42BA-9ED7-5A31BD4EA442}"/>
+              </a:ext>
+            </a:extLst>
+          </p:cNvPr>
+          <p:cNvPicPr>
+            <a:picLocks noChangeAspect="1"/>
+          </p:cNvPicPr>
+          <p:nvPr/>
+        </p:nvPicPr>
+        <p:blipFill>
+          <a:blip r:embed="rId9" cstate="print">
+            <a:biLevel thresh="75000"/>
+            <a:extLst>
+              <a:ext uri="{28A0092B-C50C-407E-A947-70E740481C1C}">
+                <a14:useLocalDpi xmlns:a14="http://schemas.microsoft.com/office/drawing/2010/main" val="0"/>
+              </a:ext>
+            </a:extLst>
+          </a:blip>
+          <a:stretch>
+            <a:fillRect/>
+          </a:stretch>
+        </p:blipFill>
+        <p:spPr>
+          <a:xfrm>
+            <a:off x="4806189" y="3339803"/>
+            <a:ext cx="1098960" cy="1056181"/>
+          </a:xfrm>
+          <a:prstGeom prst="rect">
+            <a:avLst/>
+          </a:prstGeom>
+        </p:spPr>
+      </p:pic>
+      <p:pic>
+        <p:nvPicPr>
+          <p:cNvPr id="18" name="Рисунок 17">
+            <a:extLst>
+              <a:ext uri="{FF2B5EF4-FFF2-40B4-BE49-F238E27FC236}">
+                <a16:creationId xmlns:a16="http://schemas.microsoft.com/office/drawing/2014/main" id="{15C92138-0470-4A1E-B646-03FAC6F681B0}"/>
+              </a:ext>
+            </a:extLst>
+          </p:cNvPr>
+          <p:cNvPicPr>
+            <a:picLocks noChangeAspect="1"/>
+          </p:cNvPicPr>
+          <p:nvPr/>
+        </p:nvPicPr>
+        <p:blipFill>
+          <a:blip r:embed="rId10" cstate="print">
+            <a:biLevel thresh="75000"/>
+            <a:extLst>
+              <a:ext uri="{28A0092B-C50C-407E-A947-70E740481C1C}">
+                <a14:useLocalDpi xmlns:a14="http://schemas.microsoft.com/office/drawing/2010/main" val="0"/>
+              </a:ext>
+            </a:extLst>
+          </a:blip>
+          <a:stretch>
+            <a:fillRect/>
+          </a:stretch>
+        </p:blipFill>
+        <p:spPr>
+          <a:xfrm>
+            <a:off x="1331640" y="3867894"/>
+            <a:ext cx="1173490" cy="1173490"/>
+          </a:xfrm>
+          <a:prstGeom prst="rect">
+            <a:avLst/>
+          </a:prstGeom>
+        </p:spPr>
+      </p:pic>
+      <p:pic>
+        <p:nvPicPr>
+          <p:cNvPr id="22" name="Рисунок 21">
+            <a:extLst>
+              <a:ext uri="{FF2B5EF4-FFF2-40B4-BE49-F238E27FC236}">
+                <a16:creationId xmlns:a16="http://schemas.microsoft.com/office/drawing/2014/main" id="{06D679FA-69AC-4E9F-98FD-4E47B98C7FF9}"/>
+              </a:ext>
+            </a:extLst>
+          </p:cNvPr>
+          <p:cNvPicPr>
+            <a:picLocks noChangeAspect="1"/>
+          </p:cNvPicPr>
+          <p:nvPr/>
+        </p:nvPicPr>
+        <p:blipFill>
+          <a:blip r:embed="rId11" cstate="print">
+            <a:extLst>
+              <a:ext uri="{28A0092B-C50C-407E-A947-70E740481C1C}">
+                <a14:useLocalDpi xmlns:a14="http://schemas.microsoft.com/office/drawing/2010/main" val="0"/>
+              </a:ext>
+            </a:extLst>
+          </a:blip>
+          <a:stretch>
+            <a:fillRect/>
+          </a:stretch>
+        </p:blipFill>
+        <p:spPr>
+          <a:xfrm>
+            <a:off x="2601029" y="3867894"/>
+            <a:ext cx="1171100" cy="1173490"/>
+          </a:xfrm>
+          <a:prstGeom prst="rect">
+            <a:avLst/>
+          </a:prstGeom>
+        </p:spPr>
+      </p:pic>
+      <p:cxnSp>
+        <p:nvCxnSpPr>
+          <p:cNvPr id="24" name="Прямая со стрелкой 23">
+            <a:extLst>
+              <a:ext uri="{FF2B5EF4-FFF2-40B4-BE49-F238E27FC236}">
+                <a16:creationId xmlns:a16="http://schemas.microsoft.com/office/drawing/2014/main" id="{0735C0CA-0A4C-430C-BCA3-532E1451285C}"/>
+              </a:ext>
+            </a:extLst>
+          </p:cNvPr>
+          <p:cNvCxnSpPr>
+            <a:cxnSpLocks/>
+          </p:cNvCxnSpPr>
+          <p:nvPr/>
+        </p:nvCxnSpPr>
+        <p:spPr>
+          <a:xfrm flipH="1">
+            <a:off x="3276389" y="1734712"/>
+            <a:ext cx="800983" cy="457159"/>
+          </a:xfrm>
+          <a:prstGeom prst="straightConnector1">
+            <a:avLst/>
+          </a:prstGeom>
+          <a:ln w="57150">
+            <a:tailEnd type="triangle"/>
+          </a:ln>
+        </p:spPr>
+        <p:style>
+          <a:lnRef idx="1">
+            <a:schemeClr val="dk1"/>
+          </a:lnRef>
+          <a:fillRef idx="0">
+            <a:schemeClr val="dk1"/>
+          </a:fillRef>
+          <a:effectRef idx="0">
+            <a:schemeClr val="dk1"/>
+          </a:effectRef>
+          <a:fontRef idx="minor">
+            <a:schemeClr val="tx1"/>
+          </a:fontRef>
+        </p:style>
+      </p:cxnSp>
+      <p:cxnSp>
+        <p:nvCxnSpPr>
+          <p:cNvPr id="27" name="Прямая со стрелкой 26">
+            <a:extLst>
+              <a:ext uri="{FF2B5EF4-FFF2-40B4-BE49-F238E27FC236}">
+                <a16:creationId xmlns:a16="http://schemas.microsoft.com/office/drawing/2014/main" id="{9324F73D-CFE8-485D-A684-BE3F619756E8}"/>
+              </a:ext>
+            </a:extLst>
+          </p:cNvPr>
+          <p:cNvCxnSpPr>
+            <a:cxnSpLocks/>
+          </p:cNvCxnSpPr>
+          <p:nvPr/>
+        </p:nvCxnSpPr>
+        <p:spPr>
+          <a:xfrm>
+            <a:off x="5940152" y="1419622"/>
+            <a:ext cx="1156067" cy="0"/>
+          </a:xfrm>
+          <a:prstGeom prst="straightConnector1">
+            <a:avLst/>
+          </a:prstGeom>
+          <a:ln w="57150">
+            <a:tailEnd type="triangle"/>
+          </a:ln>
+        </p:spPr>
+        <p:style>
+          <a:lnRef idx="1">
+            <a:schemeClr val="dk1"/>
+          </a:lnRef>
+          <a:fillRef idx="0">
+            <a:schemeClr val="dk1"/>
+          </a:fillRef>
+          <a:effectRef idx="0">
+            <a:schemeClr val="dk1"/>
+          </a:effectRef>
+          <a:fontRef idx="minor">
+            <a:schemeClr val="tx1"/>
+          </a:fontRef>
+        </p:style>
+      </p:cxnSp>
+      <p:cxnSp>
+        <p:nvCxnSpPr>
+          <p:cNvPr id="30" name="Прямая со стрелкой 29">
+            <a:extLst>
+              <a:ext uri="{FF2B5EF4-FFF2-40B4-BE49-F238E27FC236}">
+                <a16:creationId xmlns:a16="http://schemas.microsoft.com/office/drawing/2014/main" id="{0E080624-F6B6-4166-92BA-3AFB447ECD62}"/>
+              </a:ext>
+            </a:extLst>
+          </p:cNvPr>
+          <p:cNvCxnSpPr>
+            <a:cxnSpLocks/>
+          </p:cNvCxnSpPr>
+          <p:nvPr/>
+        </p:nvCxnSpPr>
+        <p:spPr>
+          <a:xfrm>
+            <a:off x="3370950" y="2951630"/>
+            <a:ext cx="1201050" cy="700240"/>
+          </a:xfrm>
+          <a:prstGeom prst="straightConnector1">
+            <a:avLst/>
+          </a:prstGeom>
+          <a:ln w="57150">
+            <a:tailEnd type="triangle"/>
+          </a:ln>
+        </p:spPr>
+        <p:style>
+          <a:lnRef idx="1">
+            <a:schemeClr val="dk1"/>
+          </a:lnRef>
+          <a:fillRef idx="0">
+            <a:schemeClr val="dk1"/>
+          </a:fillRef>
+          <a:effectRef idx="0">
+            <a:schemeClr val="dk1"/>
+          </a:effectRef>
+          <a:fontRef idx="minor">
+            <a:schemeClr val="tx1"/>
+          </a:fontRef>
+        </p:style>
+      </p:cxnSp>
+      <p:cxnSp>
+        <p:nvCxnSpPr>
+          <p:cNvPr id="35" name="Прямая со стрелкой 34">
+            <a:extLst>
+              <a:ext uri="{FF2B5EF4-FFF2-40B4-BE49-F238E27FC236}">
+                <a16:creationId xmlns:a16="http://schemas.microsoft.com/office/drawing/2014/main" id="{7282FFD2-B856-4B9F-B2BE-26D6246C0BA4}"/>
+              </a:ext>
+            </a:extLst>
+          </p:cNvPr>
+          <p:cNvCxnSpPr>
+            <a:cxnSpLocks/>
+          </p:cNvCxnSpPr>
+          <p:nvPr/>
+        </p:nvCxnSpPr>
+        <p:spPr>
+          <a:xfrm>
+            <a:off x="3563888" y="2548301"/>
+            <a:ext cx="2520280" cy="57871"/>
+          </a:xfrm>
+          <a:prstGeom prst="straightConnector1">
+            <a:avLst/>
+          </a:prstGeom>
+          <a:ln w="57150">
+            <a:tailEnd type="triangle"/>
+          </a:ln>
+        </p:spPr>
+        <p:style>
+          <a:lnRef idx="1">
+            <a:schemeClr val="dk1"/>
+          </a:lnRef>
+          <a:fillRef idx="0">
+            <a:schemeClr val="dk1"/>
+          </a:fillRef>
+          <a:effectRef idx="0">
+            <a:schemeClr val="dk1"/>
+          </a:effectRef>
+          <a:fontRef idx="minor">
+            <a:schemeClr val="tx1"/>
+          </a:fontRef>
+        </p:style>
+      </p:cxnSp>
+      <p:cxnSp>
+        <p:nvCxnSpPr>
+          <p:cNvPr id="38" name="Прямая со стрелкой 37">
+            <a:extLst>
+              <a:ext uri="{FF2B5EF4-FFF2-40B4-BE49-F238E27FC236}">
+                <a16:creationId xmlns:a16="http://schemas.microsoft.com/office/drawing/2014/main" id="{F20991D1-D4C1-4B1B-87AB-452BB80DD7D6}"/>
+              </a:ext>
+            </a:extLst>
+          </p:cNvPr>
+          <p:cNvCxnSpPr>
+            <a:cxnSpLocks/>
+          </p:cNvCxnSpPr>
+          <p:nvPr/>
+        </p:nvCxnSpPr>
+        <p:spPr>
+          <a:xfrm flipH="1">
+            <a:off x="2505130" y="3291830"/>
+            <a:ext cx="159260" cy="576063"/>
+          </a:xfrm>
+          <a:prstGeom prst="straightConnector1">
+            <a:avLst/>
+          </a:prstGeom>
+          <a:ln w="57150">
+            <a:tailEnd type="triangle"/>
+          </a:ln>
+        </p:spPr>
+        <p:style>
+          <a:lnRef idx="1">
+            <a:schemeClr val="dk1"/>
+          </a:lnRef>
+          <a:fillRef idx="0">
+            <a:schemeClr val="dk1"/>
+          </a:fillRef>
+          <a:effectRef idx="0">
+            <a:schemeClr val="dk1"/>
+          </a:effectRef>
+          <a:fontRef idx="minor">
+            <a:schemeClr val="tx1"/>
+          </a:fontRef>
+        </p:style>
+      </p:cxnSp>
     </p:spTree>
     <p:extLst>
       <p:ext uri="{BB962C8B-B14F-4D97-AF65-F5344CB8AC3E}">
-        <p14:creationId xmlns:p14="http://schemas.microsoft.com/office/powerpoint/2010/main" val="4070943685"/>
+        <p14:creationId xmlns:p14="http://schemas.microsoft.com/office/powerpoint/2010/main" val="1981453422"/>
       </p:ext>
     </p:extLst>
   </p:cSld>
@@ -7264,7 +7048,7 @@
         </p:nvSpPr>
         <p:spPr>
           <a:xfrm>
-            <a:off x="1403648" y="43913"/>
+            <a:off x="1331640" y="43913"/>
             <a:ext cx="6768752" cy="857250"/>
           </a:xfrm>
         </p:spPr>
@@ -7422,60 +7206,6 @@
       </p:pic>
       <p:sp>
         <p:nvSpPr>
-          <p:cNvPr id="6" name="Заголовок 1"/>
-          <p:cNvSpPr txBox="1">
-            <a:spLocks/>
-          </p:cNvSpPr>
-          <p:nvPr/>
-        </p:nvSpPr>
-        <p:spPr>
-          <a:xfrm>
-            <a:off x="1691680" y="1131590"/>
-            <a:ext cx="6768752" cy="857250"/>
-          </a:xfrm>
-          <a:prstGeom prst="rect">
-            <a:avLst/>
-          </a:prstGeom>
-        </p:spPr>
-        <p:txBody>
-          <a:bodyPr vert="horz" lIns="91440" tIns="45720" rIns="91440" bIns="45720" rtlCol="0" anchor="ctr">
-            <a:normAutofit/>
-          </a:bodyPr>
-          <a:lstStyle>
-            <a:lvl1pPr algn="ctr" defTabSz="914400" rtl="0" eaLnBrk="1" latinLnBrk="0" hangingPunct="1">
-              <a:spcBef>
-                <a:spcPct val="0"/>
-              </a:spcBef>
-              <a:buNone/>
-              <a:defRPr sz="4400" kern="1200">
-                <a:solidFill>
-                  <a:schemeClr val="tx1"/>
-                </a:solidFill>
-                <a:latin typeface="+mj-lt"/>
-                <a:ea typeface="+mj-ea"/>
-                <a:cs typeface="+mj-cs"/>
-              </a:defRPr>
-            </a:lvl1pPr>
-          </a:lstStyle>
-          <a:p>
-            <a:pPr algn="l"/>
-            <a:r>
-              <a:rPr lang="ru-RU" sz="2400" dirty="0">
-                <a:solidFill>
-                  <a:schemeClr val="tx1">
-                    <a:lumMod val="75000"/>
-                    <a:lumOff val="25000"/>
-                  </a:schemeClr>
-                </a:solidFill>
-                <a:cs typeface="Adobe Hebrew" pitchFamily="18" charset="-79"/>
-              </a:rPr>
-              <a:t>Какие решения рассматривались и какие выбрали и почему</a:t>
-            </a:r>
-          </a:p>
-        </p:txBody>
-      </p:sp>
-      <p:sp>
-        <p:nvSpPr>
           <p:cNvPr id="7" name="Прямоугольник 6"/>
           <p:cNvSpPr/>
           <p:nvPr/>
@@ -7528,10 +7258,307 @@
           </a:p>
         </p:txBody>
       </p:sp>
+      <p:pic>
+        <p:nvPicPr>
+          <p:cNvPr id="4" name="Рисунок 3">
+            <a:extLst>
+              <a:ext uri="{FF2B5EF4-FFF2-40B4-BE49-F238E27FC236}">
+                <a16:creationId xmlns:a16="http://schemas.microsoft.com/office/drawing/2014/main" id="{EEB00560-9836-446A-8CDD-01C0631FF5B8}"/>
+              </a:ext>
+            </a:extLst>
+          </p:cNvPr>
+          <p:cNvPicPr>
+            <a:picLocks noChangeAspect="1"/>
+          </p:cNvPicPr>
+          <p:nvPr/>
+        </p:nvPicPr>
+        <p:blipFill>
+          <a:blip r:embed="rId4" cstate="print">
+            <a:extLst>
+              <a:ext uri="{28A0092B-C50C-407E-A947-70E740481C1C}">
+                <a14:useLocalDpi xmlns:a14="http://schemas.microsoft.com/office/drawing/2010/main" val="0"/>
+              </a:ext>
+            </a:extLst>
+          </a:blip>
+          <a:stretch>
+            <a:fillRect/>
+          </a:stretch>
+        </p:blipFill>
+        <p:spPr>
+          <a:xfrm>
+            <a:off x="5076056" y="977070"/>
+            <a:ext cx="1898919" cy="487809"/>
+          </a:xfrm>
+          <a:prstGeom prst="rect">
+            <a:avLst/>
+          </a:prstGeom>
+        </p:spPr>
+      </p:pic>
+      <p:pic>
+        <p:nvPicPr>
+          <p:cNvPr id="9" name="Рисунок 8">
+            <a:extLst>
+              <a:ext uri="{FF2B5EF4-FFF2-40B4-BE49-F238E27FC236}">
+                <a16:creationId xmlns:a16="http://schemas.microsoft.com/office/drawing/2014/main" id="{51D11A4C-E80B-4D41-93FA-6B830382954A}"/>
+              </a:ext>
+            </a:extLst>
+          </p:cNvPr>
+          <p:cNvPicPr>
+            <a:picLocks noChangeAspect="1"/>
+          </p:cNvPicPr>
+          <p:nvPr/>
+        </p:nvPicPr>
+        <p:blipFill>
+          <a:blip r:embed="rId5" cstate="print">
+            <a:extLst>
+              <a:ext uri="{28A0092B-C50C-407E-A947-70E740481C1C}">
+                <a14:useLocalDpi xmlns:a14="http://schemas.microsoft.com/office/drawing/2010/main" val="0"/>
+              </a:ext>
+            </a:extLst>
+          </a:blip>
+          <a:stretch>
+            <a:fillRect/>
+          </a:stretch>
+        </p:blipFill>
+        <p:spPr>
+          <a:xfrm>
+            <a:off x="1907704" y="1285597"/>
+            <a:ext cx="1808973" cy="1243669"/>
+          </a:xfrm>
+          <a:prstGeom prst="rect">
+            <a:avLst/>
+          </a:prstGeom>
+        </p:spPr>
+      </p:pic>
+      <p:pic>
+        <p:nvPicPr>
+          <p:cNvPr id="12" name="Рисунок 11">
+            <a:extLst>
+              <a:ext uri="{FF2B5EF4-FFF2-40B4-BE49-F238E27FC236}">
+                <a16:creationId xmlns:a16="http://schemas.microsoft.com/office/drawing/2014/main" id="{CC31AF82-B5B0-4C79-BCCF-1553666E7336}"/>
+              </a:ext>
+            </a:extLst>
+          </p:cNvPr>
+          <p:cNvPicPr>
+            <a:picLocks noChangeAspect="1"/>
+          </p:cNvPicPr>
+          <p:nvPr/>
+        </p:nvPicPr>
+        <p:blipFill rotWithShape="1">
+          <a:blip r:embed="rId6" cstate="print">
+            <a:extLst>
+              <a:ext uri="{28A0092B-C50C-407E-A947-70E740481C1C}">
+                <a14:useLocalDpi xmlns:a14="http://schemas.microsoft.com/office/drawing/2010/main" val="0"/>
+              </a:ext>
+            </a:extLst>
+          </a:blip>
+          <a:srcRect l="23625" t="21305" r="23848" b="10774"/>
+          <a:stretch/>
+        </p:blipFill>
+        <p:spPr>
+          <a:xfrm>
+            <a:off x="2041083" y="3029811"/>
+            <a:ext cx="1280819" cy="1656184"/>
+          </a:xfrm>
+          <a:prstGeom prst="rect">
+            <a:avLst/>
+          </a:prstGeom>
+        </p:spPr>
+      </p:pic>
+      <p:pic>
+        <p:nvPicPr>
+          <p:cNvPr id="16" name="Рисунок 15">
+            <a:extLst>
+              <a:ext uri="{FF2B5EF4-FFF2-40B4-BE49-F238E27FC236}">
+                <a16:creationId xmlns:a16="http://schemas.microsoft.com/office/drawing/2014/main" id="{5555D97A-02B2-4A9F-BDE4-4EC4E11F535F}"/>
+              </a:ext>
+            </a:extLst>
+          </p:cNvPr>
+          <p:cNvPicPr>
+            <a:picLocks noChangeAspect="1"/>
+          </p:cNvPicPr>
+          <p:nvPr/>
+        </p:nvPicPr>
+        <p:blipFill>
+          <a:blip r:embed="rId7" cstate="print">
+            <a:extLst>
+              <a:ext uri="{28A0092B-C50C-407E-A947-70E740481C1C}">
+                <a14:useLocalDpi xmlns:a14="http://schemas.microsoft.com/office/drawing/2010/main" val="0"/>
+              </a:ext>
+            </a:extLst>
+          </a:blip>
+          <a:stretch>
+            <a:fillRect/>
+          </a:stretch>
+        </p:blipFill>
+        <p:spPr>
+          <a:xfrm>
+            <a:off x="6876256" y="2155428"/>
+            <a:ext cx="1200300" cy="1200300"/>
+          </a:xfrm>
+          <a:prstGeom prst="rect">
+            <a:avLst/>
+          </a:prstGeom>
+        </p:spPr>
+      </p:pic>
+      <p:pic>
+        <p:nvPicPr>
+          <p:cNvPr id="22" name="Рисунок 21">
+            <a:extLst>
+              <a:ext uri="{FF2B5EF4-FFF2-40B4-BE49-F238E27FC236}">
+                <a16:creationId xmlns:a16="http://schemas.microsoft.com/office/drawing/2014/main" id="{519F355B-5FAC-4A10-9C23-AAABB88688DD}"/>
+              </a:ext>
+            </a:extLst>
+          </p:cNvPr>
+          <p:cNvPicPr>
+            <a:picLocks noChangeAspect="1"/>
+          </p:cNvPicPr>
+          <p:nvPr/>
+        </p:nvPicPr>
+        <p:blipFill>
+          <a:blip r:embed="rId8" cstate="print">
+            <a:extLst>
+              <a:ext uri="{28A0092B-C50C-407E-A947-70E740481C1C}">
+                <a14:useLocalDpi xmlns:a14="http://schemas.microsoft.com/office/drawing/2010/main" val="0"/>
+              </a:ext>
+            </a:extLst>
+          </a:blip>
+          <a:stretch>
+            <a:fillRect/>
+          </a:stretch>
+        </p:blipFill>
+        <p:spPr>
+          <a:xfrm>
+            <a:off x="4801379" y="4259885"/>
+            <a:ext cx="2448272" cy="460275"/>
+          </a:xfrm>
+          <a:prstGeom prst="rect">
+            <a:avLst/>
+          </a:prstGeom>
+        </p:spPr>
+      </p:pic>
+      <p:pic>
+        <p:nvPicPr>
+          <p:cNvPr id="28" name="Рисунок 27">
+            <a:extLst>
+              <a:ext uri="{FF2B5EF4-FFF2-40B4-BE49-F238E27FC236}">
+                <a16:creationId xmlns:a16="http://schemas.microsoft.com/office/drawing/2014/main" id="{4E89D951-3AED-4B6D-B40E-8FC96C6530FA}"/>
+              </a:ext>
+            </a:extLst>
+          </p:cNvPr>
+          <p:cNvPicPr>
+            <a:picLocks noChangeAspect="1"/>
+          </p:cNvPicPr>
+          <p:nvPr/>
+        </p:nvPicPr>
+        <p:blipFill rotWithShape="1">
+          <a:blip r:embed="rId9" cstate="print">
+            <a:duotone>
+              <a:schemeClr val="accent4">
+                <a:shade val="45000"/>
+                <a:satMod val="135000"/>
+              </a:schemeClr>
+              <a:prstClr val="white"/>
+            </a:duotone>
+            <a:extLst>
+              <a:ext uri="{BEBA8EAE-BF5A-486C-A8C5-ECC9F3942E4B}">
+                <a14:imgProps xmlns:a14="http://schemas.microsoft.com/office/drawing/2010/main">
+                  <a14:imgLayer r:embed="rId10">
+                    <a14:imgEffect>
+                      <a14:backgroundRemoval t="10000" b="90000" l="10000" r="90000">
+                        <a14:foregroundMark x1="33804" y1="75195" x2="33804" y2="75195"/>
+                        <a14:foregroundMark x1="33804" y1="75000" x2="33804" y2="75000"/>
+                        <a14:foregroundMark x1="66739" y1="74414" x2="66739" y2="74414"/>
+                      </a14:backgroundRemoval>
+                    </a14:imgEffect>
+                    <a14:imgEffect>
+                      <a14:saturation sat="400000"/>
+                    </a14:imgEffect>
+                  </a14:imgLayer>
+                </a14:imgProps>
+              </a:ext>
+              <a:ext uri="{28A0092B-C50C-407E-A947-70E740481C1C}">
+                <a14:useLocalDpi xmlns:a14="http://schemas.microsoft.com/office/drawing/2010/main" val="0"/>
+              </a:ext>
+            </a:extLst>
+          </a:blip>
+          <a:srcRect l="19722" t="19637" r="19469" b="18348"/>
+          <a:stretch/>
+        </p:blipFill>
+        <p:spPr>
+          <a:xfrm rot="20697375">
+            <a:off x="4328310" y="2527531"/>
+            <a:ext cx="1216235" cy="690295"/>
+          </a:xfrm>
+          <a:prstGeom prst="rect">
+            <a:avLst/>
+          </a:prstGeom>
+          <a:ln>
+            <a:noFill/>
+          </a:ln>
+          <a:effectLst>
+            <a:outerShdw blurRad="292100" dist="139700" dir="2700000" algn="tl" rotWithShape="0">
+              <a:srgbClr val="333333">
+                <a:alpha val="65000"/>
+              </a:srgbClr>
+            </a:outerShdw>
+          </a:effectLst>
+        </p:spPr>
+      </p:pic>
+      <p:sp>
+        <p:nvSpPr>
+          <p:cNvPr id="29" name="Овал 28">
+            <a:extLst>
+              <a:ext uri="{FF2B5EF4-FFF2-40B4-BE49-F238E27FC236}">
+                <a16:creationId xmlns:a16="http://schemas.microsoft.com/office/drawing/2014/main" id="{0950184B-B29B-453D-928A-5926113A7154}"/>
+              </a:ext>
+            </a:extLst>
+          </p:cNvPr>
+          <p:cNvSpPr/>
+          <p:nvPr/>
+        </p:nvSpPr>
+        <p:spPr>
+          <a:xfrm>
+            <a:off x="4209899" y="2198814"/>
+            <a:ext cx="1453056" cy="1453056"/>
+          </a:xfrm>
+          <a:prstGeom prst="ellipse">
+            <a:avLst/>
+          </a:prstGeom>
+          <a:noFill/>
+          <a:ln w="76200">
+            <a:prstDash val="lgDashDot"/>
+          </a:ln>
+        </p:spPr>
+        <p:style>
+          <a:lnRef idx="2">
+            <a:schemeClr val="dk1">
+              <a:shade val="50000"/>
+            </a:schemeClr>
+          </a:lnRef>
+          <a:fillRef idx="1">
+            <a:schemeClr val="dk1"/>
+          </a:fillRef>
+          <a:effectRef idx="0">
+            <a:schemeClr val="dk1"/>
+          </a:effectRef>
+          <a:fontRef idx="minor">
+            <a:schemeClr val="lt1"/>
+          </a:fontRef>
+        </p:style>
+        <p:txBody>
+          <a:bodyPr rtlCol="0" anchor="ctr"/>
+          <a:lstStyle/>
+          <a:p>
+            <a:pPr algn="ctr"/>
+            <a:endParaRPr lang="ru-RU"/>
+          </a:p>
+        </p:txBody>
+      </p:sp>
     </p:spTree>
     <p:extLst>
       <p:ext uri="{BB962C8B-B14F-4D97-AF65-F5344CB8AC3E}">
-        <p14:creationId xmlns:p14="http://schemas.microsoft.com/office/powerpoint/2010/main" val="2059591572"/>
+        <p14:creationId xmlns:p14="http://schemas.microsoft.com/office/powerpoint/2010/main" val="3749278077"/>
       </p:ext>
     </p:extLst>
   </p:cSld>
@@ -7736,7 +7763,7 @@
         </p:nvSpPr>
         <p:spPr>
           <a:xfrm>
-            <a:off x="1691680" y="1131590"/>
+            <a:off x="539552" y="-140932"/>
             <a:ext cx="6768752" cy="857250"/>
           </a:xfrm>
           <a:prstGeom prst="rect">
@@ -7775,7 +7802,7 @@
                 </a:solidFill>
                 <a:cs typeface="Adobe Hebrew" pitchFamily="18" charset="-79"/>
               </a:rPr>
-              <a:t>Этапы проекта, как менялись решения в ходе проекта, как проходили испытания</a:t>
+              <a:t>Скрин схемы, фотки протравки, фотка в коробке</a:t>
             </a:r>
           </a:p>
         </p:txBody>
@@ -7834,6 +7861,36 @@
           </a:p>
         </p:txBody>
       </p:sp>
+      <p:pic>
+        <p:nvPicPr>
+          <p:cNvPr id="8" name="Рисунок 7">
+            <a:extLst>
+              <a:ext uri="{FF2B5EF4-FFF2-40B4-BE49-F238E27FC236}">
+                <a16:creationId xmlns:a16="http://schemas.microsoft.com/office/drawing/2014/main" id="{B645E335-CE0C-4068-99AD-2C7AB455D6B4}"/>
+              </a:ext>
+            </a:extLst>
+          </p:cNvPr>
+          <p:cNvPicPr>
+            <a:picLocks noChangeAspect="1"/>
+          </p:cNvPicPr>
+          <p:nvPr/>
+        </p:nvPicPr>
+        <p:blipFill>
+          <a:blip r:embed="rId4"/>
+          <a:stretch>
+            <a:fillRect/>
+          </a:stretch>
+        </p:blipFill>
+        <p:spPr>
+          <a:xfrm>
+            <a:off x="1691680" y="1325207"/>
+            <a:ext cx="4322439" cy="2402032"/>
+          </a:xfrm>
+          <a:prstGeom prst="rect">
+            <a:avLst/>
+          </a:prstGeom>
+        </p:spPr>
+      </p:pic>
     </p:spTree>
     <p:extLst>
       <p:ext uri="{BB962C8B-B14F-4D97-AF65-F5344CB8AC3E}">
@@ -8081,7 +8138,7 @@
                 </a:solidFill>
                 <a:cs typeface="Adobe Hebrew" pitchFamily="18" charset="-79"/>
               </a:rPr>
-              <a:t>Этапы проекта, как менялись решения в ходе проекта, как проходили испытания</a:t>
+              <a:t>Скрин кучи фоток, скрин обучения сети</a:t>
             </a:r>
           </a:p>
         </p:txBody>
@@ -8387,7 +8444,43 @@
                 </a:solidFill>
                 <a:cs typeface="Adobe Hebrew" pitchFamily="18" charset="-79"/>
               </a:rPr>
-              <a:t>Этапы проекта, как менялись решения в ходе проекта, как проходили испытания</a:t>
+              <a:t>Скрины/видео, </a:t>
+            </a:r>
+            <a:r>
+              <a:rPr lang="en-US" sz="2400" dirty="0" err="1">
+                <a:solidFill>
+                  <a:schemeClr val="tx1">
+                    <a:lumMod val="75000"/>
+                    <a:lumOff val="25000"/>
+                  </a:schemeClr>
+                </a:solidFill>
+                <a:cs typeface="Adobe Hebrew" pitchFamily="18" charset="-79"/>
+              </a:rPr>
+              <a:t>qr</a:t>
+            </a:r>
+            <a:r>
+              <a:rPr lang="en-US" sz="2400" dirty="0">
+                <a:solidFill>
+                  <a:schemeClr val="tx1">
+                    <a:lumMod val="75000"/>
+                    <a:lumOff val="25000"/>
+                  </a:schemeClr>
+                </a:solidFill>
+                <a:cs typeface="Adobe Hebrew" pitchFamily="18" charset="-79"/>
+              </a:rPr>
+              <a:t> </a:t>
+            </a:r>
+            <a:r>
+              <a:rPr lang="ru-RU" sz="2400" dirty="0">
+                <a:solidFill>
+                  <a:schemeClr val="tx1">
+                    <a:lumMod val="75000"/>
+                    <a:lumOff val="25000"/>
+                  </a:schemeClr>
+                </a:solidFill>
+                <a:cs typeface="Adobe Hebrew" pitchFamily="18" charset="-79"/>
+              </a:rPr>
+              <a:t>код</a:t>
             </a:r>
           </a:p>
         </p:txBody>
@@ -8488,7 +8581,7 @@
         </p:nvSpPr>
         <p:spPr>
           <a:xfrm>
-            <a:off x="1403648" y="43913"/>
+            <a:off x="1403648" y="202332"/>
             <a:ext cx="6768752" cy="857250"/>
           </a:xfrm>
         </p:spPr>
@@ -8505,7 +8598,7 @@
                 </a:solidFill>
                 <a:cs typeface="Adobe Hebrew" pitchFamily="18" charset="-79"/>
               </a:rPr>
-              <a:t>Результаты проекта</a:t>
+              <a:t>Ошибки проекта</a:t>
             </a:r>
             <a:endParaRPr lang="ru-RU" sz="3100" dirty="0">
               <a:solidFill>
@@ -8654,7 +8747,118 @@
         </p:nvSpPr>
         <p:spPr>
           <a:xfrm>
-            <a:off x="1691680" y="1131590"/>
+            <a:off x="1691680" y="1309682"/>
+            <a:ext cx="6768752" cy="857250"/>
+          </a:xfrm>
+          <a:prstGeom prst="rect">
+            <a:avLst/>
+          </a:prstGeom>
+        </p:spPr>
+        <p:txBody>
+          <a:bodyPr vert="horz" lIns="91440" tIns="45720" rIns="91440" bIns="45720" rtlCol="0" anchor="t">
+            <a:normAutofit/>
+          </a:bodyPr>
+          <a:lstStyle>
+            <a:lvl1pPr algn="ctr" defTabSz="914400" rtl="0" eaLnBrk="1" latinLnBrk="0" hangingPunct="1">
+              <a:spcBef>
+                <a:spcPct val="0"/>
+              </a:spcBef>
+              <a:buNone/>
+              <a:defRPr sz="4400" kern="1200">
+                <a:solidFill>
+                  <a:schemeClr val="tx1"/>
+                </a:solidFill>
+                <a:latin typeface="+mj-lt"/>
+                <a:ea typeface="+mj-ea"/>
+                <a:cs typeface="+mj-cs"/>
+              </a:defRPr>
+            </a:lvl1pPr>
+          </a:lstStyle>
+          <a:p>
+            <a:pPr algn="l"/>
+            <a:endParaRPr lang="ru-RU" sz="2400" dirty="0">
+              <a:solidFill>
+                <a:schemeClr val="tx1">
+                  <a:lumMod val="75000"/>
+                  <a:lumOff val="25000"/>
+                </a:schemeClr>
+              </a:solidFill>
+              <a:cs typeface="Adobe Hebrew" pitchFamily="18" charset="-79"/>
+            </a:endParaRPr>
+          </a:p>
+        </p:txBody>
+      </p:sp>
+      <p:sp>
+        <p:nvSpPr>
+          <p:cNvPr id="7" name="Прямоугольник 6"/>
+          <p:cNvSpPr/>
+          <p:nvPr/>
+        </p:nvSpPr>
+        <p:spPr>
+          <a:xfrm>
+            <a:off x="7906161" y="26766"/>
+            <a:ext cx="1237839" cy="584775"/>
+          </a:xfrm>
+          <a:prstGeom prst="rect">
+            <a:avLst/>
+          </a:prstGeom>
+        </p:spPr>
+        <p:txBody>
+          <a:bodyPr wrap="none">
+            <a:spAutoFit/>
+          </a:bodyPr>
+          <a:lstStyle/>
+          <a:p>
+            <a:r>
+              <a:rPr lang="ru-RU" sz="3200" b="1" dirty="0">
+                <a:solidFill>
+                  <a:schemeClr val="bg1">
+                    <a:lumMod val="50000"/>
+                  </a:schemeClr>
+                </a:solidFill>
+                <a:cs typeface="Adobe Hebrew" pitchFamily="18" charset="-79"/>
+              </a:rPr>
+              <a:t>№ :0</a:t>
+            </a:r>
+            <a:r>
+              <a:rPr lang="en-US" sz="3200" b="1" dirty="0">
+                <a:solidFill>
+                  <a:schemeClr val="bg1">
+                    <a:lumMod val="50000"/>
+                  </a:schemeClr>
+                </a:solidFill>
+                <a:cs typeface="Adobe Hebrew" pitchFamily="18" charset="-79"/>
+              </a:rPr>
+              <a:t>3</a:t>
+            </a:r>
+            <a:endParaRPr lang="ru-RU" sz="3200" b="1" dirty="0">
+              <a:solidFill>
+                <a:schemeClr val="bg1">
+                  <a:lumMod val="50000"/>
+                </a:schemeClr>
+              </a:solidFill>
+              <a:cs typeface="Adobe Hebrew" pitchFamily="18" charset="-79"/>
+            </a:endParaRPr>
+          </a:p>
+        </p:txBody>
+      </p:sp>
+      <p:sp>
+        <p:nvSpPr>
+          <p:cNvPr id="9" name="Заголовок 1">
+            <a:extLst>
+              <a:ext uri="{FF2B5EF4-FFF2-40B4-BE49-F238E27FC236}">
+                <a16:creationId xmlns:a16="http://schemas.microsoft.com/office/drawing/2014/main" id="{A979AAE5-4DCF-4162-9125-5B3DEA1BC048}"/>
+              </a:ext>
+            </a:extLst>
+          </p:cNvPr>
+          <p:cNvSpPr txBox="1">
+            <a:spLocks/>
+          </p:cNvSpPr>
+          <p:nvPr/>
+        </p:nvSpPr>
+        <p:spPr>
+          <a:xfrm>
+            <a:off x="1691680" y="1235148"/>
             <a:ext cx="6768752" cy="857250"/>
           </a:xfrm>
           <a:prstGeom prst="rect">
@@ -8693,69 +8897,15 @@
                 </a:solidFill>
                 <a:cs typeface="Adobe Hebrew" pitchFamily="18" charset="-79"/>
               </a:rPr>
-              <a:t>Оценка результатов проекта</a:t>
-            </a:r>
-          </a:p>
-        </p:txBody>
-      </p:sp>
-      <p:sp>
-        <p:nvSpPr>
-          <p:cNvPr id="7" name="Прямоугольник 6"/>
-          <p:cNvSpPr/>
-          <p:nvPr/>
-        </p:nvSpPr>
-        <p:spPr>
-          <a:xfrm>
-            <a:off x="7906161" y="26766"/>
-            <a:ext cx="1237839" cy="584775"/>
-          </a:xfrm>
-          <a:prstGeom prst="rect">
-            <a:avLst/>
-          </a:prstGeom>
-        </p:spPr>
-        <p:txBody>
-          <a:bodyPr wrap="none">
-            <a:spAutoFit/>
-          </a:bodyPr>
-          <a:lstStyle/>
-          <a:p>
-            <a:r>
-              <a:rPr lang="ru-RU" sz="3200" b="1" dirty="0">
-                <a:solidFill>
-                  <a:schemeClr val="bg1">
-                    <a:lumMod val="50000"/>
-                  </a:schemeClr>
-                </a:solidFill>
-                <a:cs typeface="Adobe Hebrew" pitchFamily="18" charset="-79"/>
-              </a:rPr>
-              <a:t>№ :0</a:t>
-            </a:r>
-            <a:r>
-              <a:rPr lang="en-US" sz="3200" b="1" dirty="0">
-                <a:solidFill>
-                  <a:schemeClr val="bg1">
-                    <a:lumMod val="50000"/>
-                  </a:schemeClr>
-                </a:solidFill>
-                <a:cs typeface="Adobe Hebrew" pitchFamily="18" charset="-79"/>
-              </a:rPr>
-              <a:t>3</a:t>
-            </a:r>
-            <a:endParaRPr lang="ru-RU" sz="3200" b="1" dirty="0">
-              <a:solidFill>
-                <a:schemeClr val="bg1">
-                  <a:lumMod val="50000"/>
-                </a:schemeClr>
-              </a:solidFill>
-              <a:cs typeface="Adobe Hebrew" pitchFamily="18" charset="-79"/>
-            </a:endParaRPr>
+              <a:t>Вика напишет</a:t>
+            </a:r>
           </a:p>
         </p:txBody>
       </p:sp>
     </p:spTree>
     <p:extLst>
       <p:ext uri="{BB962C8B-B14F-4D97-AF65-F5344CB8AC3E}">
-        <p14:creationId xmlns:p14="http://schemas.microsoft.com/office/powerpoint/2010/main" val="1981453422"/>
+        <p14:creationId xmlns:p14="http://schemas.microsoft.com/office/powerpoint/2010/main" val="853546668"/>
       </p:ext>
     </p:extLst>
   </p:cSld>

--- a/преза.pptx
+++ b/преза.pptx
@@ -3904,9 +3904,7 @@
           <a:ln>
             <a:noFill/>
           </a:ln>
-          <a:effectLst>
-            <a:reflection blurRad="12700" stA="38000" endPos="28000" dist="5000" dir="5400000" sy="-100000" algn="bl" rotWithShape="0"/>
-          </a:effectLst>
+          <a:effectLst/>
         </p:spPr>
       </p:pic>
       <p:pic>
@@ -3952,9 +3950,7 @@
           <a:ln>
             <a:noFill/>
           </a:ln>
-          <a:effectLst>
-            <a:reflection blurRad="12700" stA="38000" endPos="28000" dist="5000" dir="5400000" sy="-100000" algn="bl" rotWithShape="0"/>
-          </a:effectLst>
+          <a:effectLst/>
         </p:spPr>
       </p:pic>
       <p:pic>
@@ -4001,9 +3997,7 @@
           <a:ln>
             <a:noFill/>
           </a:ln>
-          <a:effectLst>
-            <a:reflection blurRad="12700" stA="38000" endPos="28000" dist="5000" dir="5400000" sy="-100000" algn="bl" rotWithShape="0"/>
-          </a:effectLst>
+          <a:effectLst/>
         </p:spPr>
       </p:pic>
       <p:pic>
@@ -4050,9 +4044,7 @@
           <a:ln>
             <a:noFill/>
           </a:ln>
-          <a:effectLst>
-            <a:reflection blurRad="12700" stA="38000" endPos="28000" dist="5000" dir="5400000" sy="-100000" algn="bl" rotWithShape="0"/>
-          </a:effectLst>
+          <a:effectLst/>
         </p:spPr>
       </p:pic>
       <p:pic>
@@ -4099,9 +4091,7 @@
           <a:ln>
             <a:noFill/>
           </a:ln>
-          <a:effectLst>
-            <a:reflection blurRad="12700" stA="38000" endPos="28000" dist="5000" dir="5400000" sy="-100000" algn="bl" rotWithShape="0"/>
-          </a:effectLst>
+          <a:effectLst/>
         </p:spPr>
       </p:pic>
       <p:sp>
@@ -6170,14 +6160,35 @@
           <a:lstStyle/>
           <a:p>
             <a:r>
-              <a:rPr lang="ru-RU" sz="1600" i="1" dirty="0"/>
+              <a:rPr lang="ru-RU" sz="1600" i="1" dirty="0">
+                <a:solidFill>
+                  <a:schemeClr val="tx1">
+                    <a:lumMod val="75000"/>
+                    <a:lumOff val="25000"/>
+                  </a:schemeClr>
+                </a:solidFill>
+              </a:rPr>
               <a:t>Сервис </a:t>
             </a:r>
             <a:r>
-              <a:rPr lang="en-US" sz="1600" i="1" dirty="0"/>
+              <a:rPr lang="en-US" sz="1600" i="1" dirty="0">
+                <a:solidFill>
+                  <a:schemeClr val="tx1">
+                    <a:lumMod val="75000"/>
+                    <a:lumOff val="25000"/>
+                  </a:schemeClr>
+                </a:solidFill>
+              </a:rPr>
               <a:t>MarineTraffic</a:t>
             </a:r>
-            <a:endParaRPr lang="ru-RU" sz="1600" i="1" dirty="0"/>
+            <a:endParaRPr lang="ru-RU" sz="1600" i="1" dirty="0">
+              <a:solidFill>
+                <a:schemeClr val="tx1">
+                  <a:lumMod val="75000"/>
+                  <a:lumOff val="25000"/>
+                </a:schemeClr>
+              </a:solidFill>
+            </a:endParaRPr>
           </a:p>
         </p:txBody>
       </p:sp>
@@ -6260,7 +6271,14 @@
               <a:buChar char="v"/>
             </a:pPr>
             <a:r>
-              <a:rPr lang="ru-RU" dirty="0"/>
+              <a:rPr lang="ru-RU" dirty="0">
+                <a:solidFill>
+                  <a:schemeClr val="tx1">
+                    <a:lumMod val="75000"/>
+                    <a:lumOff val="25000"/>
+                  </a:schemeClr>
+                </a:solidFill>
+              </a:rPr>
               <a:t>Платное отслеживание подробной информации ⇒</a:t>
             </a:r>
           </a:p>
@@ -6270,7 +6288,14 @@
               <a:buChar char="v"/>
             </a:pPr>
             <a:r>
-              <a:rPr lang="ru-RU" dirty="0"/>
+              <a:rPr lang="ru-RU" dirty="0">
+                <a:solidFill>
+                  <a:schemeClr val="tx1">
+                    <a:lumMod val="75000"/>
+                    <a:lumOff val="25000"/>
+                  </a:schemeClr>
+                </a:solidFill>
+              </a:rPr>
               <a:t>Невозможность использования всеми категориями пользователей</a:t>
             </a:r>
           </a:p>
@@ -7286,7 +7311,7 @@
         </p:blipFill>
         <p:spPr>
           <a:xfrm>
-            <a:off x="5076056" y="977070"/>
+            <a:off x="6286836" y="3806215"/>
             <a:ext cx="1898919" cy="487809"/>
           </a:xfrm>
           <a:prstGeom prst="rect">
@@ -7322,7 +7347,7 @@
         </p:blipFill>
         <p:spPr>
           <a:xfrm>
-            <a:off x="1907704" y="1285597"/>
+            <a:off x="2276667" y="1093380"/>
             <a:ext cx="1808973" cy="1243669"/>
           </a:xfrm>
           <a:prstGeom prst="rect">
@@ -7357,8 +7382,8 @@
         </p:blipFill>
         <p:spPr>
           <a:xfrm>
-            <a:off x="2041083" y="3029811"/>
-            <a:ext cx="1280819" cy="1656184"/>
+            <a:off x="1818894" y="2177687"/>
+            <a:ext cx="1161233" cy="1501551"/>
           </a:xfrm>
           <a:prstGeom prst="rect">
             <a:avLst/>
@@ -7393,8 +7418,8 @@
         </p:blipFill>
         <p:spPr>
           <a:xfrm>
-            <a:off x="6876256" y="2155428"/>
-            <a:ext cx="1200300" cy="1200300"/>
+            <a:off x="4860032" y="834084"/>
+            <a:ext cx="962571" cy="962571"/>
           </a:xfrm>
           <a:prstGeom prst="rect">
             <a:avLst/>
@@ -7429,7 +7454,7 @@
         </p:blipFill>
         <p:spPr>
           <a:xfrm>
-            <a:off x="4801379" y="4259885"/>
+            <a:off x="6317888" y="1614796"/>
             <a:ext cx="2448272" cy="460275"/>
           </a:xfrm>
           <a:prstGeom prst="rect">
@@ -7555,6 +7580,132 @@
           </a:p>
         </p:txBody>
       </p:sp>
+      <p:pic>
+        <p:nvPicPr>
+          <p:cNvPr id="6" name="Рисунок 5">
+            <a:extLst>
+              <a:ext uri="{FF2B5EF4-FFF2-40B4-BE49-F238E27FC236}">
+                <a16:creationId xmlns:a16="http://schemas.microsoft.com/office/drawing/2014/main" id="{EBDA7166-E54D-442A-91C0-8D3BF823E118}"/>
+              </a:ext>
+            </a:extLst>
+          </p:cNvPr>
+          <p:cNvPicPr>
+            <a:picLocks noChangeAspect="1"/>
+          </p:cNvPicPr>
+          <p:nvPr/>
+        </p:nvPicPr>
+        <p:blipFill>
+          <a:blip r:embed="rId11" cstate="print">
+            <a:extLst>
+              <a:ext uri="{28A0092B-C50C-407E-A947-70E740481C1C}">
+                <a14:useLocalDpi xmlns:a14="http://schemas.microsoft.com/office/drawing/2010/main" val="0"/>
+              </a:ext>
+            </a:extLst>
+          </a:blip>
+          <a:stretch>
+            <a:fillRect/>
+          </a:stretch>
+        </p:blipFill>
+        <p:spPr>
+          <a:xfrm>
+            <a:off x="4757262" y="4180384"/>
+            <a:ext cx="769137" cy="769137"/>
+          </a:xfrm>
+          <a:prstGeom prst="rect">
+            <a:avLst/>
+          </a:prstGeom>
+        </p:spPr>
+      </p:pic>
+      <p:pic>
+        <p:nvPicPr>
+          <p:cNvPr id="10" name="Рисунок 9">
+            <a:extLst>
+              <a:ext uri="{FF2B5EF4-FFF2-40B4-BE49-F238E27FC236}">
+                <a16:creationId xmlns:a16="http://schemas.microsoft.com/office/drawing/2014/main" id="{0C9BACDE-A997-4221-8A17-7825FA912C50}"/>
+              </a:ext>
+            </a:extLst>
+          </p:cNvPr>
+          <p:cNvPicPr>
+            <a:picLocks noChangeAspect="1"/>
+          </p:cNvPicPr>
+          <p:nvPr/>
+        </p:nvPicPr>
+        <p:blipFill>
+          <a:blip r:embed="rId12">
+            <a:extLst>
+              <a:ext uri="{BEBA8EAE-BF5A-486C-A8C5-ECC9F3942E4B}">
+                <a14:imgProps xmlns:a14="http://schemas.microsoft.com/office/drawing/2010/main">
+                  <a14:imgLayer r:embed="rId13">
+                    <a14:imgEffect>
+                      <a14:sharpenSoften amount="50000"/>
+                    </a14:imgEffect>
+                  </a14:imgLayer>
+                </a14:imgProps>
+              </a:ext>
+              <a:ext uri="{28A0092B-C50C-407E-A947-70E740481C1C}">
+                <a14:useLocalDpi xmlns:a14="http://schemas.microsoft.com/office/drawing/2010/main" val="0"/>
+              </a:ext>
+            </a:extLst>
+          </a:blip>
+          <a:stretch>
+            <a:fillRect/>
+          </a:stretch>
+        </p:blipFill>
+        <p:spPr>
+          <a:xfrm>
+            <a:off x="7033595" y="2364249"/>
+            <a:ext cx="1016857" cy="1016857"/>
+          </a:xfrm>
+          <a:prstGeom prst="rect">
+            <a:avLst/>
+          </a:prstGeom>
+        </p:spPr>
+      </p:pic>
+      <p:pic>
+        <p:nvPicPr>
+          <p:cNvPr id="14" name="Рисунок 13">
+            <a:extLst>
+              <a:ext uri="{FF2B5EF4-FFF2-40B4-BE49-F238E27FC236}">
+                <a16:creationId xmlns:a16="http://schemas.microsoft.com/office/drawing/2014/main" id="{7219BFFB-E777-4BFD-BF35-74173D7A2878}"/>
+              </a:ext>
+            </a:extLst>
+          </p:cNvPr>
+          <p:cNvPicPr>
+            <a:picLocks noChangeAspect="1"/>
+          </p:cNvPicPr>
+          <p:nvPr/>
+        </p:nvPicPr>
+        <p:blipFill>
+          <a:blip r:embed="rId14">
+            <a:extLst>
+              <a:ext uri="{BEBA8EAE-BF5A-486C-A8C5-ECC9F3942E4B}">
+                <a14:imgProps xmlns:a14="http://schemas.microsoft.com/office/drawing/2010/main">
+                  <a14:imgLayer r:embed="rId15">
+                    <a14:imgEffect>
+                      <a14:sharpenSoften amount="50000"/>
+                    </a14:imgEffect>
+                  </a14:imgLayer>
+                </a14:imgProps>
+              </a:ext>
+              <a:ext uri="{28A0092B-C50C-407E-A947-70E740481C1C}">
+                <a14:useLocalDpi xmlns:a14="http://schemas.microsoft.com/office/drawing/2010/main" val="0"/>
+              </a:ext>
+            </a:extLst>
+          </a:blip>
+          <a:stretch>
+            <a:fillRect/>
+          </a:stretch>
+        </p:blipFill>
+        <p:spPr>
+          <a:xfrm>
+            <a:off x="2104151" y="4050120"/>
+            <a:ext cx="2384884" cy="464924"/>
+          </a:xfrm>
+          <a:prstGeom prst="rect">
+            <a:avLst/>
+          </a:prstGeom>
+        </p:spPr>
+      </p:pic>
     </p:spTree>
     <p:extLst>
       <p:ext uri="{BB962C8B-B14F-4D97-AF65-F5344CB8AC3E}">
@@ -7585,6 +7736,36 @@
           <a:chExt cx="0" cy="0"/>
         </a:xfrm>
       </p:grpSpPr>
+      <p:pic>
+        <p:nvPicPr>
+          <p:cNvPr id="10" name="Рисунок 9">
+            <a:extLst>
+              <a:ext uri="{FF2B5EF4-FFF2-40B4-BE49-F238E27FC236}">
+                <a16:creationId xmlns:a16="http://schemas.microsoft.com/office/drawing/2014/main" id="{4861E471-0561-49B6-84E0-933A9A78C9FA}"/>
+              </a:ext>
+            </a:extLst>
+          </p:cNvPr>
+          <p:cNvPicPr>
+            <a:picLocks noChangeAspect="1"/>
+          </p:cNvPicPr>
+          <p:nvPr/>
+        </p:nvPicPr>
+        <p:blipFill>
+          <a:blip r:embed="rId2"/>
+          <a:stretch>
+            <a:fillRect/>
+          </a:stretch>
+        </p:blipFill>
+        <p:spPr>
+          <a:xfrm>
+            <a:off x="6012160" y="1475870"/>
+            <a:ext cx="2749534" cy="1383912"/>
+          </a:xfrm>
+          <a:prstGeom prst="rect">
+            <a:avLst/>
+          </a:prstGeom>
+        </p:spPr>
+      </p:pic>
       <p:sp>
         <p:nvSpPr>
           <p:cNvPr id="2" name="Заголовок 1"/>
@@ -7634,7 +7815,7 @@
           <p:nvPr/>
         </p:nvPicPr>
         <p:blipFill>
-          <a:blip r:embed="rId2" cstate="print">
+          <a:blip r:embed="rId3" cstate="print">
             <a:extLst>
               <a:ext uri="{28A0092B-C50C-407E-A947-70E740481C1C}">
                 <a14:useLocalDpi xmlns:a14="http://schemas.microsoft.com/office/drawing/2010/main" val="0"/>
@@ -7698,7 +7879,7 @@
           <p:nvPr/>
         </p:nvPicPr>
         <p:blipFill>
-          <a:blip r:embed="rId3">
+          <a:blip r:embed="rId4">
             <a:extLst>
               <a:ext uri="{28A0092B-C50C-407E-A947-70E740481C1C}">
                 <a14:useLocalDpi xmlns:a14="http://schemas.microsoft.com/office/drawing/2010/main" val="0"/>
@@ -7755,7 +7936,106 @@
       </p:pic>
       <p:sp>
         <p:nvSpPr>
-          <p:cNvPr id="6" name="Заголовок 1"/>
+          <p:cNvPr id="7" name="Прямоугольник 6"/>
+          <p:cNvSpPr/>
+          <p:nvPr/>
+        </p:nvSpPr>
+        <p:spPr>
+          <a:xfrm>
+            <a:off x="7906161" y="26766"/>
+            <a:ext cx="1237839" cy="584775"/>
+          </a:xfrm>
+          <a:prstGeom prst="rect">
+            <a:avLst/>
+          </a:prstGeom>
+        </p:spPr>
+        <p:txBody>
+          <a:bodyPr wrap="none">
+            <a:spAutoFit/>
+          </a:bodyPr>
+          <a:lstStyle/>
+          <a:p>
+            <a:r>
+              <a:rPr lang="ru-RU" sz="3200" b="1" dirty="0">
+                <a:solidFill>
+                  <a:schemeClr val="bg1">
+                    <a:lumMod val="50000"/>
+                  </a:schemeClr>
+                </a:solidFill>
+                <a:cs typeface="Adobe Hebrew" pitchFamily="18" charset="-79"/>
+              </a:rPr>
+              <a:t>№ :0</a:t>
+            </a:r>
+            <a:r>
+              <a:rPr lang="en-US" sz="3200" b="1" dirty="0">
+                <a:solidFill>
+                  <a:schemeClr val="bg1">
+                    <a:lumMod val="50000"/>
+                  </a:schemeClr>
+                </a:solidFill>
+                <a:cs typeface="Adobe Hebrew" pitchFamily="18" charset="-79"/>
+              </a:rPr>
+              <a:t>3</a:t>
+            </a:r>
+            <a:endParaRPr lang="ru-RU" sz="3200" b="1" dirty="0">
+              <a:solidFill>
+                <a:schemeClr val="bg1">
+                  <a:lumMod val="50000"/>
+                </a:schemeClr>
+              </a:solidFill>
+              <a:cs typeface="Adobe Hebrew" pitchFamily="18" charset="-79"/>
+            </a:endParaRPr>
+          </a:p>
+        </p:txBody>
+      </p:sp>
+      <p:pic>
+        <p:nvPicPr>
+          <p:cNvPr id="8" name="Рисунок 7">
+            <a:extLst>
+              <a:ext uri="{FF2B5EF4-FFF2-40B4-BE49-F238E27FC236}">
+                <a16:creationId xmlns:a16="http://schemas.microsoft.com/office/drawing/2014/main" id="{B645E335-CE0C-4068-99AD-2C7AB455D6B4}"/>
+              </a:ext>
+            </a:extLst>
+          </p:cNvPr>
+          <p:cNvPicPr>
+            <a:picLocks noChangeAspect="1"/>
+          </p:cNvPicPr>
+          <p:nvPr/>
+        </p:nvPicPr>
+        <p:blipFill rotWithShape="1">
+          <a:blip r:embed="rId5"/>
+          <a:srcRect l="6664"/>
+          <a:stretch/>
+        </p:blipFill>
+        <p:spPr>
+          <a:xfrm>
+            <a:off x="1475656" y="1923678"/>
+            <a:ext cx="4034407" cy="2402032"/>
+          </a:xfrm>
+          <a:prstGeom prst="rect">
+            <a:avLst/>
+          </a:prstGeom>
+          <a:ln>
+            <a:noFill/>
+          </a:ln>
+          <a:effectLst>
+            <a:outerShdw blurRad="190500" algn="tl" rotWithShape="0">
+              <a:srgbClr val="000000">
+                <a:alpha val="70000"/>
+              </a:srgbClr>
+            </a:outerShdw>
+          </a:effectLst>
+        </p:spPr>
+      </p:pic>
+      <p:sp>
+        <p:nvSpPr>
+          <p:cNvPr id="9" name="Заголовок 1">
+            <a:extLst>
+              <a:ext uri="{FF2B5EF4-FFF2-40B4-BE49-F238E27FC236}">
+                <a16:creationId xmlns:a16="http://schemas.microsoft.com/office/drawing/2014/main" id="{6283BBB5-6EA7-4F9E-B69A-F389BF88979C}"/>
+              </a:ext>
+            </a:extLst>
+          </p:cNvPr>
           <p:cNvSpPr txBox="1">
             <a:spLocks/>
           </p:cNvSpPr>
@@ -7763,8 +8043,8 @@
         </p:nvSpPr>
         <p:spPr>
           <a:xfrm>
-            <a:off x="539552" y="-140932"/>
-            <a:ext cx="6768752" cy="857250"/>
+            <a:off x="2772286" y="4371950"/>
+            <a:ext cx="1368152" cy="317225"/>
           </a:xfrm>
           <a:prstGeom prst="rect">
             <a:avLst/>
@@ -7772,7 +8052,7 @@
         </p:spPr>
         <p:txBody>
           <a:bodyPr vert="horz" lIns="91440" tIns="45720" rIns="91440" bIns="45720" rtlCol="0" anchor="ctr">
-            <a:normAutofit/>
+            <a:normAutofit lnSpcReduction="10000"/>
           </a:bodyPr>
           <a:lstStyle>
             <a:lvl1pPr algn="ctr" defTabSz="914400" rtl="0" eaLnBrk="1" latinLnBrk="0" hangingPunct="1">
@@ -7793,7 +8073,7 @@
           <a:p>
             <a:pPr algn="l"/>
             <a:r>
-              <a:rPr lang="ru-RU" sz="2400" dirty="0">
+              <a:rPr lang="ru-RU" sz="1600" i="1" dirty="0">
                 <a:solidFill>
                   <a:schemeClr val="tx1">
                     <a:lumMod val="75000"/>
@@ -7802,58 +8082,25 @@
                 </a:solidFill>
                 <a:cs typeface="Adobe Hebrew" pitchFamily="18" charset="-79"/>
               </a:rPr>
-              <a:t>Скрин схемы, фотки протравки, фотка в коробке</a:t>
-            </a:r>
-          </a:p>
-        </p:txBody>
-      </p:sp>
-      <p:sp>
-        <p:nvSpPr>
-          <p:cNvPr id="7" name="Прямоугольник 6"/>
-          <p:cNvSpPr/>
-          <p:nvPr/>
-        </p:nvSpPr>
-        <p:spPr>
-          <a:xfrm>
-            <a:off x="7906161" y="26766"/>
-            <a:ext cx="1237839" cy="584775"/>
-          </a:xfrm>
-          <a:prstGeom prst="rect">
-            <a:avLst/>
-          </a:prstGeom>
-        </p:spPr>
-        <p:txBody>
-          <a:bodyPr wrap="none">
-            <a:spAutoFit/>
-          </a:bodyPr>
-          <a:lstStyle/>
-          <a:p>
-            <a:r>
-              <a:rPr lang="ru-RU" sz="3200" b="1" dirty="0">
-                <a:solidFill>
-                  <a:schemeClr val="bg1">
-                    <a:lumMod val="50000"/>
+              <a:t>Схема в </a:t>
+            </a:r>
+            <a:r>
+              <a:rPr lang="en-US" sz="1600" i="1" dirty="0" err="1">
+                <a:solidFill>
+                  <a:schemeClr val="tx1">
+                    <a:lumMod val="75000"/>
+                    <a:lumOff val="25000"/>
                   </a:schemeClr>
                 </a:solidFill>
                 <a:cs typeface="Adobe Hebrew" pitchFamily="18" charset="-79"/>
               </a:rPr>
-              <a:t>№ :0</a:t>
-            </a:r>
-            <a:r>
-              <a:rPr lang="en-US" sz="3200" b="1" dirty="0">
-                <a:solidFill>
-                  <a:schemeClr val="bg1">
-                    <a:lumMod val="50000"/>
-                  </a:schemeClr>
-                </a:solidFill>
-                <a:cs typeface="Adobe Hebrew" pitchFamily="18" charset="-79"/>
-              </a:rPr>
-              <a:t>3</a:t>
-            </a:r>
-            <a:endParaRPr lang="ru-RU" sz="3200" b="1" dirty="0">
+              <a:t>Kicad</a:t>
+            </a:r>
+            <a:endParaRPr lang="ru-RU" sz="1600" i="1" dirty="0">
               <a:solidFill>
-                <a:schemeClr val="bg1">
-                  <a:lumMod val="50000"/>
+                <a:schemeClr val="tx1">
+                  <a:lumMod val="75000"/>
+                  <a:lumOff val="25000"/>
                 </a:schemeClr>
               </a:solidFill>
               <a:cs typeface="Adobe Hebrew" pitchFamily="18" charset="-79"/>
@@ -7863,10 +8110,10 @@
       </p:sp>
       <p:pic>
         <p:nvPicPr>
-          <p:cNvPr id="8" name="Рисунок 7">
+          <p:cNvPr id="4" name="Рисунок 3">
             <a:extLst>
               <a:ext uri="{FF2B5EF4-FFF2-40B4-BE49-F238E27FC236}">
-                <a16:creationId xmlns:a16="http://schemas.microsoft.com/office/drawing/2014/main" id="{B645E335-CE0C-4068-99AD-2C7AB455D6B4}"/>
+                <a16:creationId xmlns:a16="http://schemas.microsoft.com/office/drawing/2014/main" id="{143467AB-8D47-404F-9AD0-BA0288747619}"/>
               </a:ext>
             </a:extLst>
           </p:cNvPr>
@@ -7876,15 +8123,261 @@
           <p:nvPr/>
         </p:nvPicPr>
         <p:blipFill>
-          <a:blip r:embed="rId4"/>
+          <a:blip r:embed="rId2"/>
           <a:stretch>
             <a:fillRect/>
           </a:stretch>
         </p:blipFill>
         <p:spPr>
           <a:xfrm>
-            <a:off x="1691680" y="1325207"/>
-            <a:ext cx="4322439" cy="2402032"/>
+            <a:off x="6012160" y="3363838"/>
+            <a:ext cx="2749534" cy="1383912"/>
+          </a:xfrm>
+          <a:prstGeom prst="rect">
+            <a:avLst/>
+          </a:prstGeom>
+        </p:spPr>
+      </p:pic>
+      <p:sp>
+        <p:nvSpPr>
+          <p:cNvPr id="12" name="Заголовок 1">
+            <a:extLst>
+              <a:ext uri="{FF2B5EF4-FFF2-40B4-BE49-F238E27FC236}">
+                <a16:creationId xmlns:a16="http://schemas.microsoft.com/office/drawing/2014/main" id="{A0D3F350-FEEF-480D-BAB9-520618CF21A3}"/>
+              </a:ext>
+            </a:extLst>
+          </p:cNvPr>
+          <p:cNvSpPr txBox="1">
+            <a:spLocks/>
+          </p:cNvSpPr>
+          <p:nvPr/>
+        </p:nvSpPr>
+        <p:spPr>
+          <a:xfrm>
+            <a:off x="2924686" y="4524350"/>
+            <a:ext cx="1368152" cy="317225"/>
+          </a:xfrm>
+          <a:prstGeom prst="rect">
+            <a:avLst/>
+          </a:prstGeom>
+        </p:spPr>
+        <p:txBody>
+          <a:bodyPr vert="horz" lIns="91440" tIns="45720" rIns="91440" bIns="45720" rtlCol="0" anchor="ctr">
+            <a:normAutofit lnSpcReduction="10000"/>
+          </a:bodyPr>
+          <a:lstStyle>
+            <a:lvl1pPr algn="ctr" defTabSz="914400" rtl="0" eaLnBrk="1" latinLnBrk="0" hangingPunct="1">
+              <a:spcBef>
+                <a:spcPct val="0"/>
+              </a:spcBef>
+              <a:buNone/>
+              <a:defRPr sz="4400" kern="1200">
+                <a:solidFill>
+                  <a:schemeClr val="tx1"/>
+                </a:solidFill>
+                <a:latin typeface="+mj-lt"/>
+                <a:ea typeface="+mj-ea"/>
+                <a:cs typeface="+mj-cs"/>
+              </a:defRPr>
+            </a:lvl1pPr>
+          </a:lstStyle>
+          <a:p>
+            <a:pPr algn="l"/>
+            <a:endParaRPr lang="ru-RU" sz="1600" i="1" dirty="0">
+              <a:solidFill>
+                <a:schemeClr val="tx1">
+                  <a:lumMod val="75000"/>
+                  <a:lumOff val="25000"/>
+                </a:schemeClr>
+              </a:solidFill>
+              <a:cs typeface="Adobe Hebrew" pitchFamily="18" charset="-79"/>
+            </a:endParaRPr>
+          </a:p>
+        </p:txBody>
+      </p:sp>
+      <p:sp>
+        <p:nvSpPr>
+          <p:cNvPr id="13" name="Заголовок 1">
+            <a:extLst>
+              <a:ext uri="{FF2B5EF4-FFF2-40B4-BE49-F238E27FC236}">
+                <a16:creationId xmlns:a16="http://schemas.microsoft.com/office/drawing/2014/main" id="{5C061496-2708-4B05-8C4F-C8E9AACE35D8}"/>
+              </a:ext>
+            </a:extLst>
+          </p:cNvPr>
+          <p:cNvSpPr txBox="1">
+            <a:spLocks/>
+          </p:cNvSpPr>
+          <p:nvPr/>
+        </p:nvSpPr>
+        <p:spPr>
+          <a:xfrm>
+            <a:off x="6486827" y="2902597"/>
+            <a:ext cx="1800200" cy="317225"/>
+          </a:xfrm>
+          <a:prstGeom prst="rect">
+            <a:avLst/>
+          </a:prstGeom>
+        </p:spPr>
+        <p:txBody>
+          <a:bodyPr vert="horz" lIns="91440" tIns="45720" rIns="91440" bIns="45720" rtlCol="0" anchor="ctr">
+            <a:normAutofit lnSpcReduction="10000"/>
+          </a:bodyPr>
+          <a:lstStyle>
+            <a:lvl1pPr algn="ctr" defTabSz="914400" rtl="0" eaLnBrk="1" latinLnBrk="0" hangingPunct="1">
+              <a:spcBef>
+                <a:spcPct val="0"/>
+              </a:spcBef>
+              <a:buNone/>
+              <a:defRPr sz="4400" kern="1200">
+                <a:solidFill>
+                  <a:schemeClr val="tx1"/>
+                </a:solidFill>
+                <a:latin typeface="+mj-lt"/>
+                <a:ea typeface="+mj-ea"/>
+                <a:cs typeface="+mj-cs"/>
+              </a:defRPr>
+            </a:lvl1pPr>
+          </a:lstStyle>
+          <a:p>
+            <a:pPr algn="l"/>
+            <a:r>
+              <a:rPr lang="ru-RU" sz="1600" i="1" dirty="0">
+                <a:solidFill>
+                  <a:schemeClr val="tx1">
+                    <a:lumMod val="75000"/>
+                    <a:lumOff val="25000"/>
+                  </a:schemeClr>
+                </a:solidFill>
+                <a:cs typeface="Adobe Hebrew" pitchFamily="18" charset="-79"/>
+              </a:rPr>
+              <a:t>Травление платы</a:t>
+            </a:r>
+          </a:p>
+        </p:txBody>
+      </p:sp>
+      <p:sp>
+        <p:nvSpPr>
+          <p:cNvPr id="15" name="Заголовок 1">
+            <a:extLst>
+              <a:ext uri="{FF2B5EF4-FFF2-40B4-BE49-F238E27FC236}">
+                <a16:creationId xmlns:a16="http://schemas.microsoft.com/office/drawing/2014/main" id="{B7895234-082A-4CA9-9593-72ECF307DF05}"/>
+              </a:ext>
+            </a:extLst>
+          </p:cNvPr>
+          <p:cNvSpPr txBox="1">
+            <a:spLocks/>
+          </p:cNvSpPr>
+          <p:nvPr/>
+        </p:nvSpPr>
+        <p:spPr>
+          <a:xfrm>
+            <a:off x="6549460" y="4796182"/>
+            <a:ext cx="1674934" cy="317225"/>
+          </a:xfrm>
+          <a:prstGeom prst="rect">
+            <a:avLst/>
+          </a:prstGeom>
+        </p:spPr>
+        <p:txBody>
+          <a:bodyPr vert="horz" lIns="91440" tIns="45720" rIns="91440" bIns="45720" rtlCol="0" anchor="ctr">
+            <a:normAutofit lnSpcReduction="10000"/>
+          </a:bodyPr>
+          <a:lstStyle>
+            <a:lvl1pPr algn="ctr" defTabSz="914400" rtl="0" eaLnBrk="1" latinLnBrk="0" hangingPunct="1">
+              <a:spcBef>
+                <a:spcPct val="0"/>
+              </a:spcBef>
+              <a:buNone/>
+              <a:defRPr sz="4400" kern="1200">
+                <a:solidFill>
+                  <a:schemeClr val="tx1"/>
+                </a:solidFill>
+                <a:latin typeface="+mj-lt"/>
+                <a:ea typeface="+mj-ea"/>
+                <a:cs typeface="+mj-cs"/>
+              </a:defRPr>
+            </a:lvl1pPr>
+          </a:lstStyle>
+          <a:p>
+            <a:pPr algn="l"/>
+            <a:r>
+              <a:rPr lang="ru-RU" sz="1600" i="1" dirty="0">
+                <a:solidFill>
+                  <a:schemeClr val="tx1">
+                    <a:lumMod val="75000"/>
+                    <a:lumOff val="25000"/>
+                  </a:schemeClr>
+                </a:solidFill>
+                <a:cs typeface="Adobe Hebrew" pitchFamily="18" charset="-79"/>
+              </a:rPr>
+              <a:t>Плата в коробке</a:t>
+            </a:r>
+          </a:p>
+        </p:txBody>
+      </p:sp>
+      <p:pic>
+        <p:nvPicPr>
+          <p:cNvPr id="19" name="Рисунок 18">
+            <a:extLst>
+              <a:ext uri="{FF2B5EF4-FFF2-40B4-BE49-F238E27FC236}">
+                <a16:creationId xmlns:a16="http://schemas.microsoft.com/office/drawing/2014/main" id="{E25F424B-8210-49AA-8067-F5549F6CC292}"/>
+              </a:ext>
+            </a:extLst>
+          </p:cNvPr>
+          <p:cNvPicPr>
+            <a:picLocks noChangeAspect="1"/>
+          </p:cNvPicPr>
+          <p:nvPr/>
+        </p:nvPicPr>
+        <p:blipFill>
+          <a:blip r:embed="rId6" cstate="print">
+            <a:biLevel thresh="75000"/>
+            <a:extLst>
+              <a:ext uri="{28A0092B-C50C-407E-A947-70E740481C1C}">
+                <a14:useLocalDpi xmlns:a14="http://schemas.microsoft.com/office/drawing/2010/main" val="0"/>
+              </a:ext>
+            </a:extLst>
+          </a:blip>
+          <a:stretch>
+            <a:fillRect/>
+          </a:stretch>
+        </p:blipFill>
+        <p:spPr>
+          <a:xfrm>
+            <a:off x="6893684" y="1674039"/>
+            <a:ext cx="986486" cy="987574"/>
+          </a:xfrm>
+          <a:prstGeom prst="rect">
+            <a:avLst/>
+          </a:prstGeom>
+        </p:spPr>
+      </p:pic>
+      <p:pic>
+        <p:nvPicPr>
+          <p:cNvPr id="20" name="Рисунок 19">
+            <a:extLst>
+              <a:ext uri="{FF2B5EF4-FFF2-40B4-BE49-F238E27FC236}">
+                <a16:creationId xmlns:a16="http://schemas.microsoft.com/office/drawing/2014/main" id="{7E21009F-3120-4BB5-BBF9-10376EEADDC2}"/>
+              </a:ext>
+            </a:extLst>
+          </p:cNvPr>
+          <p:cNvPicPr>
+            <a:picLocks noChangeAspect="1"/>
+          </p:cNvPicPr>
+          <p:nvPr/>
+        </p:nvPicPr>
+        <p:blipFill>
+          <a:blip r:embed="rId7">
+            <a:biLevel thresh="75000"/>
+          </a:blip>
+          <a:stretch>
+            <a:fillRect/>
+          </a:stretch>
+        </p:blipFill>
+        <p:spPr>
+          <a:xfrm>
+            <a:off x="6895933" y="3561975"/>
+            <a:ext cx="987638" cy="987638"/>
           </a:xfrm>
           <a:prstGeom prst="rect">
             <a:avLst/>
@@ -8091,7 +8584,112 @@
       </p:pic>
       <p:sp>
         <p:nvSpPr>
-          <p:cNvPr id="6" name="Заголовок 1"/>
+          <p:cNvPr id="7" name="Прямоугольник 6"/>
+          <p:cNvSpPr/>
+          <p:nvPr/>
+        </p:nvSpPr>
+        <p:spPr>
+          <a:xfrm>
+            <a:off x="7906161" y="26766"/>
+            <a:ext cx="1237839" cy="584775"/>
+          </a:xfrm>
+          <a:prstGeom prst="rect">
+            <a:avLst/>
+          </a:prstGeom>
+        </p:spPr>
+        <p:txBody>
+          <a:bodyPr wrap="none">
+            <a:spAutoFit/>
+          </a:bodyPr>
+          <a:lstStyle/>
+          <a:p>
+            <a:r>
+              <a:rPr lang="ru-RU" sz="3200" b="1" dirty="0">
+                <a:solidFill>
+                  <a:schemeClr val="bg1">
+                    <a:lumMod val="50000"/>
+                  </a:schemeClr>
+                </a:solidFill>
+                <a:cs typeface="Adobe Hebrew" pitchFamily="18" charset="-79"/>
+              </a:rPr>
+              <a:t>№ :0</a:t>
+            </a:r>
+            <a:r>
+              <a:rPr lang="en-US" sz="3200" b="1" dirty="0">
+                <a:solidFill>
+                  <a:schemeClr val="bg1">
+                    <a:lumMod val="50000"/>
+                  </a:schemeClr>
+                </a:solidFill>
+                <a:cs typeface="Adobe Hebrew" pitchFamily="18" charset="-79"/>
+              </a:rPr>
+              <a:t>3</a:t>
+            </a:r>
+            <a:endParaRPr lang="ru-RU" sz="3200" b="1" dirty="0">
+              <a:solidFill>
+                <a:schemeClr val="bg1">
+                  <a:lumMod val="50000"/>
+                </a:schemeClr>
+              </a:solidFill>
+              <a:cs typeface="Adobe Hebrew" pitchFamily="18" charset="-79"/>
+            </a:endParaRPr>
+          </a:p>
+        </p:txBody>
+      </p:sp>
+      <p:pic>
+        <p:nvPicPr>
+          <p:cNvPr id="4" name="Рисунок 3">
+            <a:extLst>
+              <a:ext uri="{FF2B5EF4-FFF2-40B4-BE49-F238E27FC236}">
+                <a16:creationId xmlns:a16="http://schemas.microsoft.com/office/drawing/2014/main" id="{8590BF25-45BA-4BA6-A8AE-4A0DBE2D1B3C}"/>
+              </a:ext>
+            </a:extLst>
+          </p:cNvPr>
+          <p:cNvPicPr>
+            <a:picLocks noChangeAspect="1"/>
+          </p:cNvPicPr>
+          <p:nvPr/>
+        </p:nvPicPr>
+        <p:blipFill rotWithShape="1">
+          <a:blip r:embed="rId4">
+            <a:extLst>
+              <a:ext uri="{28A0092B-C50C-407E-A947-70E740481C1C}">
+                <a14:useLocalDpi xmlns:a14="http://schemas.microsoft.com/office/drawing/2010/main" val="0"/>
+              </a:ext>
+            </a:extLst>
+          </a:blip>
+          <a:srcRect t="362" r="13229" b="15699"/>
+          <a:stretch/>
+        </p:blipFill>
+        <p:spPr>
+          <a:xfrm>
+            <a:off x="1403648" y="1325207"/>
+            <a:ext cx="2998009" cy="3173886"/>
+          </a:xfrm>
+          <a:prstGeom prst="rect">
+            <a:avLst/>
+          </a:prstGeom>
+          <a:ln>
+            <a:noFill/>
+          </a:ln>
+          <a:effectLst>
+            <a:outerShdw blurRad="190500" algn="tl" rotWithShape="0">
+              <a:srgbClr val="000000">
+                <a:alpha val="70000"/>
+              </a:srgbClr>
+            </a:outerShdw>
+          </a:effectLst>
+        </p:spPr>
+      </p:pic>
+      <p:sp>
+        <p:nvSpPr>
+          <p:cNvPr id="9" name="Заголовок 1">
+            <a:extLst>
+              <a:ext uri="{FF2B5EF4-FFF2-40B4-BE49-F238E27FC236}">
+                <a16:creationId xmlns:a16="http://schemas.microsoft.com/office/drawing/2014/main" id="{AFA36A21-D51C-414C-932D-CE412EE5918F}"/>
+              </a:ext>
+            </a:extLst>
+          </p:cNvPr>
           <p:cNvSpPr txBox="1">
             <a:spLocks/>
           </p:cNvSpPr>
@@ -8099,8 +8697,8 @@
         </p:nvSpPr>
         <p:spPr>
           <a:xfrm>
-            <a:off x="1691680" y="1131590"/>
-            <a:ext cx="6768752" cy="857250"/>
+            <a:off x="1462492" y="4564445"/>
+            <a:ext cx="2880320" cy="311561"/>
           </a:xfrm>
           <a:prstGeom prst="rect">
             <a:avLst/>
@@ -8108,7 +8706,7 @@
         </p:spPr>
         <p:txBody>
           <a:bodyPr vert="horz" lIns="91440" tIns="45720" rIns="91440" bIns="45720" rtlCol="0" anchor="ctr">
-            <a:normAutofit/>
+            <a:normAutofit lnSpcReduction="10000"/>
           </a:bodyPr>
           <a:lstStyle>
             <a:lvl1pPr algn="ctr" defTabSz="914400" rtl="0" eaLnBrk="1" latinLnBrk="0" hangingPunct="1">
@@ -8129,7 +8727,7 @@
           <a:p>
             <a:pPr algn="l"/>
             <a:r>
-              <a:rPr lang="ru-RU" sz="2400" dirty="0">
+              <a:rPr lang="ru-RU" sz="1600" i="1" dirty="0">
                 <a:solidFill>
                   <a:schemeClr val="tx1">
                     <a:lumMod val="75000"/>
@@ -8138,65 +8736,157 @@
                 </a:solidFill>
                 <a:cs typeface="Adobe Hebrew" pitchFamily="18" charset="-79"/>
               </a:rPr>
-              <a:t>Скрин кучи фоток, скрин обучения сети</a:t>
-            </a:r>
-          </a:p>
-        </p:txBody>
-      </p:sp>
-      <p:sp>
-        <p:nvSpPr>
-          <p:cNvPr id="7" name="Прямоугольник 6"/>
+              <a:t>Создание обучающей выборки</a:t>
+            </a:r>
+          </a:p>
+        </p:txBody>
+      </p:sp>
+      <p:sp>
+        <p:nvSpPr>
+          <p:cNvPr id="8" name="Прямоугольник 7">
+            <a:extLst>
+              <a:ext uri="{FF2B5EF4-FFF2-40B4-BE49-F238E27FC236}">
+                <a16:creationId xmlns:a16="http://schemas.microsoft.com/office/drawing/2014/main" id="{E34D8D00-3C4B-4E06-829D-2A4A1E946093}"/>
+              </a:ext>
+            </a:extLst>
+          </p:cNvPr>
           <p:cNvSpPr/>
           <p:nvPr/>
         </p:nvSpPr>
         <p:spPr>
           <a:xfrm>
-            <a:off x="7906161" y="26766"/>
-            <a:ext cx="1237839" cy="584775"/>
-          </a:xfrm>
-          <a:prstGeom prst="rect">
-            <a:avLst/>
-          </a:prstGeom>
-        </p:spPr>
-        <p:txBody>
-          <a:bodyPr wrap="none">
-            <a:spAutoFit/>
+            <a:off x="4788024" y="1325207"/>
+            <a:ext cx="3960440" cy="3173886"/>
+          </a:xfrm>
+          <a:prstGeom prst="rect">
+            <a:avLst/>
+          </a:prstGeom>
+          <a:noFill/>
+          <a:ln w="9525" cap="flat" cmpd="sng" algn="ctr">
+            <a:solidFill>
+              <a:schemeClr val="dk1"/>
+            </a:solidFill>
+            <a:prstDash val="solid"/>
+            <a:round/>
+            <a:headEnd type="none" w="med" len="med"/>
+            <a:tailEnd type="none" w="med" len="med"/>
+          </a:ln>
+        </p:spPr>
+        <p:style>
+          <a:lnRef idx="0">
+            <a:scrgbClr r="0" g="0" b="0"/>
+          </a:lnRef>
+          <a:fillRef idx="0">
+            <a:scrgbClr r="0" g="0" b="0"/>
+          </a:fillRef>
+          <a:effectRef idx="0">
+            <a:scrgbClr r="0" g="0" b="0"/>
+          </a:effectRef>
+          <a:fontRef idx="minor">
+            <a:schemeClr val="dk1"/>
+          </a:fontRef>
+        </p:style>
+        <p:txBody>
+          <a:bodyPr rtlCol="0" anchor="ctr"/>
+          <a:lstStyle/>
+          <a:p>
+            <a:pPr algn="ctr"/>
+            <a:endParaRPr lang="ru-RU"/>
+          </a:p>
+        </p:txBody>
+      </p:sp>
+      <p:sp>
+        <p:nvSpPr>
+          <p:cNvPr id="12" name="Заголовок 1">
+            <a:extLst>
+              <a:ext uri="{FF2B5EF4-FFF2-40B4-BE49-F238E27FC236}">
+                <a16:creationId xmlns:a16="http://schemas.microsoft.com/office/drawing/2014/main" id="{2D7B5819-86DE-4C04-8FFF-E4E9584A289B}"/>
+              </a:ext>
+            </a:extLst>
+          </p:cNvPr>
+          <p:cNvSpPr txBox="1">
+            <a:spLocks/>
+          </p:cNvSpPr>
+          <p:nvPr/>
+        </p:nvSpPr>
+        <p:spPr>
+          <a:xfrm>
+            <a:off x="5508104" y="4564445"/>
+            <a:ext cx="2520280" cy="311561"/>
+          </a:xfrm>
+          <a:prstGeom prst="rect">
+            <a:avLst/>
+          </a:prstGeom>
+        </p:spPr>
+        <p:txBody>
+          <a:bodyPr vert="horz" lIns="91440" tIns="45720" rIns="91440" bIns="45720" rtlCol="0" anchor="ctr">
+            <a:normAutofit lnSpcReduction="10000"/>
           </a:bodyPr>
-          <a:lstStyle/>
-          <a:p>
-            <a:r>
-              <a:rPr lang="ru-RU" sz="3200" b="1" dirty="0">
-                <a:solidFill>
-                  <a:schemeClr val="bg1">
-                    <a:lumMod val="50000"/>
+          <a:lstStyle>
+            <a:lvl1pPr algn="ctr" defTabSz="914400" rtl="0" eaLnBrk="1" latinLnBrk="0" hangingPunct="1">
+              <a:spcBef>
+                <a:spcPct val="0"/>
+              </a:spcBef>
+              <a:buNone/>
+              <a:defRPr sz="4400" kern="1200">
+                <a:solidFill>
+                  <a:schemeClr val="tx1"/>
+                </a:solidFill>
+                <a:latin typeface="+mj-lt"/>
+                <a:ea typeface="+mj-ea"/>
+                <a:cs typeface="+mj-cs"/>
+              </a:defRPr>
+            </a:lvl1pPr>
+          </a:lstStyle>
+          <a:p>
+            <a:pPr algn="l"/>
+            <a:r>
+              <a:rPr lang="ru-RU" sz="1600" i="1" dirty="0">
+                <a:solidFill>
+                  <a:schemeClr val="tx1">
+                    <a:lumMod val="75000"/>
+                    <a:lumOff val="25000"/>
                   </a:schemeClr>
                 </a:solidFill>
                 <a:cs typeface="Adobe Hebrew" pitchFamily="18" charset="-79"/>
               </a:rPr>
-              <a:t>№ :0</a:t>
-            </a:r>
-            <a:r>
-              <a:rPr lang="en-US" sz="3200" b="1" dirty="0">
-                <a:solidFill>
-                  <a:schemeClr val="bg1">
-                    <a:lumMod val="50000"/>
-                  </a:schemeClr>
-                </a:solidFill>
-                <a:cs typeface="Adobe Hebrew" pitchFamily="18" charset="-79"/>
-              </a:rPr>
-              <a:t>3</a:t>
-            </a:r>
-            <a:endParaRPr lang="ru-RU" sz="3200" b="1" dirty="0">
-              <a:solidFill>
-                <a:schemeClr val="bg1">
-                  <a:lumMod val="50000"/>
-                </a:schemeClr>
-              </a:solidFill>
-              <a:cs typeface="Adobe Hebrew" pitchFamily="18" charset="-79"/>
-            </a:endParaRPr>
-          </a:p>
-        </p:txBody>
-      </p:sp>
+              <a:t>Обучение нейронной сети</a:t>
+            </a:r>
+          </a:p>
+        </p:txBody>
+      </p:sp>
+      <p:pic>
+        <p:nvPicPr>
+          <p:cNvPr id="14" name="Рисунок 13">
+            <a:extLst>
+              <a:ext uri="{FF2B5EF4-FFF2-40B4-BE49-F238E27FC236}">
+                <a16:creationId xmlns:a16="http://schemas.microsoft.com/office/drawing/2014/main" id="{31433C0A-9905-4AB8-8667-572C0B2570E8}"/>
+              </a:ext>
+            </a:extLst>
+          </p:cNvPr>
+          <p:cNvPicPr>
+            <a:picLocks noChangeAspect="1"/>
+          </p:cNvPicPr>
+          <p:nvPr/>
+        </p:nvPicPr>
+        <p:blipFill>
+          <a:blip r:embed="rId5">
+            <a:biLevel thresh="75000"/>
+          </a:blip>
+          <a:stretch>
+            <a:fillRect/>
+          </a:stretch>
+        </p:blipFill>
+        <p:spPr>
+          <a:xfrm>
+            <a:off x="6274425" y="2418331"/>
+            <a:ext cx="987638" cy="987638"/>
+          </a:xfrm>
+          <a:prstGeom prst="rect">
+            <a:avLst/>
+          </a:prstGeom>
+        </p:spPr>
+      </p:pic>
     </p:spTree>
     <p:extLst>
       <p:ext uri="{BB962C8B-B14F-4D97-AF65-F5344CB8AC3E}">
@@ -8397,7 +9087,127 @@
       </p:pic>
       <p:sp>
         <p:nvSpPr>
-          <p:cNvPr id="6" name="Заголовок 1"/>
+          <p:cNvPr id="7" name="Прямоугольник 6"/>
+          <p:cNvSpPr/>
+          <p:nvPr/>
+        </p:nvSpPr>
+        <p:spPr>
+          <a:xfrm>
+            <a:off x="7906161" y="26766"/>
+            <a:ext cx="1237839" cy="584775"/>
+          </a:xfrm>
+          <a:prstGeom prst="rect">
+            <a:avLst/>
+          </a:prstGeom>
+        </p:spPr>
+        <p:txBody>
+          <a:bodyPr wrap="none">
+            <a:spAutoFit/>
+          </a:bodyPr>
+          <a:lstStyle/>
+          <a:p>
+            <a:r>
+              <a:rPr lang="ru-RU" sz="3200" b="1" dirty="0">
+                <a:solidFill>
+                  <a:schemeClr val="bg1">
+                    <a:lumMod val="50000"/>
+                  </a:schemeClr>
+                </a:solidFill>
+                <a:cs typeface="Adobe Hebrew" pitchFamily="18" charset="-79"/>
+              </a:rPr>
+              <a:t>№ :0</a:t>
+            </a:r>
+            <a:r>
+              <a:rPr lang="en-US" sz="3200" b="1" dirty="0">
+                <a:solidFill>
+                  <a:schemeClr val="bg1">
+                    <a:lumMod val="50000"/>
+                  </a:schemeClr>
+                </a:solidFill>
+                <a:cs typeface="Adobe Hebrew" pitchFamily="18" charset="-79"/>
+              </a:rPr>
+              <a:t>3</a:t>
+            </a:r>
+            <a:endParaRPr lang="ru-RU" sz="3200" b="1" dirty="0">
+              <a:solidFill>
+                <a:schemeClr val="bg1">
+                  <a:lumMod val="50000"/>
+                </a:schemeClr>
+              </a:solidFill>
+              <a:cs typeface="Adobe Hebrew" pitchFamily="18" charset="-79"/>
+            </a:endParaRPr>
+          </a:p>
+        </p:txBody>
+      </p:sp>
+      <p:pic>
+        <p:nvPicPr>
+          <p:cNvPr id="9" name="Рисунок 8">
+            <a:extLst>
+              <a:ext uri="{FF2B5EF4-FFF2-40B4-BE49-F238E27FC236}">
+                <a16:creationId xmlns:a16="http://schemas.microsoft.com/office/drawing/2014/main" id="{2C039381-BE2B-4369-8166-59FA17F64885}"/>
+              </a:ext>
+            </a:extLst>
+          </p:cNvPr>
+          <p:cNvPicPr>
+            <a:picLocks noChangeAspect="1"/>
+          </p:cNvPicPr>
+          <p:nvPr/>
+        </p:nvPicPr>
+        <p:blipFill>
+          <a:blip r:embed="rId4"/>
+          <a:stretch>
+            <a:fillRect/>
+          </a:stretch>
+        </p:blipFill>
+        <p:spPr>
+          <a:xfrm>
+            <a:off x="1397722" y="3219822"/>
+            <a:ext cx="4188315" cy="1548518"/>
+          </a:xfrm>
+          <a:prstGeom prst="rect">
+            <a:avLst/>
+          </a:prstGeom>
+        </p:spPr>
+      </p:pic>
+      <p:pic>
+        <p:nvPicPr>
+          <p:cNvPr id="10" name="Рисунок 9">
+            <a:extLst>
+              <a:ext uri="{FF2B5EF4-FFF2-40B4-BE49-F238E27FC236}">
+                <a16:creationId xmlns:a16="http://schemas.microsoft.com/office/drawing/2014/main" id="{1DB2796C-261F-486C-B120-26259F5596FF}"/>
+              </a:ext>
+            </a:extLst>
+          </p:cNvPr>
+          <p:cNvPicPr>
+            <a:picLocks noChangeAspect="1"/>
+          </p:cNvPicPr>
+          <p:nvPr/>
+        </p:nvPicPr>
+        <p:blipFill>
+          <a:blip r:embed="rId4"/>
+          <a:stretch>
+            <a:fillRect/>
+          </a:stretch>
+        </p:blipFill>
+        <p:spPr>
+          <a:xfrm>
+            <a:off x="1397721" y="1190159"/>
+            <a:ext cx="4188315" cy="1548518"/>
+          </a:xfrm>
+          <a:prstGeom prst="rect">
+            <a:avLst/>
+          </a:prstGeom>
+        </p:spPr>
+      </p:pic>
+      <p:sp>
+        <p:nvSpPr>
+          <p:cNvPr id="12" name="Заголовок 1">
+            <a:extLst>
+              <a:ext uri="{FF2B5EF4-FFF2-40B4-BE49-F238E27FC236}">
+                <a16:creationId xmlns:a16="http://schemas.microsoft.com/office/drawing/2014/main" id="{14A49A3A-FFB8-4DC6-A97A-B0686F01155D}"/>
+              </a:ext>
+            </a:extLst>
+          </p:cNvPr>
           <p:cNvSpPr txBox="1">
             <a:spLocks/>
           </p:cNvSpPr>
@@ -8405,8 +9215,68 @@
         </p:nvSpPr>
         <p:spPr>
           <a:xfrm>
-            <a:off x="1691680" y="1131590"/>
-            <a:ext cx="6768752" cy="857250"/>
+            <a:off x="2596307" y="2812013"/>
+            <a:ext cx="1791142" cy="311561"/>
+          </a:xfrm>
+          <a:prstGeom prst="rect">
+            <a:avLst/>
+          </a:prstGeom>
+        </p:spPr>
+        <p:txBody>
+          <a:bodyPr vert="horz" lIns="91440" tIns="45720" rIns="91440" bIns="45720" rtlCol="0" anchor="ctr">
+            <a:normAutofit lnSpcReduction="10000"/>
+          </a:bodyPr>
+          <a:lstStyle>
+            <a:lvl1pPr algn="ctr" defTabSz="914400" rtl="0" eaLnBrk="1" latinLnBrk="0" hangingPunct="1">
+              <a:spcBef>
+                <a:spcPct val="0"/>
+              </a:spcBef>
+              <a:buNone/>
+              <a:defRPr sz="4400" kern="1200">
+                <a:solidFill>
+                  <a:schemeClr val="tx1"/>
+                </a:solidFill>
+                <a:latin typeface="+mj-lt"/>
+                <a:ea typeface="+mj-ea"/>
+                <a:cs typeface="+mj-cs"/>
+              </a:defRPr>
+            </a:lvl1pPr>
+          </a:lstStyle>
+          <a:p>
+            <a:pPr algn="l"/>
+            <a:r>
+              <a:rPr lang="ru-RU" sz="1600" i="1" dirty="0">
+                <a:solidFill>
+                  <a:schemeClr val="tx1">
+                    <a:lumMod val="75000"/>
+                    <a:lumOff val="25000"/>
+                  </a:schemeClr>
+                </a:solidFill>
+                <a:cs typeface="Adobe Hebrew" pitchFamily="18" charset="-79"/>
+              </a:rPr>
+              <a:t>Главная страница</a:t>
+            </a:r>
+          </a:p>
+        </p:txBody>
+      </p:sp>
+      <p:sp>
+        <p:nvSpPr>
+          <p:cNvPr id="13" name="Заголовок 1">
+            <a:extLst>
+              <a:ext uri="{FF2B5EF4-FFF2-40B4-BE49-F238E27FC236}">
+                <a16:creationId xmlns:a16="http://schemas.microsoft.com/office/drawing/2014/main" id="{56522920-5A7B-40DE-BC06-3A0C8A11C7ED}"/>
+              </a:ext>
+            </a:extLst>
+          </p:cNvPr>
+          <p:cNvSpPr txBox="1">
+            <a:spLocks/>
+          </p:cNvSpPr>
+          <p:nvPr/>
+        </p:nvSpPr>
+        <p:spPr>
+          <a:xfrm>
+            <a:off x="1691678" y="4731990"/>
+            <a:ext cx="3600400" cy="467342"/>
           </a:xfrm>
           <a:prstGeom prst="rect">
             <a:avLst/>
@@ -8435,7 +9305,7 @@
           <a:p>
             <a:pPr algn="l"/>
             <a:r>
-              <a:rPr lang="ru-RU" sz="2400" dirty="0">
+              <a:rPr lang="ru-RU" sz="1600" i="1" dirty="0">
                 <a:solidFill>
                   <a:schemeClr val="tx1">
                     <a:lumMod val="75000"/>
@@ -8444,101 +9314,107 @@
                 </a:solidFill>
                 <a:cs typeface="Adobe Hebrew" pitchFamily="18" charset="-79"/>
               </a:rPr>
-              <a:t>Скрины/видео, </a:t>
-            </a:r>
-            <a:r>
-              <a:rPr lang="en-US" sz="2400" dirty="0" err="1">
-                <a:solidFill>
-                  <a:schemeClr val="tx1">
-                    <a:lumMod val="75000"/>
-                    <a:lumOff val="25000"/>
-                  </a:schemeClr>
-                </a:solidFill>
-                <a:cs typeface="Adobe Hebrew" pitchFamily="18" charset="-79"/>
-              </a:rPr>
-              <a:t>qr</a:t>
-            </a:r>
-            <a:r>
-              <a:rPr lang="en-US" sz="2400" dirty="0">
-                <a:solidFill>
-                  <a:schemeClr val="tx1">
-                    <a:lumMod val="75000"/>
-                    <a:lumOff val="25000"/>
-                  </a:schemeClr>
-                </a:solidFill>
-                <a:cs typeface="Adobe Hebrew" pitchFamily="18" charset="-79"/>
-              </a:rPr>
-              <a:t> </a:t>
-            </a:r>
-            <a:r>
-              <a:rPr lang="ru-RU" sz="2400" dirty="0">
-                <a:solidFill>
-                  <a:schemeClr val="tx1">
-                    <a:lumMod val="75000"/>
-                    <a:lumOff val="25000"/>
-                  </a:schemeClr>
-                </a:solidFill>
-                <a:cs typeface="Adobe Hebrew" pitchFamily="18" charset="-79"/>
-              </a:rPr>
-              <a:t>код</a:t>
-            </a:r>
-          </a:p>
-        </p:txBody>
-      </p:sp>
-      <p:sp>
-        <p:nvSpPr>
-          <p:cNvPr id="7" name="Прямоугольник 6"/>
-          <p:cNvSpPr/>
-          <p:nvPr/>
-        </p:nvSpPr>
-        <p:spPr>
-          <a:xfrm>
-            <a:off x="7906161" y="26766"/>
-            <a:ext cx="1237839" cy="584775"/>
-          </a:xfrm>
-          <a:prstGeom prst="rect">
-            <a:avLst/>
-          </a:prstGeom>
-        </p:spPr>
-        <p:txBody>
-          <a:bodyPr wrap="none">
-            <a:spAutoFit/>
-          </a:bodyPr>
-          <a:lstStyle/>
-          <a:p>
-            <a:r>
-              <a:rPr lang="ru-RU" sz="3200" b="1" dirty="0">
-                <a:solidFill>
-                  <a:schemeClr val="bg1">
-                    <a:lumMod val="50000"/>
-                  </a:schemeClr>
-                </a:solidFill>
-                <a:cs typeface="Adobe Hebrew" pitchFamily="18" charset="-79"/>
-              </a:rPr>
-              <a:t>№ :0</a:t>
-            </a:r>
-            <a:r>
-              <a:rPr lang="en-US" sz="3200" b="1" dirty="0">
-                <a:solidFill>
-                  <a:schemeClr val="bg1">
-                    <a:lumMod val="50000"/>
-                  </a:schemeClr>
-                </a:solidFill>
-                <a:cs typeface="Adobe Hebrew" pitchFamily="18" charset="-79"/>
-              </a:rPr>
-              <a:t>3</a:t>
-            </a:r>
-            <a:endParaRPr lang="ru-RU" sz="3200" b="1" dirty="0">
-              <a:solidFill>
-                <a:schemeClr val="bg1">
-                  <a:lumMod val="50000"/>
-                </a:schemeClr>
-              </a:solidFill>
-              <a:cs typeface="Adobe Hebrew" pitchFamily="18" charset="-79"/>
-            </a:endParaRPr>
-          </a:p>
-        </p:txBody>
-      </p:sp>
+              <a:t>Страница судна с информацией о нем</a:t>
+            </a:r>
+          </a:p>
+        </p:txBody>
+      </p:sp>
+      <p:pic>
+        <p:nvPicPr>
+          <p:cNvPr id="16" name="Рисунок 15">
+            <a:extLst>
+              <a:ext uri="{FF2B5EF4-FFF2-40B4-BE49-F238E27FC236}">
+                <a16:creationId xmlns:a16="http://schemas.microsoft.com/office/drawing/2014/main" id="{C13577BE-B2AC-4621-AD72-26CCC8CCD76F}"/>
+              </a:ext>
+            </a:extLst>
+          </p:cNvPr>
+          <p:cNvPicPr>
+            <a:picLocks noChangeAspect="1"/>
+          </p:cNvPicPr>
+          <p:nvPr/>
+        </p:nvPicPr>
+        <p:blipFill rotWithShape="1">
+          <a:blip r:embed="rId5">
+            <a:biLevel thresh="75000"/>
+            <a:extLst>
+              <a:ext uri="{28A0092B-C50C-407E-A947-70E740481C1C}">
+                <a14:useLocalDpi xmlns:a14="http://schemas.microsoft.com/office/drawing/2010/main" val="0"/>
+              </a:ext>
+            </a:extLst>
+          </a:blip>
+          <a:srcRect l="5239" t="7806" r="6293" b="8930"/>
+          <a:stretch/>
+        </p:blipFill>
+        <p:spPr>
+          <a:xfrm>
+            <a:off x="5436096" y="1137942"/>
+            <a:ext cx="3888432" cy="3659701"/>
+          </a:xfrm>
+          <a:prstGeom prst="ellipse">
+            <a:avLst/>
+          </a:prstGeom>
+        </p:spPr>
+      </p:pic>
+      <p:pic>
+        <p:nvPicPr>
+          <p:cNvPr id="19" name="Рисунок 18">
+            <a:extLst>
+              <a:ext uri="{FF2B5EF4-FFF2-40B4-BE49-F238E27FC236}">
+                <a16:creationId xmlns:a16="http://schemas.microsoft.com/office/drawing/2014/main" id="{4CA2E871-87BB-4F1C-99EE-FC490C6A0A93}"/>
+              </a:ext>
+            </a:extLst>
+          </p:cNvPr>
+          <p:cNvPicPr>
+            <a:picLocks noChangeAspect="1"/>
+          </p:cNvPicPr>
+          <p:nvPr/>
+        </p:nvPicPr>
+        <p:blipFill>
+          <a:blip r:embed="rId6"/>
+          <a:stretch>
+            <a:fillRect/>
+          </a:stretch>
+        </p:blipFill>
+        <p:spPr>
+          <a:xfrm>
+            <a:off x="2998059" y="1470599"/>
+            <a:ext cx="987638" cy="987638"/>
+          </a:xfrm>
+          <a:prstGeom prst="rect">
+            <a:avLst/>
+          </a:prstGeom>
+        </p:spPr>
+      </p:pic>
+      <p:pic>
+        <p:nvPicPr>
+          <p:cNvPr id="20" name="Рисунок 19">
+            <a:extLst>
+              <a:ext uri="{FF2B5EF4-FFF2-40B4-BE49-F238E27FC236}">
+                <a16:creationId xmlns:a16="http://schemas.microsoft.com/office/drawing/2014/main" id="{090C4FF9-9937-40E9-9719-05803EBC4D36}"/>
+              </a:ext>
+            </a:extLst>
+          </p:cNvPr>
+          <p:cNvPicPr>
+            <a:picLocks noChangeAspect="1"/>
+          </p:cNvPicPr>
+          <p:nvPr/>
+        </p:nvPicPr>
+        <p:blipFill>
+          <a:blip r:embed="rId6"/>
+          <a:stretch>
+            <a:fillRect/>
+          </a:stretch>
+        </p:blipFill>
+        <p:spPr>
+          <a:xfrm>
+            <a:off x="2990564" y="3502379"/>
+            <a:ext cx="987638" cy="987638"/>
+          </a:xfrm>
+          <a:prstGeom prst="rect">
+            <a:avLst/>
+          </a:prstGeom>
+        </p:spPr>
+      </p:pic>
     </p:spTree>
     <p:extLst>
       <p:ext uri="{BB962C8B-B14F-4D97-AF65-F5344CB8AC3E}">
@@ -8839,66 +9715,6 @@
               </a:solidFill>
               <a:cs typeface="Adobe Hebrew" pitchFamily="18" charset="-79"/>
             </a:endParaRPr>
-          </a:p>
-        </p:txBody>
-      </p:sp>
-      <p:sp>
-        <p:nvSpPr>
-          <p:cNvPr id="9" name="Заголовок 1">
-            <a:extLst>
-              <a:ext uri="{FF2B5EF4-FFF2-40B4-BE49-F238E27FC236}">
-                <a16:creationId xmlns:a16="http://schemas.microsoft.com/office/drawing/2014/main" id="{A979AAE5-4DCF-4162-9125-5B3DEA1BC048}"/>
-              </a:ext>
-            </a:extLst>
-          </p:cNvPr>
-          <p:cNvSpPr txBox="1">
-            <a:spLocks/>
-          </p:cNvSpPr>
-          <p:nvPr/>
-        </p:nvSpPr>
-        <p:spPr>
-          <a:xfrm>
-            <a:off x="1691680" y="1235148"/>
-            <a:ext cx="6768752" cy="857250"/>
-          </a:xfrm>
-          <a:prstGeom prst="rect">
-            <a:avLst/>
-          </a:prstGeom>
-        </p:spPr>
-        <p:txBody>
-          <a:bodyPr vert="horz" lIns="91440" tIns="45720" rIns="91440" bIns="45720" rtlCol="0" anchor="ctr">
-            <a:normAutofit/>
-          </a:bodyPr>
-          <a:lstStyle>
-            <a:lvl1pPr algn="ctr" defTabSz="914400" rtl="0" eaLnBrk="1" latinLnBrk="0" hangingPunct="1">
-              <a:spcBef>
-                <a:spcPct val="0"/>
-              </a:spcBef>
-              <a:buNone/>
-              <a:defRPr sz="4400" kern="1200">
-                <a:solidFill>
-                  <a:schemeClr val="tx1"/>
-                </a:solidFill>
-                <a:latin typeface="+mj-lt"/>
-                <a:ea typeface="+mj-ea"/>
-                <a:cs typeface="+mj-cs"/>
-              </a:defRPr>
-            </a:lvl1pPr>
-          </a:lstStyle>
-          <a:p>
-            <a:pPr algn="l"/>
-            <a:r>
-              <a:rPr lang="ru-RU" sz="2400" dirty="0">
-                <a:solidFill>
-                  <a:schemeClr val="tx1">
-                    <a:lumMod val="75000"/>
-                    <a:lumOff val="25000"/>
-                  </a:schemeClr>
-                </a:solidFill>
-                <a:cs typeface="Adobe Hebrew" pitchFamily="18" charset="-79"/>
-              </a:rPr>
-              <a:t>Вика напишет</a:t>
-            </a:r>
           </a:p>
         </p:txBody>
       </p:sp>
